--- a/week_03/day_4/CodeClan Ethics Presentation.pptx
+++ b/week_03/day_4/CodeClan Ethics Presentation.pptx
@@ -1,34 +1,34 @@
 
 <file path=ppt/presentation.xml><?xml version="1.0" encoding="utf-8"?>
-<p:presentation xmlns:a="http://schemas.openxmlformats.org/drawingml/2006/main" xmlns:r="http://schemas.openxmlformats.org/officeDocument/2006/relationships" xmlns:mc="http://schemas.openxmlformats.org/markup-compatibility/2006" xmlns:mv="urn:schemas-microsoft-com:mac:vml" xmlns:p="http://schemas.openxmlformats.org/presentationml/2006/main" xmlns:c="http://schemas.openxmlformats.org/drawingml/2006/chart" xmlns:dgm="http://schemas.openxmlformats.org/drawingml/2006/diagram" xmlns:o="urn:schemas-microsoft-com:office:office" xmlns:v="urn:schemas-microsoft-com:vml" xmlns:pvml="urn:schemas-microsoft-com:office:powerpoint" xmlns:com="http://schemas.openxmlformats.org/drawingml/2006/compatibility" xmlns:p14="http://schemas.microsoft.com/office/powerpoint/2010/main" xmlns:p15="http://schemas.microsoft.com/office/powerpoint/2012/main" xmlns:ahyp="http://schemas.microsoft.com/office/drawing/2018/hyperlinkcolor" autoCompressPictures="0" embedTrueTypeFonts="1" strictFirstAndLastChars="0" saveSubsetFonts="1">
+<p:presentation xmlns:a="http://schemas.openxmlformats.org/drawingml/2006/main" xmlns:r="http://schemas.openxmlformats.org/officeDocument/2006/relationships" xmlns:p="http://schemas.openxmlformats.org/presentationml/2006/main" strictFirstAndLastChars="0" embedTrueTypeFonts="1" autoCompressPictures="0">
   <p:sldMasterIdLst>
-    <p:sldMasterId id="2147483659" r:id="rId4"/>
+    <p:sldMasterId id="2147483659" r:id="rId1"/>
   </p:sldMasterIdLst>
   <p:notesMasterIdLst>
-    <p:notesMasterId r:id="rId5"/>
+    <p:notesMasterId r:id="rId9"/>
   </p:notesMasterIdLst>
   <p:sldIdLst>
-    <p:sldId id="256" r:id="rId6"/>
-    <p:sldId id="257" r:id="rId7"/>
-    <p:sldId id="258" r:id="rId8"/>
-    <p:sldId id="259" r:id="rId9"/>
-    <p:sldId id="260" r:id="rId10"/>
-    <p:sldId id="261" r:id="rId11"/>
-    <p:sldId id="262" r:id="rId12"/>
+    <p:sldId id="256" r:id="rId2"/>
+    <p:sldId id="257" r:id="rId3"/>
+    <p:sldId id="258" r:id="rId4"/>
+    <p:sldId id="259" r:id="rId5"/>
+    <p:sldId id="260" r:id="rId6"/>
+    <p:sldId id="261" r:id="rId7"/>
+    <p:sldId id="262" r:id="rId8"/>
   </p:sldIdLst>
-  <p:sldSz cy="5143500" cx="9144000"/>
+  <p:sldSz cx="9144000" cy="5143500" type="screen16x9"/>
   <p:notesSz cx="6858000" cy="9144000"/>
   <p:embeddedFontLst>
     <p:embeddedFont>
-      <p:font typeface="Roboto"/>
-      <p:regular r:id="rId13"/>
-      <p:bold r:id="rId14"/>
-      <p:italic r:id="rId15"/>
-      <p:boldItalic r:id="rId16"/>
+      <p:font typeface="Roboto" panose="02000000000000000000" pitchFamily="2" charset="0"/>
+      <p:regular r:id="rId10"/>
+      <p:bold r:id="rId11"/>
+      <p:italic r:id="rId12"/>
+      <p:boldItalic r:id="rId13"/>
     </p:embeddedFont>
   </p:embeddedFontLst>
   <p:defaultTextStyle>
-    <a:defPPr lvl="0" marR="0" rtl="0" algn="l">
+    <a:defPPr marR="0" lvl="0" algn="l" rtl="0">
       <a:lnSpc>
         <a:spcPct val="100000"/>
       </a:lnSpc>
@@ -39,7 +39,7 @@
         <a:spcPts val="0"/>
       </a:spcAft>
     </a:defPPr>
-    <a:lvl1pPr lvl="0" marR="0" rtl="0" algn="l">
+    <a:lvl1pPr marR="0" lvl="0" algn="l" rtl="0">
       <a:lnSpc>
         <a:spcPct val="100000"/>
       </a:lnSpc>
@@ -53,7 +53,7 @@
         <a:srgbClr val="000000"/>
       </a:buClr>
       <a:buFont typeface="Arial"/>
-      <a:defRPr b="0" i="0" sz="1400" u="none" cap="none" strike="noStrike">
+      <a:defRPr sz="1400" b="0" i="0" u="none" strike="noStrike" cap="none">
         <a:solidFill>
           <a:srgbClr val="000000"/>
         </a:solidFill>
@@ -63,7 +63,7 @@
         <a:sym typeface="Arial"/>
       </a:defRPr>
     </a:lvl1pPr>
-    <a:lvl2pPr lvl="1" marR="0" rtl="0" algn="l">
+    <a:lvl2pPr marR="0" lvl="1" algn="l" rtl="0">
       <a:lnSpc>
         <a:spcPct val="100000"/>
       </a:lnSpc>
@@ -77,7 +77,7 @@
         <a:srgbClr val="000000"/>
       </a:buClr>
       <a:buFont typeface="Arial"/>
-      <a:defRPr b="0" i="0" sz="1400" u="none" cap="none" strike="noStrike">
+      <a:defRPr sz="1400" b="0" i="0" u="none" strike="noStrike" cap="none">
         <a:solidFill>
           <a:srgbClr val="000000"/>
         </a:solidFill>
@@ -87,7 +87,7 @@
         <a:sym typeface="Arial"/>
       </a:defRPr>
     </a:lvl2pPr>
-    <a:lvl3pPr lvl="2" marR="0" rtl="0" algn="l">
+    <a:lvl3pPr marR="0" lvl="2" algn="l" rtl="0">
       <a:lnSpc>
         <a:spcPct val="100000"/>
       </a:lnSpc>
@@ -101,7 +101,7 @@
         <a:srgbClr val="000000"/>
       </a:buClr>
       <a:buFont typeface="Arial"/>
-      <a:defRPr b="0" i="0" sz="1400" u="none" cap="none" strike="noStrike">
+      <a:defRPr sz="1400" b="0" i="0" u="none" strike="noStrike" cap="none">
         <a:solidFill>
           <a:srgbClr val="000000"/>
         </a:solidFill>
@@ -111,7 +111,7 @@
         <a:sym typeface="Arial"/>
       </a:defRPr>
     </a:lvl3pPr>
-    <a:lvl4pPr lvl="3" marR="0" rtl="0" algn="l">
+    <a:lvl4pPr marR="0" lvl="3" algn="l" rtl="0">
       <a:lnSpc>
         <a:spcPct val="100000"/>
       </a:lnSpc>
@@ -125,7 +125,7 @@
         <a:srgbClr val="000000"/>
       </a:buClr>
       <a:buFont typeface="Arial"/>
-      <a:defRPr b="0" i="0" sz="1400" u="none" cap="none" strike="noStrike">
+      <a:defRPr sz="1400" b="0" i="0" u="none" strike="noStrike" cap="none">
         <a:solidFill>
           <a:srgbClr val="000000"/>
         </a:solidFill>
@@ -135,7 +135,7 @@
         <a:sym typeface="Arial"/>
       </a:defRPr>
     </a:lvl4pPr>
-    <a:lvl5pPr lvl="4" marR="0" rtl="0" algn="l">
+    <a:lvl5pPr marR="0" lvl="4" algn="l" rtl="0">
       <a:lnSpc>
         <a:spcPct val="100000"/>
       </a:lnSpc>
@@ -149,7 +149,7 @@
         <a:srgbClr val="000000"/>
       </a:buClr>
       <a:buFont typeface="Arial"/>
-      <a:defRPr b="0" i="0" sz="1400" u="none" cap="none" strike="noStrike">
+      <a:defRPr sz="1400" b="0" i="0" u="none" strike="noStrike" cap="none">
         <a:solidFill>
           <a:srgbClr val="000000"/>
         </a:solidFill>
@@ -159,7 +159,7 @@
         <a:sym typeface="Arial"/>
       </a:defRPr>
     </a:lvl5pPr>
-    <a:lvl6pPr lvl="5" marR="0" rtl="0" algn="l">
+    <a:lvl6pPr marR="0" lvl="5" algn="l" rtl="0">
       <a:lnSpc>
         <a:spcPct val="100000"/>
       </a:lnSpc>
@@ -173,7 +173,7 @@
         <a:srgbClr val="000000"/>
       </a:buClr>
       <a:buFont typeface="Arial"/>
-      <a:defRPr b="0" i="0" sz="1400" u="none" cap="none" strike="noStrike">
+      <a:defRPr sz="1400" b="0" i="0" u="none" strike="noStrike" cap="none">
         <a:solidFill>
           <a:srgbClr val="000000"/>
         </a:solidFill>
@@ -183,7 +183,7 @@
         <a:sym typeface="Arial"/>
       </a:defRPr>
     </a:lvl6pPr>
-    <a:lvl7pPr lvl="6" marR="0" rtl="0" algn="l">
+    <a:lvl7pPr marR="0" lvl="6" algn="l" rtl="0">
       <a:lnSpc>
         <a:spcPct val="100000"/>
       </a:lnSpc>
@@ -197,7 +197,7 @@
         <a:srgbClr val="000000"/>
       </a:buClr>
       <a:buFont typeface="Arial"/>
-      <a:defRPr b="0" i="0" sz="1400" u="none" cap="none" strike="noStrike">
+      <a:defRPr sz="1400" b="0" i="0" u="none" strike="noStrike" cap="none">
         <a:solidFill>
           <a:srgbClr val="000000"/>
         </a:solidFill>
@@ -207,7 +207,7 @@
         <a:sym typeface="Arial"/>
       </a:defRPr>
     </a:lvl7pPr>
-    <a:lvl8pPr lvl="7" marR="0" rtl="0" algn="l">
+    <a:lvl8pPr marR="0" lvl="7" algn="l" rtl="0">
       <a:lnSpc>
         <a:spcPct val="100000"/>
       </a:lnSpc>
@@ -221,7 +221,7 @@
         <a:srgbClr val="000000"/>
       </a:buClr>
       <a:buFont typeface="Arial"/>
-      <a:defRPr b="0" i="0" sz="1400" u="none" cap="none" strike="noStrike">
+      <a:defRPr sz="1400" b="0" i="0" u="none" strike="noStrike" cap="none">
         <a:solidFill>
           <a:srgbClr val="000000"/>
         </a:solidFill>
@@ -231,7 +231,7 @@
         <a:sym typeface="Arial"/>
       </a:defRPr>
     </a:lvl8pPr>
-    <a:lvl9pPr lvl="8" marR="0" rtl="0" algn="l">
+    <a:lvl9pPr marR="0" lvl="8" algn="l" rtl="0">
       <a:lnSpc>
         <a:spcPct val="100000"/>
       </a:lnSpc>
@@ -245,7 +245,7 @@
         <a:srgbClr val="000000"/>
       </a:buClr>
       <a:buFont typeface="Arial"/>
-      <a:defRPr b="0" i="0" sz="1400" u="none" cap="none" strike="noStrike">
+      <a:defRPr sz="1400" b="0" i="0" u="none" strike="noStrike" cap="none">
         <a:solidFill>
           <a:srgbClr val="000000"/>
         </a:solidFill>
@@ -258,7 +258,7 @@
   </p:defaultTextStyle>
   <p:extLst>
     <p:ext uri="{EFAFB233-063F-42B5-8137-9DF3F51BA10A}">
-      <p15:sldGuideLst>
+      <p15:sldGuideLst xmlns:p15="http://schemas.microsoft.com/office/powerpoint/2012/main">
         <p15:guide id="1" orient="horz" pos="1620">
           <p15:clr>
             <a:srgbClr val="A4A3A4"/>
@@ -276,11 +276,16 @@
 </file>
 
 <file path=ppt/notesMasters/notesMaster1.xml><?xml version="1.0" encoding="utf-8"?>
-<p:notesMaster xmlns:a="http://schemas.openxmlformats.org/drawingml/2006/main" xmlns:r="http://schemas.openxmlformats.org/officeDocument/2006/relationships" xmlns:mc="http://schemas.openxmlformats.org/markup-compatibility/2006" xmlns:mv="urn:schemas-microsoft-com:mac:vml" xmlns:p="http://schemas.openxmlformats.org/presentationml/2006/main" xmlns:c="http://schemas.openxmlformats.org/drawingml/2006/chart" xmlns:dgm="http://schemas.openxmlformats.org/drawingml/2006/diagram" xmlns:o="urn:schemas-microsoft-com:office:office" xmlns:v="urn:schemas-microsoft-com:vml" xmlns:pvml="urn:schemas-microsoft-com:office:powerpoint" xmlns:com="http://schemas.openxmlformats.org/drawingml/2006/compatibility" xmlns:p14="http://schemas.microsoft.com/office/powerpoint/2010/main" xmlns:p15="http://schemas.microsoft.com/office/powerpoint/2012/main" xmlns:ahyp="http://schemas.microsoft.com/office/drawing/2018/hyperlinkcolor">
+<p:notesMaster xmlns:a="http://schemas.openxmlformats.org/drawingml/2006/main" xmlns:r="http://schemas.openxmlformats.org/officeDocument/2006/relationships" xmlns:p="http://schemas.openxmlformats.org/presentationml/2006/main">
   <p:cSld>
+    <p:bg>
+      <p:bgRef idx="1001">
+        <a:schemeClr val="bg1"/>
+      </p:bgRef>
+    </p:bg>
     <p:spTree>
       <p:nvGrpSpPr>
-        <p:cNvPr id="2" name="Shape 2"/>
+        <p:cNvPr id="1" name="Shape 2"/>
         <p:cNvGrpSpPr/>
         <p:nvPr/>
       </p:nvGrpSpPr>
@@ -295,9 +300,11 @@
       <p:sp>
         <p:nvSpPr>
           <p:cNvPr id="3" name="Google Shape;3;n"/>
-          <p:cNvSpPr/>
+          <p:cNvSpPr>
+            <a:spLocks noGrp="1" noRot="1" noChangeAspect="1"/>
+          </p:cNvSpPr>
           <p:nvPr>
-            <p:ph idx="2" type="sldImg"/>
+            <p:ph type="sldImg" idx="2"/>
           </p:nvPr>
         </p:nvSpPr>
         <p:spPr>
@@ -306,9 +313,13 @@
             <a:ext cx="6096075" cy="3429000"/>
           </a:xfrm>
           <a:custGeom>
-            <a:rect b="b" l="l" r="r" t="t"/>
+            <a:avLst/>
+            <a:gdLst/>
+            <a:ahLst/>
+            <a:cxnLst/>
+            <a:rect l="l" t="t" r="r" b="b"/>
             <a:pathLst>
-              <a:path extrusionOk="0" h="120000" w="120000">
+              <a:path w="120000" h="120000" extrusionOk="0">
                 <a:moveTo>
                   <a:pt x="0" y="0"/>
                 </a:moveTo>
@@ -326,23 +337,25 @@
             </a:pathLst>
           </a:custGeom>
           <a:noFill/>
-          <a:ln cap="flat" cmpd="sng" w="9525">
+          <a:ln w="9525" cap="flat" cmpd="sng">
             <a:solidFill>
               <a:srgbClr val="000000"/>
             </a:solidFill>
             <a:prstDash val="solid"/>
             <a:round/>
-            <a:headEnd len="sm" w="sm" type="none"/>
-            <a:tailEnd len="sm" w="sm" type="none"/>
+            <a:headEnd type="none" w="sm" len="sm"/>
+            <a:tailEnd type="none" w="sm" len="sm"/>
           </a:ln>
         </p:spPr>
       </p:sp>
       <p:sp>
         <p:nvSpPr>
           <p:cNvPr id="4" name="Google Shape;4;n"/>
-          <p:cNvSpPr txBox="1"/>
+          <p:cNvSpPr txBox="1">
+            <a:spLocks noGrp="1"/>
+          </p:cNvSpPr>
           <p:nvPr>
-            <p:ph idx="1" type="body"/>
+            <p:ph type="body" idx="1"/>
           </p:nvPr>
         </p:nvSpPr>
         <p:spPr>
@@ -359,11 +372,11 @@
           </a:ln>
         </p:spPr>
         <p:txBody>
-          <a:bodyPr anchorCtr="0" anchor="t" bIns="91425" lIns="91425" spcFirstLastPara="1" rIns="91425" wrap="square" tIns="91425">
+          <a:bodyPr spcFirstLastPara="1" wrap="square" lIns="91425" tIns="91425" rIns="91425" bIns="91425" anchor="t" anchorCtr="0">
             <a:noAutofit/>
           </a:bodyPr>
           <a:lstStyle>
-            <a:lvl1pPr indent="-317500" lvl="0" marL="457200">
+            <a:lvl1pPr marL="457200" lvl="0" indent="-317500">
               <a:spcBef>
                 <a:spcPts val="0"/>
               </a:spcBef>
@@ -374,7 +387,7 @@
               <a:buChar char="●"/>
               <a:defRPr sz="1100"/>
             </a:lvl1pPr>
-            <a:lvl2pPr indent="-317500" lvl="1" marL="914400">
+            <a:lvl2pPr marL="914400" lvl="1" indent="-317500">
               <a:spcBef>
                 <a:spcPts val="0"/>
               </a:spcBef>
@@ -385,7 +398,7 @@
               <a:buChar char="○"/>
               <a:defRPr sz="1100"/>
             </a:lvl2pPr>
-            <a:lvl3pPr indent="-317500" lvl="2" marL="1371600">
+            <a:lvl3pPr marL="1371600" lvl="2" indent="-317500">
               <a:spcBef>
                 <a:spcPts val="0"/>
               </a:spcBef>
@@ -396,7 +409,7 @@
               <a:buChar char="■"/>
               <a:defRPr sz="1100"/>
             </a:lvl3pPr>
-            <a:lvl4pPr indent="-317500" lvl="3" marL="1828800">
+            <a:lvl4pPr marL="1828800" lvl="3" indent="-317500">
               <a:spcBef>
                 <a:spcPts val="0"/>
               </a:spcBef>
@@ -407,7 +420,7 @@
               <a:buChar char="●"/>
               <a:defRPr sz="1100"/>
             </a:lvl4pPr>
-            <a:lvl5pPr indent="-317500" lvl="4" marL="2286000">
+            <a:lvl5pPr marL="2286000" lvl="4" indent="-317500">
               <a:spcBef>
                 <a:spcPts val="0"/>
               </a:spcBef>
@@ -418,7 +431,7 @@
               <a:buChar char="○"/>
               <a:defRPr sz="1100"/>
             </a:lvl5pPr>
-            <a:lvl6pPr indent="-317500" lvl="5" marL="2743200">
+            <a:lvl6pPr marL="2743200" lvl="5" indent="-317500">
               <a:spcBef>
                 <a:spcPts val="0"/>
               </a:spcBef>
@@ -429,7 +442,7 @@
               <a:buChar char="■"/>
               <a:defRPr sz="1100"/>
             </a:lvl6pPr>
-            <a:lvl7pPr indent="-317500" lvl="6" marL="3200400">
+            <a:lvl7pPr marL="3200400" lvl="6" indent="-317500">
               <a:spcBef>
                 <a:spcPts val="0"/>
               </a:spcBef>
@@ -440,7 +453,7 @@
               <a:buChar char="●"/>
               <a:defRPr sz="1100"/>
             </a:lvl7pPr>
-            <a:lvl8pPr indent="-317500" lvl="7" marL="3657600">
+            <a:lvl8pPr marL="3657600" lvl="7" indent="-317500">
               <a:spcBef>
                 <a:spcPts val="0"/>
               </a:spcBef>
@@ -451,7 +464,7 @@
               <a:buChar char="○"/>
               <a:defRPr sz="1100"/>
             </a:lvl8pPr>
-            <a:lvl9pPr indent="-317500" lvl="8" marL="4114800">
+            <a:lvl9pPr marL="4114800" lvl="8" indent="-317500">
               <a:spcBef>
                 <a:spcPts val="0"/>
               </a:spcBef>
@@ -463,14 +476,16 @@
               <a:defRPr sz="1100"/>
             </a:lvl9pPr>
           </a:lstStyle>
-          <a:p/>
+          <a:p>
+            <a:endParaRPr/>
+          </a:p>
         </p:txBody>
       </p:sp>
     </p:spTree>
   </p:cSld>
-  <p:clrMap accent1="accent1" accent2="accent2" accent3="accent3" accent4="accent4" accent5="accent5" accent6="accent6" bg1="lt1" bg2="dk2" tx1="dk1" tx2="lt2" folHlink="folHlink" hlink="hlink"/>
+  <p:clrMap bg1="lt1" tx1="dk1" bg2="dk2" tx2="lt2" accent1="accent1" accent2="accent2" accent3="accent3" accent4="accent4" accent5="accent5" accent6="accent6" hlink="hlink" folHlink="folHlink"/>
   <p:notesStyle>
-    <a:defPPr lvl="0" marR="0" rtl="0" algn="l">
+    <a:defPPr marR="0" lvl="0" algn="l" rtl="0">
       <a:lnSpc>
         <a:spcPct val="100000"/>
       </a:lnSpc>
@@ -481,7 +496,7 @@
         <a:spcPts val="0"/>
       </a:spcAft>
     </a:defPPr>
-    <a:lvl1pPr lvl="0" marR="0" rtl="0" algn="l">
+    <a:lvl1pPr marR="0" lvl="0" algn="l" rtl="0">
       <a:lnSpc>
         <a:spcPct val="100000"/>
       </a:lnSpc>
@@ -495,7 +510,7 @@
         <a:srgbClr val="000000"/>
       </a:buClr>
       <a:buFont typeface="Arial"/>
-      <a:defRPr b="0" i="0" sz="1400" u="none" cap="none" strike="noStrike">
+      <a:defRPr sz="1400" b="0" i="0" u="none" strike="noStrike" cap="none">
         <a:solidFill>
           <a:srgbClr val="000000"/>
         </a:solidFill>
@@ -505,7 +520,7 @@
         <a:sym typeface="Arial"/>
       </a:defRPr>
     </a:lvl1pPr>
-    <a:lvl2pPr lvl="1" marR="0" rtl="0" algn="l">
+    <a:lvl2pPr marR="0" lvl="1" algn="l" rtl="0">
       <a:lnSpc>
         <a:spcPct val="100000"/>
       </a:lnSpc>
@@ -519,7 +534,7 @@
         <a:srgbClr val="000000"/>
       </a:buClr>
       <a:buFont typeface="Arial"/>
-      <a:defRPr b="0" i="0" sz="1400" u="none" cap="none" strike="noStrike">
+      <a:defRPr sz="1400" b="0" i="0" u="none" strike="noStrike" cap="none">
         <a:solidFill>
           <a:srgbClr val="000000"/>
         </a:solidFill>
@@ -529,7 +544,7 @@
         <a:sym typeface="Arial"/>
       </a:defRPr>
     </a:lvl2pPr>
-    <a:lvl3pPr lvl="2" marR="0" rtl="0" algn="l">
+    <a:lvl3pPr marR="0" lvl="2" algn="l" rtl="0">
       <a:lnSpc>
         <a:spcPct val="100000"/>
       </a:lnSpc>
@@ -543,7 +558,7 @@
         <a:srgbClr val="000000"/>
       </a:buClr>
       <a:buFont typeface="Arial"/>
-      <a:defRPr b="0" i="0" sz="1400" u="none" cap="none" strike="noStrike">
+      <a:defRPr sz="1400" b="0" i="0" u="none" strike="noStrike" cap="none">
         <a:solidFill>
           <a:srgbClr val="000000"/>
         </a:solidFill>
@@ -553,7 +568,7 @@
         <a:sym typeface="Arial"/>
       </a:defRPr>
     </a:lvl3pPr>
-    <a:lvl4pPr lvl="3" marR="0" rtl="0" algn="l">
+    <a:lvl4pPr marR="0" lvl="3" algn="l" rtl="0">
       <a:lnSpc>
         <a:spcPct val="100000"/>
       </a:lnSpc>
@@ -567,7 +582,7 @@
         <a:srgbClr val="000000"/>
       </a:buClr>
       <a:buFont typeface="Arial"/>
-      <a:defRPr b="0" i="0" sz="1400" u="none" cap="none" strike="noStrike">
+      <a:defRPr sz="1400" b="0" i="0" u="none" strike="noStrike" cap="none">
         <a:solidFill>
           <a:srgbClr val="000000"/>
         </a:solidFill>
@@ -577,7 +592,7 @@
         <a:sym typeface="Arial"/>
       </a:defRPr>
     </a:lvl4pPr>
-    <a:lvl5pPr lvl="4" marR="0" rtl="0" algn="l">
+    <a:lvl5pPr marR="0" lvl="4" algn="l" rtl="0">
       <a:lnSpc>
         <a:spcPct val="100000"/>
       </a:lnSpc>
@@ -591,7 +606,7 @@
         <a:srgbClr val="000000"/>
       </a:buClr>
       <a:buFont typeface="Arial"/>
-      <a:defRPr b="0" i="0" sz="1400" u="none" cap="none" strike="noStrike">
+      <a:defRPr sz="1400" b="0" i="0" u="none" strike="noStrike" cap="none">
         <a:solidFill>
           <a:srgbClr val="000000"/>
         </a:solidFill>
@@ -601,7 +616,7 @@
         <a:sym typeface="Arial"/>
       </a:defRPr>
     </a:lvl5pPr>
-    <a:lvl6pPr lvl="5" marR="0" rtl="0" algn="l">
+    <a:lvl6pPr marR="0" lvl="5" algn="l" rtl="0">
       <a:lnSpc>
         <a:spcPct val="100000"/>
       </a:lnSpc>
@@ -615,7 +630,7 @@
         <a:srgbClr val="000000"/>
       </a:buClr>
       <a:buFont typeface="Arial"/>
-      <a:defRPr b="0" i="0" sz="1400" u="none" cap="none" strike="noStrike">
+      <a:defRPr sz="1400" b="0" i="0" u="none" strike="noStrike" cap="none">
         <a:solidFill>
           <a:srgbClr val="000000"/>
         </a:solidFill>
@@ -625,7 +640,7 @@
         <a:sym typeface="Arial"/>
       </a:defRPr>
     </a:lvl6pPr>
-    <a:lvl7pPr lvl="6" marR="0" rtl="0" algn="l">
+    <a:lvl7pPr marR="0" lvl="6" algn="l" rtl="0">
       <a:lnSpc>
         <a:spcPct val="100000"/>
       </a:lnSpc>
@@ -639,7 +654,7 @@
         <a:srgbClr val="000000"/>
       </a:buClr>
       <a:buFont typeface="Arial"/>
-      <a:defRPr b="0" i="0" sz="1400" u="none" cap="none" strike="noStrike">
+      <a:defRPr sz="1400" b="0" i="0" u="none" strike="noStrike" cap="none">
         <a:solidFill>
           <a:srgbClr val="000000"/>
         </a:solidFill>
@@ -649,7 +664,7 @@
         <a:sym typeface="Arial"/>
       </a:defRPr>
     </a:lvl7pPr>
-    <a:lvl8pPr lvl="7" marR="0" rtl="0" algn="l">
+    <a:lvl8pPr marR="0" lvl="7" algn="l" rtl="0">
       <a:lnSpc>
         <a:spcPct val="100000"/>
       </a:lnSpc>
@@ -663,7 +678,7 @@
         <a:srgbClr val="000000"/>
       </a:buClr>
       <a:buFont typeface="Arial"/>
-      <a:defRPr b="0" i="0" sz="1400" u="none" cap="none" strike="noStrike">
+      <a:defRPr sz="1400" b="0" i="0" u="none" strike="noStrike" cap="none">
         <a:solidFill>
           <a:srgbClr val="000000"/>
         </a:solidFill>
@@ -673,7 +688,7 @@
         <a:sym typeface="Arial"/>
       </a:defRPr>
     </a:lvl8pPr>
-    <a:lvl9pPr lvl="8" marR="0" rtl="0" algn="l">
+    <a:lvl9pPr marR="0" lvl="8" algn="l" rtl="0">
       <a:lnSpc>
         <a:spcPct val="100000"/>
       </a:lnSpc>
@@ -687,7 +702,7 @@
         <a:srgbClr val="000000"/>
       </a:buClr>
       <a:buFont typeface="Arial"/>
-      <a:defRPr b="0" i="0" sz="1400" u="none" cap="none" strike="noStrike">
+      <a:defRPr sz="1400" b="0" i="0" u="none" strike="noStrike" cap="none">
         <a:solidFill>
           <a:srgbClr val="000000"/>
         </a:solidFill>
@@ -702,11 +717,11 @@
 </file>
 
 <file path=ppt/notesSlides/notesSlide1.xml><?xml version="1.0" encoding="utf-8"?>
-<p:notes xmlns:a="http://schemas.openxmlformats.org/drawingml/2006/main" xmlns:r="http://schemas.openxmlformats.org/officeDocument/2006/relationships" xmlns:mc="http://schemas.openxmlformats.org/markup-compatibility/2006" xmlns:mv="urn:schemas-microsoft-com:mac:vml" xmlns:p="http://schemas.openxmlformats.org/presentationml/2006/main" xmlns:c="http://schemas.openxmlformats.org/drawingml/2006/chart" xmlns:dgm="http://schemas.openxmlformats.org/drawingml/2006/diagram" xmlns:o="urn:schemas-microsoft-com:office:office" xmlns:v="urn:schemas-microsoft-com:vml" xmlns:pvml="urn:schemas-microsoft-com:office:powerpoint" xmlns:com="http://schemas.openxmlformats.org/drawingml/2006/compatibility" xmlns:p14="http://schemas.microsoft.com/office/powerpoint/2010/main" xmlns:p15="http://schemas.microsoft.com/office/powerpoint/2012/main" xmlns:ahyp="http://schemas.microsoft.com/office/drawing/2018/hyperlinkcolor" showMasterPhAnim="0" showMasterSp="0">
+<p:notes xmlns:a="http://schemas.openxmlformats.org/drawingml/2006/main" xmlns:r="http://schemas.openxmlformats.org/officeDocument/2006/relationships" xmlns:p="http://schemas.openxmlformats.org/presentationml/2006/main" showMasterSp="0" showMasterPhAnim="0">
   <p:cSld>
     <p:spTree>
       <p:nvGrpSpPr>
-        <p:cNvPr id="81" name="Shape 81"/>
+        <p:cNvPr id="1" name="Shape 81"/>
         <p:cNvGrpSpPr/>
         <p:nvPr/>
       </p:nvGrpSpPr>
@@ -721,9 +736,11 @@
       <p:sp>
         <p:nvSpPr>
           <p:cNvPr id="82" name="Google Shape;82;gc6f9e470d_0_0:notes"/>
-          <p:cNvSpPr/>
+          <p:cNvSpPr>
+            <a:spLocks noGrp="1" noRot="1" noChangeAspect="1"/>
+          </p:cNvSpPr>
           <p:nvPr>
-            <p:ph idx="2" type="sldImg"/>
+            <p:ph type="sldImg" idx="2"/>
           </p:nvPr>
         </p:nvSpPr>
         <p:spPr>
@@ -732,9 +749,13 @@
             <a:ext cx="6096300" cy="3429000"/>
           </a:xfrm>
           <a:custGeom>
-            <a:rect b="b" l="l" r="r" t="t"/>
+            <a:avLst/>
+            <a:gdLst/>
+            <a:ahLst/>
+            <a:cxnLst/>
+            <a:rect l="l" t="t" r="r" b="b"/>
             <a:pathLst>
-              <a:path extrusionOk="0" h="120000" w="120000">
+              <a:path w="120000" h="120000" extrusionOk="0">
                 <a:moveTo>
                   <a:pt x="0" y="0"/>
                 </a:moveTo>
@@ -756,9 +777,11 @@
       <p:sp>
         <p:nvSpPr>
           <p:cNvPr id="83" name="Google Shape;83;gc6f9e470d_0_0:notes"/>
-          <p:cNvSpPr txBox="1"/>
+          <p:cNvSpPr txBox="1">
+            <a:spLocks noGrp="1"/>
+          </p:cNvSpPr>
           <p:nvPr>
-            <p:ph idx="1" type="body"/>
+            <p:ph type="body" idx="1"/>
           </p:nvPr>
         </p:nvSpPr>
         <p:spPr>
@@ -771,12 +794,12 @@
           </a:prstGeom>
         </p:spPr>
         <p:txBody>
-          <a:bodyPr anchorCtr="0" anchor="t" bIns="91425" lIns="91425" spcFirstLastPara="1" rIns="91425" wrap="square" tIns="91425">
+          <a:bodyPr spcFirstLastPara="1" wrap="square" lIns="91425" tIns="91425" rIns="91425" bIns="91425" anchor="t" anchorCtr="0">
             <a:noAutofit/>
           </a:bodyPr>
           <a:lstStyle/>
           <a:p>
-            <a:pPr indent="0" lvl="0" marL="0" rtl="0" algn="l">
+            <a:pPr marL="0" lvl="0" indent="0" algn="l" rtl="0">
               <a:spcBef>
                 <a:spcPts val="0"/>
               </a:spcBef>
@@ -785,9 +808,6 @@
               </a:spcAft>
               <a:buNone/>
             </a:pPr>
-            <a:r>
-              <a:t/>
-            </a:r>
             <a:endParaRPr/>
           </a:p>
         </p:txBody>
@@ -801,11 +821,11 @@
 </file>
 
 <file path=ppt/notesSlides/notesSlide2.xml><?xml version="1.0" encoding="utf-8"?>
-<p:notes xmlns:a="http://schemas.openxmlformats.org/drawingml/2006/main" xmlns:r="http://schemas.openxmlformats.org/officeDocument/2006/relationships" xmlns:mc="http://schemas.openxmlformats.org/markup-compatibility/2006" xmlns:mv="urn:schemas-microsoft-com:mac:vml" xmlns:p="http://schemas.openxmlformats.org/presentationml/2006/main" xmlns:c="http://schemas.openxmlformats.org/drawingml/2006/chart" xmlns:dgm="http://schemas.openxmlformats.org/drawingml/2006/diagram" xmlns:o="urn:schemas-microsoft-com:office:office" xmlns:v="urn:schemas-microsoft-com:vml" xmlns:pvml="urn:schemas-microsoft-com:office:powerpoint" xmlns:com="http://schemas.openxmlformats.org/drawingml/2006/compatibility" xmlns:p14="http://schemas.microsoft.com/office/powerpoint/2010/main" xmlns:p15="http://schemas.microsoft.com/office/powerpoint/2012/main" xmlns:ahyp="http://schemas.microsoft.com/office/drawing/2018/hyperlinkcolor" showMasterPhAnim="0" showMasterSp="0">
+<p:notes xmlns:a="http://schemas.openxmlformats.org/drawingml/2006/main" xmlns:r="http://schemas.openxmlformats.org/officeDocument/2006/relationships" xmlns:p="http://schemas.openxmlformats.org/presentationml/2006/main" showMasterSp="0" showMasterPhAnim="0">
   <p:cSld>
     <p:spTree>
       <p:nvGrpSpPr>
-        <p:cNvPr id="87" name="Shape 87"/>
+        <p:cNvPr id="1" name="Shape 87"/>
         <p:cNvGrpSpPr/>
         <p:nvPr/>
       </p:nvGrpSpPr>
@@ -820,9 +840,11 @@
       <p:sp>
         <p:nvSpPr>
           <p:cNvPr id="88" name="Google Shape;88;gc6f9e470d_0_24:notes"/>
-          <p:cNvSpPr/>
+          <p:cNvSpPr>
+            <a:spLocks noGrp="1" noRot="1" noChangeAspect="1"/>
+          </p:cNvSpPr>
           <p:nvPr>
-            <p:ph idx="2" type="sldImg"/>
+            <p:ph type="sldImg" idx="2"/>
           </p:nvPr>
         </p:nvSpPr>
         <p:spPr>
@@ -831,9 +853,13 @@
             <a:ext cx="6096300" cy="3429000"/>
           </a:xfrm>
           <a:custGeom>
-            <a:rect b="b" l="l" r="r" t="t"/>
+            <a:avLst/>
+            <a:gdLst/>
+            <a:ahLst/>
+            <a:cxnLst/>
+            <a:rect l="l" t="t" r="r" b="b"/>
             <a:pathLst>
-              <a:path extrusionOk="0" h="120000" w="120000">
+              <a:path w="120000" h="120000" extrusionOk="0">
                 <a:moveTo>
                   <a:pt x="0" y="0"/>
                 </a:moveTo>
@@ -855,9 +881,11 @@
       <p:sp>
         <p:nvSpPr>
           <p:cNvPr id="89" name="Google Shape;89;gc6f9e470d_0_24:notes"/>
-          <p:cNvSpPr txBox="1"/>
+          <p:cNvSpPr txBox="1">
+            <a:spLocks noGrp="1"/>
+          </p:cNvSpPr>
           <p:nvPr>
-            <p:ph idx="1" type="body"/>
+            <p:ph type="body" idx="1"/>
           </p:nvPr>
         </p:nvSpPr>
         <p:spPr>
@@ -870,12 +898,12 @@
           </a:prstGeom>
         </p:spPr>
         <p:txBody>
-          <a:bodyPr anchorCtr="0" anchor="t" bIns="91425" lIns="91425" spcFirstLastPara="1" rIns="91425" wrap="square" tIns="91425">
+          <a:bodyPr spcFirstLastPara="1" wrap="square" lIns="91425" tIns="91425" rIns="91425" bIns="91425" anchor="t" anchorCtr="0">
             <a:noAutofit/>
           </a:bodyPr>
           <a:lstStyle/>
           <a:p>
-            <a:pPr indent="0" lvl="0" marL="0" rtl="0" algn="l">
+            <a:pPr marL="0" lvl="0" indent="0" algn="l" rtl="0">
               <a:spcBef>
                 <a:spcPts val="0"/>
               </a:spcBef>
@@ -884,9 +912,6 @@
               </a:spcAft>
               <a:buNone/>
             </a:pPr>
-            <a:r>
-              <a:t/>
-            </a:r>
             <a:endParaRPr/>
           </a:p>
         </p:txBody>
@@ -900,11 +925,11 @@
 </file>
 
 <file path=ppt/notesSlides/notesSlide3.xml><?xml version="1.0" encoding="utf-8"?>
-<p:notes xmlns:a="http://schemas.openxmlformats.org/drawingml/2006/main" xmlns:r="http://schemas.openxmlformats.org/officeDocument/2006/relationships" xmlns:mc="http://schemas.openxmlformats.org/markup-compatibility/2006" xmlns:mv="urn:schemas-microsoft-com:mac:vml" xmlns:p="http://schemas.openxmlformats.org/presentationml/2006/main" xmlns:c="http://schemas.openxmlformats.org/drawingml/2006/chart" xmlns:dgm="http://schemas.openxmlformats.org/drawingml/2006/diagram" xmlns:o="urn:schemas-microsoft-com:office:office" xmlns:v="urn:schemas-microsoft-com:vml" xmlns:pvml="urn:schemas-microsoft-com:office:powerpoint" xmlns:com="http://schemas.openxmlformats.org/drawingml/2006/compatibility" xmlns:p14="http://schemas.microsoft.com/office/powerpoint/2010/main" xmlns:p15="http://schemas.microsoft.com/office/powerpoint/2012/main" xmlns:ahyp="http://schemas.microsoft.com/office/drawing/2018/hyperlinkcolor" showMasterPhAnim="0" showMasterSp="0">
+<p:notes xmlns:a="http://schemas.openxmlformats.org/drawingml/2006/main" xmlns:r="http://schemas.openxmlformats.org/officeDocument/2006/relationships" xmlns:p="http://schemas.openxmlformats.org/presentationml/2006/main" showMasterSp="0" showMasterPhAnim="0">
   <p:cSld>
     <p:spTree>
       <p:nvGrpSpPr>
-        <p:cNvPr id="101" name="Shape 101"/>
+        <p:cNvPr id="1" name="Shape 101"/>
         <p:cNvGrpSpPr/>
         <p:nvPr/>
       </p:nvGrpSpPr>
@@ -919,20 +944,26 @@
       <p:sp>
         <p:nvSpPr>
           <p:cNvPr id="102" name="Google Shape;102;gb814be359d_0_8:notes"/>
-          <p:cNvSpPr/>
+          <p:cNvSpPr>
+            <a:spLocks noGrp="1" noRot="1" noChangeAspect="1"/>
+          </p:cNvSpPr>
           <p:nvPr>
-            <p:ph idx="2" type="sldImg"/>
+            <p:ph type="sldImg" idx="2"/>
           </p:nvPr>
         </p:nvSpPr>
         <p:spPr>
           <a:xfrm>
-            <a:off x="381300" y="685800"/>
+            <a:off x="381000" y="685800"/>
             <a:ext cx="6096000" cy="3429000"/>
           </a:xfrm>
           <a:custGeom>
-            <a:rect b="b" l="l" r="r" t="t"/>
+            <a:avLst/>
+            <a:gdLst/>
+            <a:ahLst/>
+            <a:cxnLst/>
+            <a:rect l="l" t="t" r="r" b="b"/>
             <a:pathLst>
-              <a:path extrusionOk="0" h="120000" w="120000">
+              <a:path w="120000" h="120000" extrusionOk="0">
                 <a:moveTo>
                   <a:pt x="0" y="0"/>
                 </a:moveTo>
@@ -954,9 +985,11 @@
       <p:sp>
         <p:nvSpPr>
           <p:cNvPr id="103" name="Google Shape;103;gb814be359d_0_8:notes"/>
-          <p:cNvSpPr txBox="1"/>
+          <p:cNvSpPr txBox="1">
+            <a:spLocks noGrp="1"/>
+          </p:cNvSpPr>
           <p:nvPr>
-            <p:ph idx="1" type="body"/>
+            <p:ph type="body" idx="1"/>
           </p:nvPr>
         </p:nvSpPr>
         <p:spPr>
@@ -969,12 +1002,12 @@
           </a:prstGeom>
         </p:spPr>
         <p:txBody>
-          <a:bodyPr anchorCtr="0" anchor="t" bIns="91425" lIns="91425" spcFirstLastPara="1" rIns="91425" wrap="square" tIns="91425">
+          <a:bodyPr spcFirstLastPara="1" wrap="square" lIns="91425" tIns="91425" rIns="91425" bIns="91425" anchor="t" anchorCtr="0">
             <a:noAutofit/>
           </a:bodyPr>
           <a:lstStyle/>
           <a:p>
-            <a:pPr indent="0" lvl="0" marL="0" rtl="0" algn="l">
+            <a:pPr marL="0" lvl="0" indent="0" algn="l" rtl="0">
               <a:spcBef>
                 <a:spcPts val="0"/>
               </a:spcBef>
@@ -983,9 +1016,6 @@
               </a:spcAft>
               <a:buNone/>
             </a:pPr>
-            <a:r>
-              <a:t/>
-            </a:r>
             <a:endParaRPr/>
           </a:p>
         </p:txBody>
@@ -999,11 +1029,11 @@
 </file>
 
 <file path=ppt/notesSlides/notesSlide4.xml><?xml version="1.0" encoding="utf-8"?>
-<p:notes xmlns:a="http://schemas.openxmlformats.org/drawingml/2006/main" xmlns:r="http://schemas.openxmlformats.org/officeDocument/2006/relationships" xmlns:mc="http://schemas.openxmlformats.org/markup-compatibility/2006" xmlns:mv="urn:schemas-microsoft-com:mac:vml" xmlns:p="http://schemas.openxmlformats.org/presentationml/2006/main" xmlns:c="http://schemas.openxmlformats.org/drawingml/2006/chart" xmlns:dgm="http://schemas.openxmlformats.org/drawingml/2006/diagram" xmlns:o="urn:schemas-microsoft-com:office:office" xmlns:v="urn:schemas-microsoft-com:vml" xmlns:pvml="urn:schemas-microsoft-com:office:powerpoint" xmlns:com="http://schemas.openxmlformats.org/drawingml/2006/compatibility" xmlns:p14="http://schemas.microsoft.com/office/powerpoint/2010/main" xmlns:p15="http://schemas.microsoft.com/office/powerpoint/2012/main" xmlns:ahyp="http://schemas.microsoft.com/office/drawing/2018/hyperlinkcolor" showMasterPhAnim="0" showMasterSp="0">
+<p:notes xmlns:a="http://schemas.openxmlformats.org/drawingml/2006/main" xmlns:r="http://schemas.openxmlformats.org/officeDocument/2006/relationships" xmlns:p="http://schemas.openxmlformats.org/presentationml/2006/main" showMasterSp="0" showMasterPhAnim="0">
   <p:cSld>
     <p:spTree>
       <p:nvGrpSpPr>
-        <p:cNvPr id="109" name="Shape 109"/>
+        <p:cNvPr id="1" name="Shape 109"/>
         <p:cNvGrpSpPr/>
         <p:nvPr/>
       </p:nvGrpSpPr>
@@ -1018,20 +1048,26 @@
       <p:sp>
         <p:nvSpPr>
           <p:cNvPr id="110" name="Google Shape;110;gb814be359d_0_15:notes"/>
-          <p:cNvSpPr/>
+          <p:cNvSpPr>
+            <a:spLocks noGrp="1" noRot="1" noChangeAspect="1"/>
+          </p:cNvSpPr>
           <p:nvPr>
-            <p:ph idx="2" type="sldImg"/>
+            <p:ph type="sldImg" idx="2"/>
           </p:nvPr>
         </p:nvSpPr>
         <p:spPr>
           <a:xfrm>
-            <a:off x="381300" y="685800"/>
+            <a:off x="381000" y="685800"/>
             <a:ext cx="6096000" cy="3429000"/>
           </a:xfrm>
           <a:custGeom>
-            <a:rect b="b" l="l" r="r" t="t"/>
+            <a:avLst/>
+            <a:gdLst/>
+            <a:ahLst/>
+            <a:cxnLst/>
+            <a:rect l="l" t="t" r="r" b="b"/>
             <a:pathLst>
-              <a:path extrusionOk="0" h="120000" w="120000">
+              <a:path w="120000" h="120000" extrusionOk="0">
                 <a:moveTo>
                   <a:pt x="0" y="0"/>
                 </a:moveTo>
@@ -1053,9 +1089,11 @@
       <p:sp>
         <p:nvSpPr>
           <p:cNvPr id="111" name="Google Shape;111;gb814be359d_0_15:notes"/>
-          <p:cNvSpPr txBox="1"/>
+          <p:cNvSpPr txBox="1">
+            <a:spLocks noGrp="1"/>
+          </p:cNvSpPr>
           <p:nvPr>
-            <p:ph idx="1" type="body"/>
+            <p:ph type="body" idx="1"/>
           </p:nvPr>
         </p:nvSpPr>
         <p:spPr>
@@ -1068,12 +1106,12 @@
           </a:prstGeom>
         </p:spPr>
         <p:txBody>
-          <a:bodyPr anchorCtr="0" anchor="t" bIns="91425" lIns="91425" spcFirstLastPara="1" rIns="91425" wrap="square" tIns="91425">
+          <a:bodyPr spcFirstLastPara="1" wrap="square" lIns="91425" tIns="91425" rIns="91425" bIns="91425" anchor="t" anchorCtr="0">
             <a:noAutofit/>
           </a:bodyPr>
           <a:lstStyle/>
           <a:p>
-            <a:pPr indent="0" lvl="0" marL="0" rtl="0" algn="l">
+            <a:pPr marL="0" lvl="0" indent="0" algn="l" rtl="0">
               <a:spcBef>
                 <a:spcPts val="0"/>
               </a:spcBef>
@@ -1082,9 +1120,6 @@
               </a:spcAft>
               <a:buNone/>
             </a:pPr>
-            <a:r>
-              <a:t/>
-            </a:r>
             <a:endParaRPr/>
           </a:p>
         </p:txBody>
@@ -1098,11 +1133,11 @@
 </file>
 
 <file path=ppt/notesSlides/notesSlide5.xml><?xml version="1.0" encoding="utf-8"?>
-<p:notes xmlns:a="http://schemas.openxmlformats.org/drawingml/2006/main" xmlns:r="http://schemas.openxmlformats.org/officeDocument/2006/relationships" xmlns:mc="http://schemas.openxmlformats.org/markup-compatibility/2006" xmlns:mv="urn:schemas-microsoft-com:mac:vml" xmlns:p="http://schemas.openxmlformats.org/presentationml/2006/main" xmlns:c="http://schemas.openxmlformats.org/drawingml/2006/chart" xmlns:dgm="http://schemas.openxmlformats.org/drawingml/2006/diagram" xmlns:o="urn:schemas-microsoft-com:office:office" xmlns:v="urn:schemas-microsoft-com:vml" xmlns:pvml="urn:schemas-microsoft-com:office:powerpoint" xmlns:com="http://schemas.openxmlformats.org/drawingml/2006/compatibility" xmlns:p14="http://schemas.microsoft.com/office/powerpoint/2010/main" xmlns:p15="http://schemas.microsoft.com/office/powerpoint/2012/main" xmlns:ahyp="http://schemas.microsoft.com/office/drawing/2018/hyperlinkcolor" showMasterPhAnim="0" showMasterSp="0">
+<p:notes xmlns:a="http://schemas.openxmlformats.org/drawingml/2006/main" xmlns:r="http://schemas.openxmlformats.org/officeDocument/2006/relationships" xmlns:p="http://schemas.openxmlformats.org/presentationml/2006/main" showMasterSp="0" showMasterPhAnim="0">
   <p:cSld>
     <p:spTree>
       <p:nvGrpSpPr>
-        <p:cNvPr id="117" name="Shape 117"/>
+        <p:cNvPr id="1" name="Shape 117"/>
         <p:cNvGrpSpPr/>
         <p:nvPr/>
       </p:nvGrpSpPr>
@@ -1117,20 +1152,26 @@
       <p:sp>
         <p:nvSpPr>
           <p:cNvPr id="118" name="Google Shape;118;gc6f9e470d_0_37:notes"/>
-          <p:cNvSpPr/>
+          <p:cNvSpPr>
+            <a:spLocks noGrp="1" noRot="1" noChangeAspect="1"/>
+          </p:cNvSpPr>
           <p:nvPr>
-            <p:ph idx="2" type="sldImg"/>
+            <p:ph type="sldImg" idx="2"/>
           </p:nvPr>
         </p:nvSpPr>
         <p:spPr>
           <a:xfrm>
-            <a:off x="381188" y="685800"/>
-            <a:ext cx="6096300" cy="3429000"/>
+            <a:off x="381000" y="685800"/>
+            <a:ext cx="6096000" cy="3429000"/>
           </a:xfrm>
           <a:custGeom>
-            <a:rect b="b" l="l" r="r" t="t"/>
+            <a:avLst/>
+            <a:gdLst/>
+            <a:ahLst/>
+            <a:cxnLst/>
+            <a:rect l="l" t="t" r="r" b="b"/>
             <a:pathLst>
-              <a:path extrusionOk="0" h="120000" w="120000">
+              <a:path w="120000" h="120000" extrusionOk="0">
                 <a:moveTo>
                   <a:pt x="0" y="0"/>
                 </a:moveTo>
@@ -1152,9 +1193,11 @@
       <p:sp>
         <p:nvSpPr>
           <p:cNvPr id="119" name="Google Shape;119;gc6f9e470d_0_37:notes"/>
-          <p:cNvSpPr txBox="1"/>
+          <p:cNvSpPr txBox="1">
+            <a:spLocks noGrp="1"/>
+          </p:cNvSpPr>
           <p:nvPr>
-            <p:ph idx="1" type="body"/>
+            <p:ph type="body" idx="1"/>
           </p:nvPr>
         </p:nvSpPr>
         <p:spPr>
@@ -1167,12 +1210,12 @@
           </a:prstGeom>
         </p:spPr>
         <p:txBody>
-          <a:bodyPr anchorCtr="0" anchor="t" bIns="91425" lIns="91425" spcFirstLastPara="1" rIns="91425" wrap="square" tIns="91425">
+          <a:bodyPr spcFirstLastPara="1" wrap="square" lIns="91425" tIns="91425" rIns="91425" bIns="91425" anchor="t" anchorCtr="0">
             <a:noAutofit/>
           </a:bodyPr>
           <a:lstStyle/>
           <a:p>
-            <a:pPr indent="0" lvl="0" marL="0" rtl="0" algn="l">
+            <a:pPr marL="0" lvl="0" indent="0" algn="l" rtl="0">
               <a:spcBef>
                 <a:spcPts val="0"/>
               </a:spcBef>
@@ -1181,9 +1224,6 @@
               </a:spcAft>
               <a:buNone/>
             </a:pPr>
-            <a:r>
-              <a:t/>
-            </a:r>
             <a:endParaRPr/>
           </a:p>
         </p:txBody>
@@ -1197,11 +1237,11 @@
 </file>
 
 <file path=ppt/notesSlides/notesSlide6.xml><?xml version="1.0" encoding="utf-8"?>
-<p:notes xmlns:a="http://schemas.openxmlformats.org/drawingml/2006/main" xmlns:r="http://schemas.openxmlformats.org/officeDocument/2006/relationships" xmlns:mc="http://schemas.openxmlformats.org/markup-compatibility/2006" xmlns:mv="urn:schemas-microsoft-com:mac:vml" xmlns:p="http://schemas.openxmlformats.org/presentationml/2006/main" xmlns:c="http://schemas.openxmlformats.org/drawingml/2006/chart" xmlns:dgm="http://schemas.openxmlformats.org/drawingml/2006/diagram" xmlns:o="urn:schemas-microsoft-com:office:office" xmlns:v="urn:schemas-microsoft-com:vml" xmlns:pvml="urn:schemas-microsoft-com:office:powerpoint" xmlns:com="http://schemas.openxmlformats.org/drawingml/2006/compatibility" xmlns:p14="http://schemas.microsoft.com/office/powerpoint/2010/main" xmlns:p15="http://schemas.microsoft.com/office/powerpoint/2012/main" xmlns:ahyp="http://schemas.microsoft.com/office/drawing/2018/hyperlinkcolor" showMasterPhAnim="0" showMasterSp="0">
+<p:notes xmlns:a="http://schemas.openxmlformats.org/drawingml/2006/main" xmlns:r="http://schemas.openxmlformats.org/officeDocument/2006/relationships" xmlns:p="http://schemas.openxmlformats.org/presentationml/2006/main" showMasterSp="0" showMasterPhAnim="0">
   <p:cSld>
     <p:spTree>
       <p:nvGrpSpPr>
-        <p:cNvPr id="125" name="Shape 125"/>
+        <p:cNvPr id="1" name="Shape 125"/>
         <p:cNvGrpSpPr/>
         <p:nvPr/>
       </p:nvGrpSpPr>
@@ -1216,20 +1256,26 @@
       <p:sp>
         <p:nvSpPr>
           <p:cNvPr id="126" name="Google Shape;126;gb814be359d_0_0:notes"/>
-          <p:cNvSpPr/>
+          <p:cNvSpPr>
+            <a:spLocks noGrp="1" noRot="1" noChangeAspect="1"/>
+          </p:cNvSpPr>
           <p:nvPr>
-            <p:ph idx="2" type="sldImg"/>
+            <p:ph type="sldImg" idx="2"/>
           </p:nvPr>
         </p:nvSpPr>
         <p:spPr>
           <a:xfrm>
-            <a:off x="381188" y="685800"/>
-            <a:ext cx="6096300" cy="3429000"/>
+            <a:off x="381000" y="685800"/>
+            <a:ext cx="6096000" cy="3429000"/>
           </a:xfrm>
           <a:custGeom>
-            <a:rect b="b" l="l" r="r" t="t"/>
+            <a:avLst/>
+            <a:gdLst/>
+            <a:ahLst/>
+            <a:cxnLst/>
+            <a:rect l="l" t="t" r="r" b="b"/>
             <a:pathLst>
-              <a:path extrusionOk="0" h="120000" w="120000">
+              <a:path w="120000" h="120000" extrusionOk="0">
                 <a:moveTo>
                   <a:pt x="0" y="0"/>
                 </a:moveTo>
@@ -1251,9 +1297,11 @@
       <p:sp>
         <p:nvSpPr>
           <p:cNvPr id="127" name="Google Shape;127;gb814be359d_0_0:notes"/>
-          <p:cNvSpPr txBox="1"/>
+          <p:cNvSpPr txBox="1">
+            <a:spLocks noGrp="1"/>
+          </p:cNvSpPr>
           <p:nvPr>
-            <p:ph idx="1" type="body"/>
+            <p:ph type="body" idx="1"/>
           </p:nvPr>
         </p:nvSpPr>
         <p:spPr>
@@ -1266,12 +1314,12 @@
           </a:prstGeom>
         </p:spPr>
         <p:txBody>
-          <a:bodyPr anchorCtr="0" anchor="t" bIns="91425" lIns="91425" spcFirstLastPara="1" rIns="91425" wrap="square" tIns="91425">
+          <a:bodyPr spcFirstLastPara="1" wrap="square" lIns="91425" tIns="91425" rIns="91425" bIns="91425" anchor="t" anchorCtr="0">
             <a:noAutofit/>
           </a:bodyPr>
           <a:lstStyle/>
           <a:p>
-            <a:pPr indent="0" lvl="0" marL="0" rtl="0" algn="l">
+            <a:pPr marL="0" lvl="0" indent="0" algn="l" rtl="0">
               <a:spcBef>
                 <a:spcPts val="0"/>
               </a:spcBef>
@@ -1280,9 +1328,6 @@
               </a:spcAft>
               <a:buNone/>
             </a:pPr>
-            <a:r>
-              <a:t/>
-            </a:r>
             <a:endParaRPr/>
           </a:p>
         </p:txBody>
@@ -1296,11 +1341,11 @@
 </file>
 
 <file path=ppt/notesSlides/notesSlide7.xml><?xml version="1.0" encoding="utf-8"?>
-<p:notes xmlns:a="http://schemas.openxmlformats.org/drawingml/2006/main" xmlns:r="http://schemas.openxmlformats.org/officeDocument/2006/relationships" xmlns:mc="http://schemas.openxmlformats.org/markup-compatibility/2006" xmlns:mv="urn:schemas-microsoft-com:mac:vml" xmlns:p="http://schemas.openxmlformats.org/presentationml/2006/main" xmlns:c="http://schemas.openxmlformats.org/drawingml/2006/chart" xmlns:dgm="http://schemas.openxmlformats.org/drawingml/2006/diagram" xmlns:o="urn:schemas-microsoft-com:office:office" xmlns:v="urn:schemas-microsoft-com:vml" xmlns:pvml="urn:schemas-microsoft-com:office:powerpoint" xmlns:com="http://schemas.openxmlformats.org/drawingml/2006/compatibility" xmlns:p14="http://schemas.microsoft.com/office/powerpoint/2010/main" xmlns:p15="http://schemas.microsoft.com/office/powerpoint/2012/main" xmlns:ahyp="http://schemas.microsoft.com/office/drawing/2018/hyperlinkcolor" showMasterPhAnim="0" showMasterSp="0">
+<p:notes xmlns:a="http://schemas.openxmlformats.org/drawingml/2006/main" xmlns:r="http://schemas.openxmlformats.org/officeDocument/2006/relationships" xmlns:p="http://schemas.openxmlformats.org/presentationml/2006/main" showMasterSp="0" showMasterPhAnim="0">
   <p:cSld>
     <p:spTree>
       <p:nvGrpSpPr>
-        <p:cNvPr id="132" name="Shape 132"/>
+        <p:cNvPr id="1" name="Shape 132"/>
         <p:cNvGrpSpPr/>
         <p:nvPr/>
       </p:nvGrpSpPr>
@@ -1315,9 +1360,11 @@
       <p:sp>
         <p:nvSpPr>
           <p:cNvPr id="133" name="Google Shape;133;gc6f9e470d_0_126:notes"/>
-          <p:cNvSpPr/>
+          <p:cNvSpPr>
+            <a:spLocks noGrp="1" noRot="1" noChangeAspect="1"/>
+          </p:cNvSpPr>
           <p:nvPr>
-            <p:ph idx="2" type="sldImg"/>
+            <p:ph type="sldImg" idx="2"/>
           </p:nvPr>
         </p:nvSpPr>
         <p:spPr>
@@ -1326,9 +1373,13 @@
             <a:ext cx="6096300" cy="3429000"/>
           </a:xfrm>
           <a:custGeom>
-            <a:rect b="b" l="l" r="r" t="t"/>
+            <a:avLst/>
+            <a:gdLst/>
+            <a:ahLst/>
+            <a:cxnLst/>
+            <a:rect l="l" t="t" r="r" b="b"/>
             <a:pathLst>
-              <a:path extrusionOk="0" h="120000" w="120000">
+              <a:path w="120000" h="120000" extrusionOk="0">
                 <a:moveTo>
                   <a:pt x="0" y="0"/>
                 </a:moveTo>
@@ -1350,9 +1401,11 @@
       <p:sp>
         <p:nvSpPr>
           <p:cNvPr id="134" name="Google Shape;134;gc6f9e470d_0_126:notes"/>
-          <p:cNvSpPr txBox="1"/>
+          <p:cNvSpPr txBox="1">
+            <a:spLocks noGrp="1"/>
+          </p:cNvSpPr>
           <p:nvPr>
-            <p:ph idx="1" type="body"/>
+            <p:ph type="body" idx="1"/>
           </p:nvPr>
         </p:nvSpPr>
         <p:spPr>
@@ -1365,12 +1418,12 @@
           </a:prstGeom>
         </p:spPr>
         <p:txBody>
-          <a:bodyPr anchorCtr="0" anchor="t" bIns="91425" lIns="91425" spcFirstLastPara="1" rIns="91425" wrap="square" tIns="91425">
+          <a:bodyPr spcFirstLastPara="1" wrap="square" lIns="91425" tIns="91425" rIns="91425" bIns="91425" anchor="t" anchorCtr="0">
             <a:noAutofit/>
           </a:bodyPr>
           <a:lstStyle/>
           <a:p>
-            <a:pPr indent="0" lvl="0" marL="0" rtl="0" algn="l">
+            <a:pPr marL="0" lvl="0" indent="0" algn="l" rtl="0">
               <a:spcBef>
                 <a:spcPts val="0"/>
               </a:spcBef>
@@ -1379,9 +1432,6 @@
               </a:spcAft>
               <a:buNone/>
             </a:pPr>
-            <a:r>
-              <a:t/>
-            </a:r>
             <a:endParaRPr/>
           </a:p>
         </p:txBody>
@@ -1395,18 +1445,19 @@
 </file>
 
 <file path=ppt/slideLayouts/slideLayout1.xml><?xml version="1.0" encoding="utf-8"?>
-<p:sldLayout xmlns:a="http://schemas.openxmlformats.org/drawingml/2006/main" xmlns:r="http://schemas.openxmlformats.org/officeDocument/2006/relationships" xmlns:mc="http://schemas.openxmlformats.org/markup-compatibility/2006" xmlns:mv="urn:schemas-microsoft-com:mac:vml" xmlns:p="http://schemas.openxmlformats.org/presentationml/2006/main" xmlns:c="http://schemas.openxmlformats.org/drawingml/2006/chart" xmlns:dgm="http://schemas.openxmlformats.org/drawingml/2006/diagram" xmlns:o="urn:schemas-microsoft-com:office:office" xmlns:v="urn:schemas-microsoft-com:vml" xmlns:pvml="urn:schemas-microsoft-com:office:powerpoint" xmlns:com="http://schemas.openxmlformats.org/drawingml/2006/compatibility" xmlns:p14="http://schemas.microsoft.com/office/powerpoint/2010/main" xmlns:p15="http://schemas.microsoft.com/office/powerpoint/2012/main" xmlns:ahyp="http://schemas.microsoft.com/office/drawing/2018/hyperlinkcolor" matchingName="Title slide" type="title">
+<p:sldLayout xmlns:a="http://schemas.openxmlformats.org/drawingml/2006/main" xmlns:r="http://schemas.openxmlformats.org/officeDocument/2006/relationships" xmlns:p="http://schemas.openxmlformats.org/presentationml/2006/main" matchingName="Title slide" type="title">
   <p:cSld name="TITLE">
     <p:bg>
       <p:bgPr>
         <a:solidFill>
           <a:schemeClr val="dk1"/>
         </a:solidFill>
+        <a:effectLst/>
       </p:bgPr>
     </p:bg>
     <p:spTree>
       <p:nvGrpSpPr>
-        <p:cNvPr id="9" name="Shape 9"/>
+        <p:cNvPr id="1" name="Shape 9"/>
         <p:cNvGrpSpPr/>
         <p:nvPr/>
       </p:nvGrpSpPr>
@@ -1454,12 +1505,12 @@
             </a:ln>
           </p:spPr>
           <p:txBody>
-            <a:bodyPr anchorCtr="0" anchor="ctr" bIns="91425" lIns="91425" spcFirstLastPara="1" rIns="91425" wrap="square" tIns="91425">
+            <a:bodyPr spcFirstLastPara="1" wrap="square" lIns="91425" tIns="91425" rIns="91425" bIns="91425" anchor="ctr" anchorCtr="0">
               <a:noAutofit/>
             </a:bodyPr>
             <a:lstStyle/>
             <a:p>
-              <a:pPr indent="0" lvl="0" marL="0" rtl="0" algn="l">
+              <a:pPr marL="0" lvl="0" indent="0" algn="l" rtl="0">
                 <a:spcBef>
                   <a:spcPts val="0"/>
                 </a:spcBef>
@@ -1468,9 +1519,6 @@
                 </a:spcAft>
                 <a:buNone/>
               </a:pPr>
-              <a:r>
-                <a:t/>
-              </a:r>
               <a:endParaRPr/>
             </a:p>
           </p:txBody>
@@ -1497,12 +1545,12 @@
             </a:ln>
           </p:spPr>
           <p:txBody>
-            <a:bodyPr anchorCtr="0" anchor="ctr" bIns="91425" lIns="91425" spcFirstLastPara="1" rIns="91425" wrap="square" tIns="91425">
+            <a:bodyPr spcFirstLastPara="1" wrap="square" lIns="91425" tIns="91425" rIns="91425" bIns="91425" anchor="ctr" anchorCtr="0">
               <a:noAutofit/>
             </a:bodyPr>
             <a:lstStyle/>
             <a:p>
-              <a:pPr indent="0" lvl="0" marL="0" rtl="0" algn="l">
+              <a:pPr marL="0" lvl="0" indent="0" algn="l" rtl="0">
                 <a:spcBef>
                   <a:spcPts val="0"/>
                 </a:spcBef>
@@ -1511,9 +1559,6 @@
                 </a:spcAft>
                 <a:buNone/>
               </a:pPr>
-              <a:r>
-                <a:t/>
-              </a:r>
               <a:endParaRPr/>
             </a:p>
           </p:txBody>
@@ -1525,7 +1570,7 @@
             <p:nvPr/>
           </p:nvSpPr>
           <p:spPr>
-            <a:xfrm flipH="1" rot="10800000">
+            <a:xfrm rot="10800000" flipH="1">
               <a:off x="7113588" y="107"/>
               <a:ext cx="1015200" cy="1015200"/>
             </a:xfrm>
@@ -1540,12 +1585,12 @@
             </a:ln>
           </p:spPr>
           <p:txBody>
-            <a:bodyPr anchorCtr="0" anchor="ctr" bIns="91425" lIns="91425" spcFirstLastPara="1" rIns="91425" wrap="square" tIns="91425">
+            <a:bodyPr spcFirstLastPara="1" wrap="square" lIns="91425" tIns="91425" rIns="91425" bIns="91425" anchor="ctr" anchorCtr="0">
               <a:noAutofit/>
             </a:bodyPr>
             <a:lstStyle/>
             <a:p>
-              <a:pPr indent="0" lvl="0" marL="0" rtl="0" algn="l">
+              <a:pPr marL="0" lvl="0" indent="0" algn="l" rtl="0">
                 <a:spcBef>
                   <a:spcPts val="0"/>
                 </a:spcBef>
@@ -1554,9 +1599,6 @@
                 </a:spcAft>
                 <a:buNone/>
               </a:pPr>
-              <a:r>
-                <a:t/>
-              </a:r>
               <a:endParaRPr/>
             </a:p>
           </p:txBody>
@@ -1583,12 +1625,12 @@
             </a:ln>
           </p:spPr>
           <p:txBody>
-            <a:bodyPr anchorCtr="0" anchor="ctr" bIns="91425" lIns="91425" spcFirstLastPara="1" rIns="91425" wrap="square" tIns="91425">
+            <a:bodyPr spcFirstLastPara="1" wrap="square" lIns="91425" tIns="91425" rIns="91425" bIns="91425" anchor="ctr" anchorCtr="0">
               <a:noAutofit/>
             </a:bodyPr>
             <a:lstStyle/>
             <a:p>
-              <a:pPr indent="0" lvl="0" marL="0" rtl="0" algn="l">
+              <a:pPr marL="0" lvl="0" indent="0" algn="l" rtl="0">
                 <a:spcBef>
                   <a:spcPts val="0"/>
                 </a:spcBef>
@@ -1597,9 +1639,6 @@
                 </a:spcAft>
                 <a:buNone/>
               </a:pPr>
-              <a:r>
-                <a:t/>
-              </a:r>
               <a:endParaRPr/>
             </a:p>
           </p:txBody>
@@ -1626,12 +1665,12 @@
             </a:ln>
           </p:spPr>
           <p:txBody>
-            <a:bodyPr anchorCtr="0" anchor="ctr" bIns="91425" lIns="91425" spcFirstLastPara="1" rIns="91425" wrap="square" tIns="91425">
+            <a:bodyPr spcFirstLastPara="1" wrap="square" lIns="91425" tIns="91425" rIns="91425" bIns="91425" anchor="ctr" anchorCtr="0">
               <a:noAutofit/>
             </a:bodyPr>
             <a:lstStyle/>
             <a:p>
-              <a:pPr indent="0" lvl="0" marL="0" rtl="0" algn="l">
+              <a:pPr marL="0" lvl="0" indent="0" algn="l" rtl="0">
                 <a:spcBef>
                   <a:spcPts val="0"/>
                 </a:spcBef>
@@ -1640,9 +1679,6 @@
                 </a:spcAft>
                 <a:buNone/>
               </a:pPr>
-              <a:r>
-                <a:t/>
-              </a:r>
               <a:endParaRPr/>
             </a:p>
           </p:txBody>
@@ -1651,7 +1687,9 @@
       <p:sp>
         <p:nvSpPr>
           <p:cNvPr id="16" name="Google Shape;16;p2"/>
-          <p:cNvSpPr txBox="1"/>
+          <p:cNvSpPr txBox="1">
+            <a:spLocks noGrp="1"/>
+          </p:cNvSpPr>
           <p:nvPr>
             <p:ph type="ctrTitle"/>
           </p:nvPr>
@@ -1666,7 +1704,7 @@
           </a:prstGeom>
         </p:spPr>
         <p:txBody>
-          <a:bodyPr anchorCtr="0" anchor="b" bIns="91425" lIns="91425" spcFirstLastPara="1" rIns="91425" wrap="square" tIns="91425">
+          <a:bodyPr spcFirstLastPara="1" wrap="square" lIns="91425" tIns="91425" rIns="91425" bIns="91425" anchor="b" anchorCtr="0">
             <a:noAutofit/>
           </a:bodyPr>
           <a:lstStyle>
@@ -1833,15 +1871,19 @@
               </a:defRPr>
             </a:lvl9pPr>
           </a:lstStyle>
-          <a:p/>
+          <a:p>
+            <a:endParaRPr/>
+          </a:p>
         </p:txBody>
       </p:sp>
       <p:sp>
         <p:nvSpPr>
           <p:cNvPr id="17" name="Google Shape;17;p2"/>
-          <p:cNvSpPr txBox="1"/>
+          <p:cNvSpPr txBox="1">
+            <a:spLocks noGrp="1"/>
+          </p:cNvSpPr>
           <p:nvPr>
-            <p:ph idx="1" type="subTitle"/>
+            <p:ph type="subTitle" idx="1"/>
           </p:nvPr>
         </p:nvSpPr>
         <p:spPr>
@@ -1854,7 +1896,7 @@
           </a:prstGeom>
         </p:spPr>
         <p:txBody>
-          <a:bodyPr anchorCtr="0" anchor="t" bIns="91425" lIns="91425" spcFirstLastPara="1" rIns="91425" wrap="square" tIns="91425">
+          <a:bodyPr spcFirstLastPara="1" wrap="square" lIns="91425" tIns="91425" rIns="91425" bIns="91425" anchor="t" anchorCtr="0">
             <a:noAutofit/>
           </a:bodyPr>
           <a:lstStyle>
@@ -2048,15 +2090,19 @@
               </a:defRPr>
             </a:lvl9pPr>
           </a:lstStyle>
-          <a:p/>
+          <a:p>
+            <a:endParaRPr/>
+          </a:p>
         </p:txBody>
       </p:sp>
       <p:sp>
         <p:nvSpPr>
           <p:cNvPr id="18" name="Google Shape;18;p2"/>
-          <p:cNvSpPr txBox="1"/>
+          <p:cNvSpPr txBox="1">
+            <a:spLocks noGrp="1"/>
+          </p:cNvSpPr>
           <p:nvPr>
-            <p:ph idx="12" type="sldNum"/>
+            <p:ph type="sldNum" idx="12"/>
           </p:nvPr>
         </p:nvSpPr>
         <p:spPr>
@@ -2069,7 +2115,7 @@
           </a:prstGeom>
         </p:spPr>
         <p:txBody>
-          <a:bodyPr anchorCtr="0" anchor="ctr" bIns="91425" lIns="91425" spcFirstLastPara="1" rIns="91425" wrap="square" tIns="91425">
+          <a:bodyPr spcFirstLastPara="1" wrap="square" lIns="91425" tIns="91425" rIns="91425" bIns="91425" anchor="ctr" anchorCtr="0">
             <a:noAutofit/>
           </a:bodyPr>
           <a:lstStyle>
@@ -2111,7 +2157,7 @@
             </a:lvl9pPr>
           </a:lstStyle>
           <a:p>
-            <a:pPr indent="0" lvl="0" marL="0" rtl="0" algn="r">
+            <a:pPr marL="0" lvl="0" indent="0" algn="r" rtl="0">
               <a:spcBef>
                 <a:spcPts val="0"/>
               </a:spcBef>
@@ -2137,18 +2183,19 @@
 </file>
 
 <file path=ppt/slideLayouts/slideLayout10.xml><?xml version="1.0" encoding="utf-8"?>
-<p:sldLayout xmlns:a="http://schemas.openxmlformats.org/drawingml/2006/main" xmlns:r="http://schemas.openxmlformats.org/officeDocument/2006/relationships" xmlns:mc="http://schemas.openxmlformats.org/markup-compatibility/2006" xmlns:mv="urn:schemas-microsoft-com:mac:vml" xmlns:p="http://schemas.openxmlformats.org/presentationml/2006/main" xmlns:c="http://schemas.openxmlformats.org/drawingml/2006/chart" xmlns:dgm="http://schemas.openxmlformats.org/drawingml/2006/diagram" xmlns:o="urn:schemas-microsoft-com:office:office" xmlns:v="urn:schemas-microsoft-com:vml" xmlns:pvml="urn:schemas-microsoft-com:office:powerpoint" xmlns:com="http://schemas.openxmlformats.org/drawingml/2006/compatibility" xmlns:p14="http://schemas.microsoft.com/office/powerpoint/2010/main" xmlns:p15="http://schemas.microsoft.com/office/powerpoint/2012/main" xmlns:ahyp="http://schemas.microsoft.com/office/drawing/2018/hyperlinkcolor" matchingName="Big number">
+<p:sldLayout xmlns:a="http://schemas.openxmlformats.org/drawingml/2006/main" xmlns:r="http://schemas.openxmlformats.org/officeDocument/2006/relationships" xmlns:p="http://schemas.openxmlformats.org/presentationml/2006/main" matchingName="Big number">
   <p:cSld name="BIG_NUMBER">
     <p:bg>
       <p:bgPr>
         <a:solidFill>
           <a:schemeClr val="dk1"/>
         </a:solidFill>
+        <a:effectLst/>
       </p:bgPr>
     </p:bg>
     <p:spTree>
       <p:nvGrpSpPr>
-        <p:cNvPr id="69" name="Shape 69"/>
+        <p:cNvPr id="1" name="Shape 69"/>
         <p:cNvGrpSpPr/>
         <p:nvPr/>
       </p:nvGrpSpPr>
@@ -2196,12 +2243,12 @@
             </a:ln>
           </p:spPr>
           <p:txBody>
-            <a:bodyPr anchorCtr="0" anchor="ctr" bIns="91425" lIns="91425" spcFirstLastPara="1" rIns="91425" wrap="square" tIns="91425">
+            <a:bodyPr spcFirstLastPara="1" wrap="square" lIns="91425" tIns="91425" rIns="91425" bIns="91425" anchor="ctr" anchorCtr="0">
               <a:noAutofit/>
             </a:bodyPr>
             <a:lstStyle/>
             <a:p>
-              <a:pPr indent="0" lvl="0" marL="0" rtl="0" algn="l">
+              <a:pPr marL="0" lvl="0" indent="0" algn="l" rtl="0">
                 <a:spcBef>
                   <a:spcPts val="0"/>
                 </a:spcBef>
@@ -2210,9 +2257,6 @@
                 </a:spcAft>
                 <a:buNone/>
               </a:pPr>
-              <a:r>
-                <a:t/>
-              </a:r>
               <a:endParaRPr/>
             </a:p>
           </p:txBody>
@@ -2239,12 +2283,12 @@
             </a:ln>
           </p:spPr>
           <p:txBody>
-            <a:bodyPr anchorCtr="0" anchor="ctr" bIns="91425" lIns="91425" spcFirstLastPara="1" rIns="91425" wrap="square" tIns="91425">
+            <a:bodyPr spcFirstLastPara="1" wrap="square" lIns="91425" tIns="91425" rIns="91425" bIns="91425" anchor="ctr" anchorCtr="0">
               <a:noAutofit/>
             </a:bodyPr>
             <a:lstStyle/>
             <a:p>
-              <a:pPr indent="0" lvl="0" marL="0" rtl="0" algn="l">
+              <a:pPr marL="0" lvl="0" indent="0" algn="l" rtl="0">
                 <a:spcBef>
                   <a:spcPts val="0"/>
                 </a:spcBef>
@@ -2253,9 +2297,6 @@
                 </a:spcAft>
                 <a:buNone/>
               </a:pPr>
-              <a:r>
-                <a:t/>
-              </a:r>
               <a:endParaRPr/>
             </a:p>
           </p:txBody>
@@ -2267,7 +2308,7 @@
             <p:nvPr/>
           </p:nvSpPr>
           <p:spPr>
-            <a:xfrm flipH="1" rot="10800000">
+            <a:xfrm rot="10800000" flipH="1">
               <a:off x="7113588" y="107"/>
               <a:ext cx="1015200" cy="1015200"/>
             </a:xfrm>
@@ -2282,12 +2323,12 @@
             </a:ln>
           </p:spPr>
           <p:txBody>
-            <a:bodyPr anchorCtr="0" anchor="ctr" bIns="91425" lIns="91425" spcFirstLastPara="1" rIns="91425" wrap="square" tIns="91425">
+            <a:bodyPr spcFirstLastPara="1" wrap="square" lIns="91425" tIns="91425" rIns="91425" bIns="91425" anchor="ctr" anchorCtr="0">
               <a:noAutofit/>
             </a:bodyPr>
             <a:lstStyle/>
             <a:p>
-              <a:pPr indent="0" lvl="0" marL="0" rtl="0" algn="l">
+              <a:pPr marL="0" lvl="0" indent="0" algn="l" rtl="0">
                 <a:spcBef>
                   <a:spcPts val="0"/>
                 </a:spcBef>
@@ -2296,9 +2337,6 @@
                 </a:spcAft>
                 <a:buNone/>
               </a:pPr>
-              <a:r>
-                <a:t/>
-              </a:r>
               <a:endParaRPr/>
             </a:p>
           </p:txBody>
@@ -2325,12 +2363,12 @@
             </a:ln>
           </p:spPr>
           <p:txBody>
-            <a:bodyPr anchorCtr="0" anchor="ctr" bIns="91425" lIns="91425" spcFirstLastPara="1" rIns="91425" wrap="square" tIns="91425">
+            <a:bodyPr spcFirstLastPara="1" wrap="square" lIns="91425" tIns="91425" rIns="91425" bIns="91425" anchor="ctr" anchorCtr="0">
               <a:noAutofit/>
             </a:bodyPr>
             <a:lstStyle/>
             <a:p>
-              <a:pPr indent="0" lvl="0" marL="0" rtl="0" algn="l">
+              <a:pPr marL="0" lvl="0" indent="0" algn="l" rtl="0">
                 <a:spcBef>
                   <a:spcPts val="0"/>
                 </a:spcBef>
@@ -2339,9 +2377,6 @@
                 </a:spcAft>
                 <a:buNone/>
               </a:pPr>
-              <a:r>
-                <a:t/>
-              </a:r>
               <a:endParaRPr/>
             </a:p>
           </p:txBody>
@@ -2368,12 +2403,12 @@
             </a:ln>
           </p:spPr>
           <p:txBody>
-            <a:bodyPr anchorCtr="0" anchor="ctr" bIns="91425" lIns="91425" spcFirstLastPara="1" rIns="91425" wrap="square" tIns="91425">
+            <a:bodyPr spcFirstLastPara="1" wrap="square" lIns="91425" tIns="91425" rIns="91425" bIns="91425" anchor="ctr" anchorCtr="0">
               <a:noAutofit/>
             </a:bodyPr>
             <a:lstStyle/>
             <a:p>
-              <a:pPr indent="0" lvl="0" marL="0" rtl="0" algn="l">
+              <a:pPr marL="0" lvl="0" indent="0" algn="l" rtl="0">
                 <a:spcBef>
                   <a:spcPts val="0"/>
                 </a:spcBef>
@@ -2382,9 +2417,6 @@
                 </a:spcAft>
                 <a:buNone/>
               </a:pPr>
-              <a:r>
-                <a:t/>
-              </a:r>
               <a:endParaRPr/>
             </a:p>
           </p:txBody>
@@ -2393,9 +2425,11 @@
       <p:sp>
         <p:nvSpPr>
           <p:cNvPr id="76" name="Google Shape;76;p11"/>
-          <p:cNvSpPr txBox="1"/>
+          <p:cNvSpPr txBox="1">
+            <a:spLocks noGrp="1"/>
+          </p:cNvSpPr>
           <p:nvPr>
-            <p:ph hasCustomPrompt="1" type="title"/>
+            <p:ph type="title" hasCustomPrompt="1"/>
           </p:nvPr>
         </p:nvSpPr>
         <p:spPr>
@@ -2408,7 +2442,7 @@
           </a:prstGeom>
         </p:spPr>
         <p:txBody>
-          <a:bodyPr anchorCtr="0" anchor="b" bIns="91425" lIns="91425" spcFirstLastPara="1" rIns="91425" wrap="square" tIns="91425">
+          <a:bodyPr spcFirstLastPara="1" wrap="square" lIns="91425" tIns="91425" rIns="91425" bIns="91425" anchor="b" anchorCtr="0">
             <a:noAutofit/>
           </a:bodyPr>
           <a:lstStyle>
@@ -2585,9 +2619,11 @@
       <p:sp>
         <p:nvSpPr>
           <p:cNvPr id="77" name="Google Shape;77;p11"/>
-          <p:cNvSpPr txBox="1"/>
+          <p:cNvSpPr txBox="1">
+            <a:spLocks noGrp="1"/>
+          </p:cNvSpPr>
           <p:nvPr>
-            <p:ph idx="1" type="body"/>
+            <p:ph type="body" idx="1"/>
           </p:nvPr>
         </p:nvSpPr>
         <p:spPr>
@@ -2600,11 +2636,11 @@
           </a:prstGeom>
         </p:spPr>
         <p:txBody>
-          <a:bodyPr anchorCtr="0" anchor="t" bIns="91425" lIns="91425" spcFirstLastPara="1" rIns="91425" wrap="square" tIns="91425">
+          <a:bodyPr spcFirstLastPara="1" wrap="square" lIns="91425" tIns="91425" rIns="91425" bIns="91425" anchor="t" anchorCtr="0">
             <a:noAutofit/>
           </a:bodyPr>
           <a:lstStyle>
-            <a:lvl1pPr indent="-342900" lvl="0" marL="457200" algn="ctr">
+            <a:lvl1pPr marL="457200" lvl="0" indent="-342900" algn="ctr">
               <a:spcBef>
                 <a:spcPts val="0"/>
               </a:spcBef>
@@ -2622,7 +2658,7 @@
                 </a:solidFill>
               </a:defRPr>
             </a:lvl1pPr>
-            <a:lvl2pPr indent="-317500" lvl="1" marL="914400" algn="ctr">
+            <a:lvl2pPr marL="914400" lvl="1" indent="-317500" algn="ctr">
               <a:spcBef>
                 <a:spcPts val="1600"/>
               </a:spcBef>
@@ -2640,7 +2676,7 @@
                 </a:solidFill>
               </a:defRPr>
             </a:lvl2pPr>
-            <a:lvl3pPr indent="-317500" lvl="2" marL="1371600" algn="ctr">
+            <a:lvl3pPr marL="1371600" lvl="2" indent="-317500" algn="ctr">
               <a:spcBef>
                 <a:spcPts val="1600"/>
               </a:spcBef>
@@ -2658,7 +2694,7 @@
                 </a:solidFill>
               </a:defRPr>
             </a:lvl3pPr>
-            <a:lvl4pPr indent="-317500" lvl="3" marL="1828800" algn="ctr">
+            <a:lvl4pPr marL="1828800" lvl="3" indent="-317500" algn="ctr">
               <a:spcBef>
                 <a:spcPts val="1600"/>
               </a:spcBef>
@@ -2676,7 +2712,7 @@
                 </a:solidFill>
               </a:defRPr>
             </a:lvl4pPr>
-            <a:lvl5pPr indent="-317500" lvl="4" marL="2286000" algn="ctr">
+            <a:lvl5pPr marL="2286000" lvl="4" indent="-317500" algn="ctr">
               <a:spcBef>
                 <a:spcPts val="1600"/>
               </a:spcBef>
@@ -2694,7 +2730,7 @@
                 </a:solidFill>
               </a:defRPr>
             </a:lvl5pPr>
-            <a:lvl6pPr indent="-317500" lvl="5" marL="2743200" algn="ctr">
+            <a:lvl6pPr marL="2743200" lvl="5" indent="-317500" algn="ctr">
               <a:spcBef>
                 <a:spcPts val="1600"/>
               </a:spcBef>
@@ -2712,7 +2748,7 @@
                 </a:solidFill>
               </a:defRPr>
             </a:lvl6pPr>
-            <a:lvl7pPr indent="-317500" lvl="6" marL="3200400" algn="ctr">
+            <a:lvl7pPr marL="3200400" lvl="6" indent="-317500" algn="ctr">
               <a:spcBef>
                 <a:spcPts val="1600"/>
               </a:spcBef>
@@ -2730,7 +2766,7 @@
                 </a:solidFill>
               </a:defRPr>
             </a:lvl7pPr>
-            <a:lvl8pPr indent="-317500" lvl="7" marL="3657600" algn="ctr">
+            <a:lvl8pPr marL="3657600" lvl="7" indent="-317500" algn="ctr">
               <a:spcBef>
                 <a:spcPts val="1600"/>
               </a:spcBef>
@@ -2748,7 +2784,7 @@
                 </a:solidFill>
               </a:defRPr>
             </a:lvl8pPr>
-            <a:lvl9pPr indent="-317500" lvl="8" marL="4114800" algn="ctr">
+            <a:lvl9pPr marL="4114800" lvl="8" indent="-317500" algn="ctr">
               <a:spcBef>
                 <a:spcPts val="1600"/>
               </a:spcBef>
@@ -2767,15 +2803,19 @@
               </a:defRPr>
             </a:lvl9pPr>
           </a:lstStyle>
-          <a:p/>
+          <a:p>
+            <a:endParaRPr/>
+          </a:p>
         </p:txBody>
       </p:sp>
       <p:sp>
         <p:nvSpPr>
           <p:cNvPr id="78" name="Google Shape;78;p11"/>
-          <p:cNvSpPr txBox="1"/>
+          <p:cNvSpPr txBox="1">
+            <a:spLocks noGrp="1"/>
+          </p:cNvSpPr>
           <p:nvPr>
-            <p:ph idx="12" type="sldNum"/>
+            <p:ph type="sldNum" idx="12"/>
           </p:nvPr>
         </p:nvSpPr>
         <p:spPr>
@@ -2788,7 +2828,7 @@
           </a:prstGeom>
         </p:spPr>
         <p:txBody>
-          <a:bodyPr anchorCtr="0" anchor="ctr" bIns="91425" lIns="91425" spcFirstLastPara="1" rIns="91425" wrap="square" tIns="91425">
+          <a:bodyPr spcFirstLastPara="1" wrap="square" lIns="91425" tIns="91425" rIns="91425" bIns="91425" anchor="ctr" anchorCtr="0">
             <a:noAutofit/>
           </a:bodyPr>
           <a:lstStyle>
@@ -2830,7 +2870,7 @@
             </a:lvl9pPr>
           </a:lstStyle>
           <a:p>
-            <a:pPr indent="0" lvl="0" marL="0" rtl="0" algn="r">
+            <a:pPr marL="0" lvl="0" indent="0" algn="r" rtl="0">
               <a:spcBef>
                 <a:spcPts val="0"/>
               </a:spcBef>
@@ -2856,11 +2896,11 @@
 </file>
 
 <file path=ppt/slideLayouts/slideLayout11.xml><?xml version="1.0" encoding="utf-8"?>
-<p:sldLayout xmlns:a="http://schemas.openxmlformats.org/drawingml/2006/main" xmlns:r="http://schemas.openxmlformats.org/officeDocument/2006/relationships" xmlns:mc="http://schemas.openxmlformats.org/markup-compatibility/2006" xmlns:mv="urn:schemas-microsoft-com:mac:vml" xmlns:p="http://schemas.openxmlformats.org/presentationml/2006/main" xmlns:c="http://schemas.openxmlformats.org/drawingml/2006/chart" xmlns:dgm="http://schemas.openxmlformats.org/drawingml/2006/diagram" xmlns:o="urn:schemas-microsoft-com:office:office" xmlns:v="urn:schemas-microsoft-com:vml" xmlns:pvml="urn:schemas-microsoft-com:office:powerpoint" xmlns:com="http://schemas.openxmlformats.org/drawingml/2006/compatibility" xmlns:p14="http://schemas.microsoft.com/office/powerpoint/2010/main" xmlns:p15="http://schemas.microsoft.com/office/powerpoint/2012/main" xmlns:ahyp="http://schemas.microsoft.com/office/drawing/2018/hyperlinkcolor" matchingName="Blank" type="blank">
+<p:sldLayout xmlns:a="http://schemas.openxmlformats.org/drawingml/2006/main" xmlns:r="http://schemas.openxmlformats.org/officeDocument/2006/relationships" xmlns:p="http://schemas.openxmlformats.org/presentationml/2006/main" matchingName="Blank" type="blank">
   <p:cSld name="BLANK">
     <p:spTree>
       <p:nvGrpSpPr>
-        <p:cNvPr id="79" name="Shape 79"/>
+        <p:cNvPr id="1" name="Shape 79"/>
         <p:cNvGrpSpPr/>
         <p:nvPr/>
       </p:nvGrpSpPr>
@@ -2875,9 +2915,11 @@
       <p:sp>
         <p:nvSpPr>
           <p:cNvPr id="80" name="Google Shape;80;p12"/>
-          <p:cNvSpPr txBox="1"/>
+          <p:cNvSpPr txBox="1">
+            <a:spLocks noGrp="1"/>
+          </p:cNvSpPr>
           <p:nvPr>
-            <p:ph idx="12" type="sldNum"/>
+            <p:ph type="sldNum" idx="12"/>
           </p:nvPr>
         </p:nvSpPr>
         <p:spPr>
@@ -2890,7 +2932,7 @@
           </a:prstGeom>
         </p:spPr>
         <p:txBody>
-          <a:bodyPr anchorCtr="0" anchor="ctr" bIns="91425" lIns="91425" spcFirstLastPara="1" rIns="91425" wrap="square" tIns="91425">
+          <a:bodyPr spcFirstLastPara="1" wrap="square" lIns="91425" tIns="91425" rIns="91425" bIns="91425" anchor="ctr" anchorCtr="0">
             <a:noAutofit/>
           </a:bodyPr>
           <a:lstStyle>
@@ -2968,7 +3010,7 @@
             </a:lvl9pPr>
           </a:lstStyle>
           <a:p>
-            <a:pPr indent="0" lvl="0" marL="0" rtl="0" algn="r">
+            <a:pPr marL="0" lvl="0" indent="0" algn="r" rtl="0">
               <a:spcBef>
                 <a:spcPts val="0"/>
               </a:spcBef>
@@ -2994,18 +3036,19 @@
 </file>
 
 <file path=ppt/slideLayouts/slideLayout2.xml><?xml version="1.0" encoding="utf-8"?>
-<p:sldLayout xmlns:a="http://schemas.openxmlformats.org/drawingml/2006/main" xmlns:r="http://schemas.openxmlformats.org/officeDocument/2006/relationships" xmlns:mc="http://schemas.openxmlformats.org/markup-compatibility/2006" xmlns:mv="urn:schemas-microsoft-com:mac:vml" xmlns:p="http://schemas.openxmlformats.org/presentationml/2006/main" xmlns:c="http://schemas.openxmlformats.org/drawingml/2006/chart" xmlns:dgm="http://schemas.openxmlformats.org/drawingml/2006/diagram" xmlns:o="urn:schemas-microsoft-com:office:office" xmlns:v="urn:schemas-microsoft-com:vml" xmlns:pvml="urn:schemas-microsoft-com:office:powerpoint" xmlns:com="http://schemas.openxmlformats.org/drawingml/2006/compatibility" xmlns:p14="http://schemas.microsoft.com/office/powerpoint/2010/main" xmlns:p15="http://schemas.microsoft.com/office/powerpoint/2012/main" xmlns:ahyp="http://schemas.microsoft.com/office/drawing/2018/hyperlinkcolor" matchingName="Section header" type="secHead">
+<p:sldLayout xmlns:a="http://schemas.openxmlformats.org/drawingml/2006/main" xmlns:r="http://schemas.openxmlformats.org/officeDocument/2006/relationships" xmlns:p="http://schemas.openxmlformats.org/presentationml/2006/main" matchingName="Section header" type="secHead">
   <p:cSld name="SECTION_HEADER">
     <p:bg>
       <p:bgPr>
         <a:solidFill>
           <a:schemeClr val="dk1"/>
         </a:solidFill>
+        <a:effectLst/>
       </p:bgPr>
     </p:bg>
     <p:spTree>
       <p:nvGrpSpPr>
-        <p:cNvPr id="19" name="Shape 19"/>
+        <p:cNvPr id="1" name="Shape 19"/>
         <p:cNvGrpSpPr/>
         <p:nvPr/>
       </p:nvGrpSpPr>
@@ -3053,12 +3096,12 @@
             </a:ln>
           </p:spPr>
           <p:txBody>
-            <a:bodyPr anchorCtr="0" anchor="ctr" bIns="91425" lIns="91425" spcFirstLastPara="1" rIns="91425" wrap="square" tIns="91425">
+            <a:bodyPr spcFirstLastPara="1" wrap="square" lIns="91425" tIns="91425" rIns="91425" bIns="91425" anchor="ctr" anchorCtr="0">
               <a:noAutofit/>
             </a:bodyPr>
             <a:lstStyle/>
             <a:p>
-              <a:pPr indent="0" lvl="0" marL="0" rtl="0" algn="l">
+              <a:pPr marL="0" lvl="0" indent="0" algn="l" rtl="0">
                 <a:spcBef>
                   <a:spcPts val="0"/>
                 </a:spcBef>
@@ -3067,9 +3110,6 @@
                 </a:spcAft>
                 <a:buNone/>
               </a:pPr>
-              <a:r>
-                <a:t/>
-              </a:r>
               <a:endParaRPr/>
             </a:p>
           </p:txBody>
@@ -3096,12 +3136,12 @@
             </a:ln>
           </p:spPr>
           <p:txBody>
-            <a:bodyPr anchorCtr="0" anchor="ctr" bIns="91425" lIns="91425" spcFirstLastPara="1" rIns="91425" wrap="square" tIns="91425">
+            <a:bodyPr spcFirstLastPara="1" wrap="square" lIns="91425" tIns="91425" rIns="91425" bIns="91425" anchor="ctr" anchorCtr="0">
               <a:noAutofit/>
             </a:bodyPr>
             <a:lstStyle/>
             <a:p>
-              <a:pPr indent="0" lvl="0" marL="0" rtl="0" algn="l">
+              <a:pPr marL="0" lvl="0" indent="0" algn="l" rtl="0">
                 <a:spcBef>
                   <a:spcPts val="0"/>
                 </a:spcBef>
@@ -3110,9 +3150,6 @@
                 </a:spcAft>
                 <a:buNone/>
               </a:pPr>
-              <a:r>
-                <a:t/>
-              </a:r>
               <a:endParaRPr/>
             </a:p>
           </p:txBody>
@@ -3124,7 +3161,7 @@
             <p:nvPr/>
           </p:nvSpPr>
           <p:spPr>
-            <a:xfrm flipH="1" rot="10800000">
+            <a:xfrm rot="10800000" flipH="1">
               <a:off x="7113588" y="107"/>
               <a:ext cx="1015200" cy="1015200"/>
             </a:xfrm>
@@ -3139,12 +3176,12 @@
             </a:ln>
           </p:spPr>
           <p:txBody>
-            <a:bodyPr anchorCtr="0" anchor="ctr" bIns="91425" lIns="91425" spcFirstLastPara="1" rIns="91425" wrap="square" tIns="91425">
+            <a:bodyPr spcFirstLastPara="1" wrap="square" lIns="91425" tIns="91425" rIns="91425" bIns="91425" anchor="ctr" anchorCtr="0">
               <a:noAutofit/>
             </a:bodyPr>
             <a:lstStyle/>
             <a:p>
-              <a:pPr indent="0" lvl="0" marL="0" rtl="0" algn="l">
+              <a:pPr marL="0" lvl="0" indent="0" algn="l" rtl="0">
                 <a:spcBef>
                   <a:spcPts val="0"/>
                 </a:spcBef>
@@ -3153,9 +3190,6 @@
                 </a:spcAft>
                 <a:buNone/>
               </a:pPr>
-              <a:r>
-                <a:t/>
-              </a:r>
               <a:endParaRPr/>
             </a:p>
           </p:txBody>
@@ -3182,12 +3216,12 @@
             </a:ln>
           </p:spPr>
           <p:txBody>
-            <a:bodyPr anchorCtr="0" anchor="ctr" bIns="91425" lIns="91425" spcFirstLastPara="1" rIns="91425" wrap="square" tIns="91425">
+            <a:bodyPr spcFirstLastPara="1" wrap="square" lIns="91425" tIns="91425" rIns="91425" bIns="91425" anchor="ctr" anchorCtr="0">
               <a:noAutofit/>
             </a:bodyPr>
             <a:lstStyle/>
             <a:p>
-              <a:pPr indent="0" lvl="0" marL="0" rtl="0" algn="l">
+              <a:pPr marL="0" lvl="0" indent="0" algn="l" rtl="0">
                 <a:spcBef>
                   <a:spcPts val="0"/>
                 </a:spcBef>
@@ -3196,9 +3230,6 @@
                 </a:spcAft>
                 <a:buNone/>
               </a:pPr>
-              <a:r>
-                <a:t/>
-              </a:r>
               <a:endParaRPr/>
             </a:p>
           </p:txBody>
@@ -3225,12 +3256,12 @@
             </a:ln>
           </p:spPr>
           <p:txBody>
-            <a:bodyPr anchorCtr="0" anchor="ctr" bIns="91425" lIns="91425" spcFirstLastPara="1" rIns="91425" wrap="square" tIns="91425">
+            <a:bodyPr spcFirstLastPara="1" wrap="square" lIns="91425" tIns="91425" rIns="91425" bIns="91425" anchor="ctr" anchorCtr="0">
               <a:noAutofit/>
             </a:bodyPr>
             <a:lstStyle/>
             <a:p>
-              <a:pPr indent="0" lvl="0" marL="0" rtl="0" algn="l">
+              <a:pPr marL="0" lvl="0" indent="0" algn="l" rtl="0">
                 <a:spcBef>
                   <a:spcPts val="0"/>
                 </a:spcBef>
@@ -3239,9 +3270,6 @@
                 </a:spcAft>
                 <a:buNone/>
               </a:pPr>
-              <a:r>
-                <a:t/>
-              </a:r>
               <a:endParaRPr/>
             </a:p>
           </p:txBody>
@@ -3250,7 +3278,9 @@
       <p:sp>
         <p:nvSpPr>
           <p:cNvPr id="26" name="Google Shape;26;p3"/>
-          <p:cNvSpPr txBox="1"/>
+          <p:cNvSpPr txBox="1">
+            <a:spLocks noGrp="1"/>
+          </p:cNvSpPr>
           <p:nvPr>
             <p:ph type="title"/>
           </p:nvPr>
@@ -3265,7 +3295,7 @@
           </a:prstGeom>
         </p:spPr>
         <p:txBody>
-          <a:bodyPr anchorCtr="0" anchor="ctr" bIns="91425" lIns="91425" spcFirstLastPara="1" rIns="91425" wrap="square" tIns="91425">
+          <a:bodyPr spcFirstLastPara="1" wrap="square" lIns="91425" tIns="91425" rIns="91425" bIns="91425" anchor="ctr" anchorCtr="0">
             <a:noAutofit/>
           </a:bodyPr>
           <a:lstStyle>
@@ -3432,15 +3462,19 @@
               </a:defRPr>
             </a:lvl9pPr>
           </a:lstStyle>
-          <a:p/>
+          <a:p>
+            <a:endParaRPr/>
+          </a:p>
         </p:txBody>
       </p:sp>
       <p:sp>
         <p:nvSpPr>
           <p:cNvPr id="27" name="Google Shape;27;p3"/>
-          <p:cNvSpPr txBox="1"/>
+          <p:cNvSpPr txBox="1">
+            <a:spLocks noGrp="1"/>
+          </p:cNvSpPr>
           <p:nvPr>
-            <p:ph idx="12" type="sldNum"/>
+            <p:ph type="sldNum" idx="12"/>
           </p:nvPr>
         </p:nvSpPr>
         <p:spPr>
@@ -3453,7 +3487,7 @@
           </a:prstGeom>
         </p:spPr>
         <p:txBody>
-          <a:bodyPr anchorCtr="0" anchor="ctr" bIns="91425" lIns="91425" spcFirstLastPara="1" rIns="91425" wrap="square" tIns="91425">
+          <a:bodyPr spcFirstLastPara="1" wrap="square" lIns="91425" tIns="91425" rIns="91425" bIns="91425" anchor="ctr" anchorCtr="0">
             <a:noAutofit/>
           </a:bodyPr>
           <a:lstStyle>
@@ -3495,7 +3529,7 @@
             </a:lvl9pPr>
           </a:lstStyle>
           <a:p>
-            <a:pPr indent="0" lvl="0" marL="0" rtl="0" algn="r">
+            <a:pPr marL="0" lvl="0" indent="0" algn="r" rtl="0">
               <a:spcBef>
                 <a:spcPts val="0"/>
               </a:spcBef>
@@ -3521,11 +3555,11 @@
 </file>
 
 <file path=ppt/slideLayouts/slideLayout3.xml><?xml version="1.0" encoding="utf-8"?>
-<p:sldLayout xmlns:a="http://schemas.openxmlformats.org/drawingml/2006/main" xmlns:r="http://schemas.openxmlformats.org/officeDocument/2006/relationships" xmlns:mc="http://schemas.openxmlformats.org/markup-compatibility/2006" xmlns:mv="urn:schemas-microsoft-com:mac:vml" xmlns:p="http://schemas.openxmlformats.org/presentationml/2006/main" xmlns:c="http://schemas.openxmlformats.org/drawingml/2006/chart" xmlns:dgm="http://schemas.openxmlformats.org/drawingml/2006/diagram" xmlns:o="urn:schemas-microsoft-com:office:office" xmlns:v="urn:schemas-microsoft-com:vml" xmlns:pvml="urn:schemas-microsoft-com:office:powerpoint" xmlns:com="http://schemas.openxmlformats.org/drawingml/2006/compatibility" xmlns:p14="http://schemas.microsoft.com/office/powerpoint/2010/main" xmlns:p15="http://schemas.microsoft.com/office/powerpoint/2012/main" xmlns:ahyp="http://schemas.microsoft.com/office/drawing/2018/hyperlinkcolor" matchingName="Title and body" type="tx">
+<p:sldLayout xmlns:a="http://schemas.openxmlformats.org/drawingml/2006/main" xmlns:r="http://schemas.openxmlformats.org/officeDocument/2006/relationships" xmlns:p="http://schemas.openxmlformats.org/presentationml/2006/main" matchingName="Title and body" type="tx">
   <p:cSld name="TITLE_AND_BODY">
     <p:spTree>
       <p:nvGrpSpPr>
-        <p:cNvPr id="28" name="Shape 28"/>
+        <p:cNvPr id="1" name="Shape 28"/>
         <p:cNvGrpSpPr/>
         <p:nvPr/>
       </p:nvGrpSpPr>
@@ -3573,12 +3607,12 @@
             </a:ln>
           </p:spPr>
           <p:txBody>
-            <a:bodyPr anchorCtr="0" anchor="ctr" bIns="91425" lIns="91425" spcFirstLastPara="1" rIns="91425" wrap="square" tIns="91425">
+            <a:bodyPr spcFirstLastPara="1" wrap="square" lIns="91425" tIns="91425" rIns="91425" bIns="91425" anchor="ctr" anchorCtr="0">
               <a:noAutofit/>
             </a:bodyPr>
             <a:lstStyle/>
             <a:p>
-              <a:pPr indent="0" lvl="0" marL="0" rtl="0" algn="l">
+              <a:pPr marL="0" lvl="0" indent="0" algn="l" rtl="0">
                 <a:spcBef>
                   <a:spcPts val="0"/>
                 </a:spcBef>
@@ -3587,9 +3621,6 @@
                 </a:spcAft>
                 <a:buNone/>
               </a:pPr>
-              <a:r>
-                <a:t/>
-              </a:r>
               <a:endParaRPr/>
             </a:p>
           </p:txBody>
@@ -3616,12 +3647,12 @@
             </a:ln>
           </p:spPr>
           <p:txBody>
-            <a:bodyPr anchorCtr="0" anchor="ctr" bIns="91425" lIns="91425" spcFirstLastPara="1" rIns="91425" wrap="square" tIns="91425">
+            <a:bodyPr spcFirstLastPara="1" wrap="square" lIns="91425" tIns="91425" rIns="91425" bIns="91425" anchor="ctr" anchorCtr="0">
               <a:noAutofit/>
             </a:bodyPr>
             <a:lstStyle/>
             <a:p>
-              <a:pPr indent="0" lvl="0" marL="0" rtl="0" algn="l">
+              <a:pPr marL="0" lvl="0" indent="0" algn="l" rtl="0">
                 <a:spcBef>
                   <a:spcPts val="0"/>
                 </a:spcBef>
@@ -3630,9 +3661,6 @@
                 </a:spcAft>
                 <a:buNone/>
               </a:pPr>
-              <a:r>
-                <a:t/>
-              </a:r>
               <a:endParaRPr/>
             </a:p>
           </p:txBody>
@@ -3659,12 +3687,12 @@
             </a:ln>
           </p:spPr>
           <p:txBody>
-            <a:bodyPr anchorCtr="0" anchor="ctr" bIns="91425" lIns="91425" spcFirstLastPara="1" rIns="91425" wrap="square" tIns="91425">
+            <a:bodyPr spcFirstLastPara="1" wrap="square" lIns="91425" tIns="91425" rIns="91425" bIns="91425" anchor="ctr" anchorCtr="0">
               <a:noAutofit/>
             </a:bodyPr>
             <a:lstStyle/>
             <a:p>
-              <a:pPr indent="0" lvl="0" marL="0" rtl="0" algn="l">
+              <a:pPr marL="0" lvl="0" indent="0" algn="l" rtl="0">
                 <a:spcBef>
                   <a:spcPts val="0"/>
                 </a:spcBef>
@@ -3673,9 +3701,6 @@
                 </a:spcAft>
                 <a:buNone/>
               </a:pPr>
-              <a:r>
-                <a:t/>
-              </a:r>
               <a:endParaRPr/>
             </a:p>
           </p:txBody>
@@ -3702,12 +3727,12 @@
             </a:ln>
           </p:spPr>
           <p:txBody>
-            <a:bodyPr anchorCtr="0" anchor="ctr" bIns="91425" lIns="91425" spcFirstLastPara="1" rIns="91425" wrap="square" tIns="91425">
+            <a:bodyPr spcFirstLastPara="1" wrap="square" lIns="91425" tIns="91425" rIns="91425" bIns="91425" anchor="ctr" anchorCtr="0">
               <a:noAutofit/>
             </a:bodyPr>
             <a:lstStyle/>
             <a:p>
-              <a:pPr indent="0" lvl="0" marL="0" rtl="0" algn="l">
+              <a:pPr marL="0" lvl="0" indent="0" algn="l" rtl="0">
                 <a:spcBef>
                   <a:spcPts val="0"/>
                 </a:spcBef>
@@ -3716,9 +3741,6 @@
                 </a:spcAft>
                 <a:buNone/>
               </a:pPr>
-              <a:r>
-                <a:t/>
-              </a:r>
               <a:endParaRPr/>
             </a:p>
           </p:txBody>
@@ -3745,12 +3767,12 @@
             </a:ln>
           </p:spPr>
           <p:txBody>
-            <a:bodyPr anchorCtr="0" anchor="ctr" bIns="91425" lIns="91425" spcFirstLastPara="1" rIns="91425" wrap="square" tIns="91425">
+            <a:bodyPr spcFirstLastPara="1" wrap="square" lIns="91425" tIns="91425" rIns="91425" bIns="91425" anchor="ctr" anchorCtr="0">
               <a:noAutofit/>
             </a:bodyPr>
             <a:lstStyle/>
             <a:p>
-              <a:pPr indent="0" lvl="0" marL="0" rtl="0" algn="l">
+              <a:pPr marL="0" lvl="0" indent="0" algn="l" rtl="0">
                 <a:spcBef>
                   <a:spcPts val="0"/>
                 </a:spcBef>
@@ -3759,9 +3781,6 @@
                 </a:spcAft>
                 <a:buNone/>
               </a:pPr>
-              <a:r>
-                <a:t/>
-              </a:r>
               <a:endParaRPr/>
             </a:p>
           </p:txBody>
@@ -3770,7 +3789,9 @@
       <p:sp>
         <p:nvSpPr>
           <p:cNvPr id="35" name="Google Shape;35;p4"/>
-          <p:cNvSpPr txBox="1"/>
+          <p:cNvSpPr txBox="1">
+            <a:spLocks noGrp="1"/>
+          </p:cNvSpPr>
           <p:nvPr>
             <p:ph type="title"/>
           </p:nvPr>
@@ -3785,7 +3806,7 @@
           </a:prstGeom>
         </p:spPr>
         <p:txBody>
-          <a:bodyPr anchorCtr="0" anchor="t" bIns="91425" lIns="91425" spcFirstLastPara="1" rIns="91425" wrap="square" tIns="91425">
+          <a:bodyPr spcFirstLastPara="1" wrap="square" lIns="91425" tIns="91425" rIns="91425" bIns="91425" anchor="t" anchorCtr="0">
             <a:noAutofit/>
           </a:bodyPr>
           <a:lstStyle>
@@ -3889,15 +3910,19 @@
               <a:defRPr/>
             </a:lvl9pPr>
           </a:lstStyle>
-          <a:p/>
+          <a:p>
+            <a:endParaRPr/>
+          </a:p>
         </p:txBody>
       </p:sp>
       <p:sp>
         <p:nvSpPr>
           <p:cNvPr id="36" name="Google Shape;36;p4"/>
-          <p:cNvSpPr txBox="1"/>
+          <p:cNvSpPr txBox="1">
+            <a:spLocks noGrp="1"/>
+          </p:cNvSpPr>
           <p:nvPr>
-            <p:ph idx="1" type="body"/>
+            <p:ph type="body" idx="1"/>
           </p:nvPr>
         </p:nvSpPr>
         <p:spPr>
@@ -3910,11 +3935,11 @@
           </a:prstGeom>
         </p:spPr>
         <p:txBody>
-          <a:bodyPr anchorCtr="0" anchor="t" bIns="91425" lIns="91425" spcFirstLastPara="1" rIns="91425" wrap="square" tIns="91425">
+          <a:bodyPr spcFirstLastPara="1" wrap="square" lIns="91425" tIns="91425" rIns="91425" bIns="91425" anchor="t" anchorCtr="0">
             <a:noAutofit/>
           </a:bodyPr>
           <a:lstStyle>
-            <a:lvl1pPr indent="-342900" lvl="0" marL="457200">
+            <a:lvl1pPr marL="457200" lvl="0" indent="-342900">
               <a:spcBef>
                 <a:spcPts val="0"/>
               </a:spcBef>
@@ -3925,7 +3950,7 @@
               <a:buChar char="●"/>
               <a:defRPr/>
             </a:lvl1pPr>
-            <a:lvl2pPr indent="-317500" lvl="1" marL="914400">
+            <a:lvl2pPr marL="914400" lvl="1" indent="-317500">
               <a:spcBef>
                 <a:spcPts val="1600"/>
               </a:spcBef>
@@ -3936,7 +3961,7 @@
               <a:buChar char="○"/>
               <a:defRPr/>
             </a:lvl2pPr>
-            <a:lvl3pPr indent="-317500" lvl="2" marL="1371600">
+            <a:lvl3pPr marL="1371600" lvl="2" indent="-317500">
               <a:spcBef>
                 <a:spcPts val="1600"/>
               </a:spcBef>
@@ -3947,7 +3972,7 @@
               <a:buChar char="■"/>
               <a:defRPr/>
             </a:lvl3pPr>
-            <a:lvl4pPr indent="-317500" lvl="3" marL="1828800">
+            <a:lvl4pPr marL="1828800" lvl="3" indent="-317500">
               <a:spcBef>
                 <a:spcPts val="1600"/>
               </a:spcBef>
@@ -3958,7 +3983,7 @@
               <a:buChar char="●"/>
               <a:defRPr/>
             </a:lvl4pPr>
-            <a:lvl5pPr indent="-317500" lvl="4" marL="2286000">
+            <a:lvl5pPr marL="2286000" lvl="4" indent="-317500">
               <a:spcBef>
                 <a:spcPts val="1600"/>
               </a:spcBef>
@@ -3969,7 +3994,7 @@
               <a:buChar char="○"/>
               <a:defRPr/>
             </a:lvl5pPr>
-            <a:lvl6pPr indent="-317500" lvl="5" marL="2743200">
+            <a:lvl6pPr marL="2743200" lvl="5" indent="-317500">
               <a:spcBef>
                 <a:spcPts val="1600"/>
               </a:spcBef>
@@ -3980,7 +4005,7 @@
               <a:buChar char="■"/>
               <a:defRPr/>
             </a:lvl6pPr>
-            <a:lvl7pPr indent="-317500" lvl="6" marL="3200400">
+            <a:lvl7pPr marL="3200400" lvl="6" indent="-317500">
               <a:spcBef>
                 <a:spcPts val="1600"/>
               </a:spcBef>
@@ -3991,7 +4016,7 @@
               <a:buChar char="●"/>
               <a:defRPr/>
             </a:lvl7pPr>
-            <a:lvl8pPr indent="-317500" lvl="7" marL="3657600">
+            <a:lvl8pPr marL="3657600" lvl="7" indent="-317500">
               <a:spcBef>
                 <a:spcPts val="1600"/>
               </a:spcBef>
@@ -4002,7 +4027,7 @@
               <a:buChar char="○"/>
               <a:defRPr/>
             </a:lvl8pPr>
-            <a:lvl9pPr indent="-317500" lvl="8" marL="4114800">
+            <a:lvl9pPr marL="4114800" lvl="8" indent="-317500">
               <a:spcBef>
                 <a:spcPts val="1600"/>
               </a:spcBef>
@@ -4014,15 +4039,19 @@
               <a:defRPr/>
             </a:lvl9pPr>
           </a:lstStyle>
-          <a:p/>
+          <a:p>
+            <a:endParaRPr/>
+          </a:p>
         </p:txBody>
       </p:sp>
       <p:sp>
         <p:nvSpPr>
           <p:cNvPr id="37" name="Google Shape;37;p4"/>
-          <p:cNvSpPr txBox="1"/>
+          <p:cNvSpPr txBox="1">
+            <a:spLocks noGrp="1"/>
+          </p:cNvSpPr>
           <p:nvPr>
-            <p:ph idx="12" type="sldNum"/>
+            <p:ph type="sldNum" idx="12"/>
           </p:nvPr>
         </p:nvSpPr>
         <p:spPr>
@@ -4035,7 +4064,7 @@
           </a:prstGeom>
         </p:spPr>
         <p:txBody>
-          <a:bodyPr anchorCtr="0" anchor="ctr" bIns="91425" lIns="91425" spcFirstLastPara="1" rIns="91425" wrap="square" tIns="91425">
+          <a:bodyPr spcFirstLastPara="1" wrap="square" lIns="91425" tIns="91425" rIns="91425" bIns="91425" anchor="ctr" anchorCtr="0">
             <a:noAutofit/>
           </a:bodyPr>
           <a:lstStyle>
@@ -4077,7 +4106,7 @@
             </a:lvl9pPr>
           </a:lstStyle>
           <a:p>
-            <a:pPr indent="0" lvl="0" marL="0" rtl="0" algn="r">
+            <a:pPr marL="0" lvl="0" indent="0" algn="r" rtl="0">
               <a:spcBef>
                 <a:spcPts val="0"/>
               </a:spcBef>
@@ -4103,11 +4132,11 @@
 </file>
 
 <file path=ppt/slideLayouts/slideLayout4.xml><?xml version="1.0" encoding="utf-8"?>
-<p:sldLayout xmlns:a="http://schemas.openxmlformats.org/drawingml/2006/main" xmlns:r="http://schemas.openxmlformats.org/officeDocument/2006/relationships" xmlns:mc="http://schemas.openxmlformats.org/markup-compatibility/2006" xmlns:mv="urn:schemas-microsoft-com:mac:vml" xmlns:p="http://schemas.openxmlformats.org/presentationml/2006/main" xmlns:c="http://schemas.openxmlformats.org/drawingml/2006/chart" xmlns:dgm="http://schemas.openxmlformats.org/drawingml/2006/diagram" xmlns:o="urn:schemas-microsoft-com:office:office" xmlns:v="urn:schemas-microsoft-com:vml" xmlns:pvml="urn:schemas-microsoft-com:office:powerpoint" xmlns:com="http://schemas.openxmlformats.org/drawingml/2006/compatibility" xmlns:p14="http://schemas.microsoft.com/office/powerpoint/2010/main" xmlns:p15="http://schemas.microsoft.com/office/powerpoint/2012/main" xmlns:ahyp="http://schemas.microsoft.com/office/drawing/2018/hyperlinkcolor" matchingName="Title and two columns" type="twoColTx">
+<p:sldLayout xmlns:a="http://schemas.openxmlformats.org/drawingml/2006/main" xmlns:r="http://schemas.openxmlformats.org/officeDocument/2006/relationships" xmlns:p="http://schemas.openxmlformats.org/presentationml/2006/main" matchingName="Title and two columns" type="twoColTx">
   <p:cSld name="TITLE_AND_TWO_COLUMNS">
     <p:spTree>
       <p:nvGrpSpPr>
-        <p:cNvPr id="38" name="Shape 38"/>
+        <p:cNvPr id="1" name="Shape 38"/>
         <p:cNvGrpSpPr/>
         <p:nvPr/>
       </p:nvGrpSpPr>
@@ -4122,7 +4151,9 @@
       <p:sp>
         <p:nvSpPr>
           <p:cNvPr id="39" name="Google Shape;39;p5"/>
-          <p:cNvSpPr txBox="1"/>
+          <p:cNvSpPr txBox="1">
+            <a:spLocks noGrp="1"/>
+          </p:cNvSpPr>
           <p:nvPr>
             <p:ph type="title"/>
           </p:nvPr>
@@ -4137,7 +4168,7 @@
           </a:prstGeom>
         </p:spPr>
         <p:txBody>
-          <a:bodyPr anchorCtr="0" anchor="t" bIns="91425" lIns="91425" spcFirstLastPara="1" rIns="91425" wrap="square" tIns="91425">
+          <a:bodyPr spcFirstLastPara="1" wrap="square" lIns="91425" tIns="91425" rIns="91425" bIns="91425" anchor="t" anchorCtr="0">
             <a:noAutofit/>
           </a:bodyPr>
           <a:lstStyle>
@@ -4241,15 +4272,19 @@
               <a:defRPr/>
             </a:lvl9pPr>
           </a:lstStyle>
-          <a:p/>
+          <a:p>
+            <a:endParaRPr/>
+          </a:p>
         </p:txBody>
       </p:sp>
       <p:sp>
         <p:nvSpPr>
           <p:cNvPr id="40" name="Google Shape;40;p5"/>
-          <p:cNvSpPr txBox="1"/>
+          <p:cNvSpPr txBox="1">
+            <a:spLocks noGrp="1"/>
+          </p:cNvSpPr>
           <p:nvPr>
-            <p:ph idx="1" type="body"/>
+            <p:ph type="body" idx="1"/>
           </p:nvPr>
         </p:nvSpPr>
         <p:spPr>
@@ -4262,11 +4297,11 @@
           </a:prstGeom>
         </p:spPr>
         <p:txBody>
-          <a:bodyPr anchorCtr="0" anchor="t" bIns="91425" lIns="91425" spcFirstLastPara="1" rIns="91425" wrap="square" tIns="91425">
+          <a:bodyPr spcFirstLastPara="1" wrap="square" lIns="91425" tIns="91425" rIns="91425" bIns="91425" anchor="t" anchorCtr="0">
             <a:noAutofit/>
           </a:bodyPr>
           <a:lstStyle>
-            <a:lvl1pPr indent="-317500" lvl="0" marL="457200">
+            <a:lvl1pPr marL="457200" lvl="0" indent="-317500">
               <a:spcBef>
                 <a:spcPts val="0"/>
               </a:spcBef>
@@ -4277,7 +4312,7 @@
               <a:buChar char="●"/>
               <a:defRPr sz="1400"/>
             </a:lvl1pPr>
-            <a:lvl2pPr indent="-304800" lvl="1" marL="914400">
+            <a:lvl2pPr marL="914400" lvl="1" indent="-304800">
               <a:spcBef>
                 <a:spcPts val="1600"/>
               </a:spcBef>
@@ -4288,7 +4323,7 @@
               <a:buChar char="○"/>
               <a:defRPr sz="1200"/>
             </a:lvl2pPr>
-            <a:lvl3pPr indent="-304800" lvl="2" marL="1371600">
+            <a:lvl3pPr marL="1371600" lvl="2" indent="-304800">
               <a:spcBef>
                 <a:spcPts val="1600"/>
               </a:spcBef>
@@ -4299,7 +4334,7 @@
               <a:buChar char="■"/>
               <a:defRPr sz="1200"/>
             </a:lvl3pPr>
-            <a:lvl4pPr indent="-304800" lvl="3" marL="1828800">
+            <a:lvl4pPr marL="1828800" lvl="3" indent="-304800">
               <a:spcBef>
                 <a:spcPts val="1600"/>
               </a:spcBef>
@@ -4310,7 +4345,7 @@
               <a:buChar char="●"/>
               <a:defRPr sz="1200"/>
             </a:lvl4pPr>
-            <a:lvl5pPr indent="-304800" lvl="4" marL="2286000">
+            <a:lvl5pPr marL="2286000" lvl="4" indent="-304800">
               <a:spcBef>
                 <a:spcPts val="1600"/>
               </a:spcBef>
@@ -4321,7 +4356,7 @@
               <a:buChar char="○"/>
               <a:defRPr sz="1200"/>
             </a:lvl5pPr>
-            <a:lvl6pPr indent="-304800" lvl="5" marL="2743200">
+            <a:lvl6pPr marL="2743200" lvl="5" indent="-304800">
               <a:spcBef>
                 <a:spcPts val="1600"/>
               </a:spcBef>
@@ -4332,7 +4367,7 @@
               <a:buChar char="■"/>
               <a:defRPr sz="1200"/>
             </a:lvl6pPr>
-            <a:lvl7pPr indent="-304800" lvl="6" marL="3200400">
+            <a:lvl7pPr marL="3200400" lvl="6" indent="-304800">
               <a:spcBef>
                 <a:spcPts val="1600"/>
               </a:spcBef>
@@ -4343,7 +4378,7 @@
               <a:buChar char="●"/>
               <a:defRPr sz="1200"/>
             </a:lvl7pPr>
-            <a:lvl8pPr indent="-304800" lvl="7" marL="3657600">
+            <a:lvl8pPr marL="3657600" lvl="7" indent="-304800">
               <a:spcBef>
                 <a:spcPts val="1600"/>
               </a:spcBef>
@@ -4354,7 +4389,7 @@
               <a:buChar char="○"/>
               <a:defRPr sz="1200"/>
             </a:lvl8pPr>
-            <a:lvl9pPr indent="-304800" lvl="8" marL="4114800">
+            <a:lvl9pPr marL="4114800" lvl="8" indent="-304800">
               <a:spcBef>
                 <a:spcPts val="1600"/>
               </a:spcBef>
@@ -4366,15 +4401,19 @@
               <a:defRPr sz="1200"/>
             </a:lvl9pPr>
           </a:lstStyle>
-          <a:p/>
+          <a:p>
+            <a:endParaRPr/>
+          </a:p>
         </p:txBody>
       </p:sp>
       <p:sp>
         <p:nvSpPr>
           <p:cNvPr id="41" name="Google Shape;41;p5"/>
-          <p:cNvSpPr txBox="1"/>
+          <p:cNvSpPr txBox="1">
+            <a:spLocks noGrp="1"/>
+          </p:cNvSpPr>
           <p:nvPr>
-            <p:ph idx="2" type="body"/>
+            <p:ph type="body" idx="2"/>
           </p:nvPr>
         </p:nvSpPr>
         <p:spPr>
@@ -4387,11 +4426,11 @@
           </a:prstGeom>
         </p:spPr>
         <p:txBody>
-          <a:bodyPr anchorCtr="0" anchor="t" bIns="91425" lIns="91425" spcFirstLastPara="1" rIns="91425" wrap="square" tIns="91425">
+          <a:bodyPr spcFirstLastPara="1" wrap="square" lIns="91425" tIns="91425" rIns="91425" bIns="91425" anchor="t" anchorCtr="0">
             <a:noAutofit/>
           </a:bodyPr>
           <a:lstStyle>
-            <a:lvl1pPr indent="-317500" lvl="0" marL="457200">
+            <a:lvl1pPr marL="457200" lvl="0" indent="-317500">
               <a:spcBef>
                 <a:spcPts val="0"/>
               </a:spcBef>
@@ -4402,7 +4441,7 @@
               <a:buChar char="●"/>
               <a:defRPr sz="1400"/>
             </a:lvl1pPr>
-            <a:lvl2pPr indent="-304800" lvl="1" marL="914400">
+            <a:lvl2pPr marL="914400" lvl="1" indent="-304800">
               <a:spcBef>
                 <a:spcPts val="1600"/>
               </a:spcBef>
@@ -4413,7 +4452,7 @@
               <a:buChar char="○"/>
               <a:defRPr sz="1200"/>
             </a:lvl2pPr>
-            <a:lvl3pPr indent="-304800" lvl="2" marL="1371600">
+            <a:lvl3pPr marL="1371600" lvl="2" indent="-304800">
               <a:spcBef>
                 <a:spcPts val="1600"/>
               </a:spcBef>
@@ -4424,7 +4463,7 @@
               <a:buChar char="■"/>
               <a:defRPr sz="1200"/>
             </a:lvl3pPr>
-            <a:lvl4pPr indent="-304800" lvl="3" marL="1828800">
+            <a:lvl4pPr marL="1828800" lvl="3" indent="-304800">
               <a:spcBef>
                 <a:spcPts val="1600"/>
               </a:spcBef>
@@ -4435,7 +4474,7 @@
               <a:buChar char="●"/>
               <a:defRPr sz="1200"/>
             </a:lvl4pPr>
-            <a:lvl5pPr indent="-304800" lvl="4" marL="2286000">
+            <a:lvl5pPr marL="2286000" lvl="4" indent="-304800">
               <a:spcBef>
                 <a:spcPts val="1600"/>
               </a:spcBef>
@@ -4446,7 +4485,7 @@
               <a:buChar char="○"/>
               <a:defRPr sz="1200"/>
             </a:lvl5pPr>
-            <a:lvl6pPr indent="-304800" lvl="5" marL="2743200">
+            <a:lvl6pPr marL="2743200" lvl="5" indent="-304800">
               <a:spcBef>
                 <a:spcPts val="1600"/>
               </a:spcBef>
@@ -4457,7 +4496,7 @@
               <a:buChar char="■"/>
               <a:defRPr sz="1200"/>
             </a:lvl6pPr>
-            <a:lvl7pPr indent="-304800" lvl="6" marL="3200400">
+            <a:lvl7pPr marL="3200400" lvl="6" indent="-304800">
               <a:spcBef>
                 <a:spcPts val="1600"/>
               </a:spcBef>
@@ -4468,7 +4507,7 @@
               <a:buChar char="●"/>
               <a:defRPr sz="1200"/>
             </a:lvl7pPr>
-            <a:lvl8pPr indent="-304800" lvl="7" marL="3657600">
+            <a:lvl8pPr marL="3657600" lvl="7" indent="-304800">
               <a:spcBef>
                 <a:spcPts val="1600"/>
               </a:spcBef>
@@ -4479,7 +4518,7 @@
               <a:buChar char="○"/>
               <a:defRPr sz="1200"/>
             </a:lvl8pPr>
-            <a:lvl9pPr indent="-304800" lvl="8" marL="4114800">
+            <a:lvl9pPr marL="4114800" lvl="8" indent="-304800">
               <a:spcBef>
                 <a:spcPts val="1600"/>
               </a:spcBef>
@@ -4491,15 +4530,19 @@
               <a:defRPr sz="1200"/>
             </a:lvl9pPr>
           </a:lstStyle>
-          <a:p/>
+          <a:p>
+            <a:endParaRPr/>
+          </a:p>
         </p:txBody>
       </p:sp>
       <p:sp>
         <p:nvSpPr>
           <p:cNvPr id="42" name="Google Shape;42;p5"/>
-          <p:cNvSpPr txBox="1"/>
+          <p:cNvSpPr txBox="1">
+            <a:spLocks noGrp="1"/>
+          </p:cNvSpPr>
           <p:nvPr>
-            <p:ph idx="12" type="sldNum"/>
+            <p:ph type="sldNum" idx="12"/>
           </p:nvPr>
         </p:nvSpPr>
         <p:spPr>
@@ -4512,7 +4555,7 @@
           </a:prstGeom>
         </p:spPr>
         <p:txBody>
-          <a:bodyPr anchorCtr="0" anchor="ctr" bIns="91425" lIns="91425" spcFirstLastPara="1" rIns="91425" wrap="square" tIns="91425">
+          <a:bodyPr spcFirstLastPara="1" wrap="square" lIns="91425" tIns="91425" rIns="91425" bIns="91425" anchor="ctr" anchorCtr="0">
             <a:noAutofit/>
           </a:bodyPr>
           <a:lstStyle>
@@ -4590,7 +4633,7 @@
             </a:lvl9pPr>
           </a:lstStyle>
           <a:p>
-            <a:pPr indent="0" lvl="0" marL="0" rtl="0" algn="r">
+            <a:pPr marL="0" lvl="0" indent="0" algn="r" rtl="0">
               <a:spcBef>
                 <a:spcPts val="0"/>
               </a:spcBef>
@@ -4616,11 +4659,11 @@
 </file>
 
 <file path=ppt/slideLayouts/slideLayout5.xml><?xml version="1.0" encoding="utf-8"?>
-<p:sldLayout xmlns:a="http://schemas.openxmlformats.org/drawingml/2006/main" xmlns:r="http://schemas.openxmlformats.org/officeDocument/2006/relationships" xmlns:mc="http://schemas.openxmlformats.org/markup-compatibility/2006" xmlns:mv="urn:schemas-microsoft-com:mac:vml" xmlns:p="http://schemas.openxmlformats.org/presentationml/2006/main" xmlns:c="http://schemas.openxmlformats.org/drawingml/2006/chart" xmlns:dgm="http://schemas.openxmlformats.org/drawingml/2006/diagram" xmlns:o="urn:schemas-microsoft-com:office:office" xmlns:v="urn:schemas-microsoft-com:vml" xmlns:pvml="urn:schemas-microsoft-com:office:powerpoint" xmlns:com="http://schemas.openxmlformats.org/drawingml/2006/compatibility" xmlns:p14="http://schemas.microsoft.com/office/powerpoint/2010/main" xmlns:p15="http://schemas.microsoft.com/office/powerpoint/2012/main" xmlns:ahyp="http://schemas.microsoft.com/office/drawing/2018/hyperlinkcolor" matchingName="Title only" type="titleOnly">
+<p:sldLayout xmlns:a="http://schemas.openxmlformats.org/drawingml/2006/main" xmlns:r="http://schemas.openxmlformats.org/officeDocument/2006/relationships" xmlns:p="http://schemas.openxmlformats.org/presentationml/2006/main" matchingName="Title only" type="titleOnly">
   <p:cSld name="TITLE_ONLY">
     <p:spTree>
       <p:nvGrpSpPr>
-        <p:cNvPr id="43" name="Shape 43"/>
+        <p:cNvPr id="1" name="Shape 43"/>
         <p:cNvGrpSpPr/>
         <p:nvPr/>
       </p:nvGrpSpPr>
@@ -4635,7 +4678,9 @@
       <p:sp>
         <p:nvSpPr>
           <p:cNvPr id="44" name="Google Shape;44;p6"/>
-          <p:cNvSpPr txBox="1"/>
+          <p:cNvSpPr txBox="1">
+            <a:spLocks noGrp="1"/>
+          </p:cNvSpPr>
           <p:nvPr>
             <p:ph type="title"/>
           </p:nvPr>
@@ -4650,7 +4695,7 @@
           </a:prstGeom>
         </p:spPr>
         <p:txBody>
-          <a:bodyPr anchorCtr="0" anchor="t" bIns="91425" lIns="91425" spcFirstLastPara="1" rIns="91425" wrap="square" tIns="91425">
+          <a:bodyPr spcFirstLastPara="1" wrap="square" lIns="91425" tIns="91425" rIns="91425" bIns="91425" anchor="t" anchorCtr="0">
             <a:noAutofit/>
           </a:bodyPr>
           <a:lstStyle>
@@ -4754,15 +4799,19 @@
               <a:defRPr/>
             </a:lvl9pPr>
           </a:lstStyle>
-          <a:p/>
+          <a:p>
+            <a:endParaRPr/>
+          </a:p>
         </p:txBody>
       </p:sp>
       <p:sp>
         <p:nvSpPr>
           <p:cNvPr id="45" name="Google Shape;45;p6"/>
-          <p:cNvSpPr txBox="1"/>
+          <p:cNvSpPr txBox="1">
+            <a:spLocks noGrp="1"/>
+          </p:cNvSpPr>
           <p:nvPr>
-            <p:ph idx="12" type="sldNum"/>
+            <p:ph type="sldNum" idx="12"/>
           </p:nvPr>
         </p:nvSpPr>
         <p:spPr>
@@ -4775,7 +4824,7 @@
           </a:prstGeom>
         </p:spPr>
         <p:txBody>
-          <a:bodyPr anchorCtr="0" anchor="ctr" bIns="91425" lIns="91425" spcFirstLastPara="1" rIns="91425" wrap="square" tIns="91425">
+          <a:bodyPr spcFirstLastPara="1" wrap="square" lIns="91425" tIns="91425" rIns="91425" bIns="91425" anchor="ctr" anchorCtr="0">
             <a:noAutofit/>
           </a:bodyPr>
           <a:lstStyle>
@@ -4853,7 +4902,7 @@
             </a:lvl9pPr>
           </a:lstStyle>
           <a:p>
-            <a:pPr indent="0" lvl="0" marL="0" rtl="0" algn="r">
+            <a:pPr marL="0" lvl="0" indent="0" algn="r" rtl="0">
               <a:spcBef>
                 <a:spcPts val="0"/>
               </a:spcBef>
@@ -4879,11 +4928,11 @@
 </file>
 
 <file path=ppt/slideLayouts/slideLayout6.xml><?xml version="1.0" encoding="utf-8"?>
-<p:sldLayout xmlns:a="http://schemas.openxmlformats.org/drawingml/2006/main" xmlns:r="http://schemas.openxmlformats.org/officeDocument/2006/relationships" xmlns:mc="http://schemas.openxmlformats.org/markup-compatibility/2006" xmlns:mv="urn:schemas-microsoft-com:mac:vml" xmlns:p="http://schemas.openxmlformats.org/presentationml/2006/main" xmlns:c="http://schemas.openxmlformats.org/drawingml/2006/chart" xmlns:dgm="http://schemas.openxmlformats.org/drawingml/2006/diagram" xmlns:o="urn:schemas-microsoft-com:office:office" xmlns:v="urn:schemas-microsoft-com:vml" xmlns:pvml="urn:schemas-microsoft-com:office:powerpoint" xmlns:com="http://schemas.openxmlformats.org/drawingml/2006/compatibility" xmlns:p14="http://schemas.microsoft.com/office/powerpoint/2010/main" xmlns:p15="http://schemas.microsoft.com/office/powerpoint/2012/main" xmlns:ahyp="http://schemas.microsoft.com/office/drawing/2018/hyperlinkcolor" matchingName="One column text">
+<p:sldLayout xmlns:a="http://schemas.openxmlformats.org/drawingml/2006/main" xmlns:r="http://schemas.openxmlformats.org/officeDocument/2006/relationships" xmlns:p="http://schemas.openxmlformats.org/presentationml/2006/main" matchingName="One column text">
   <p:cSld name="ONE_COLUMN_TEXT">
     <p:spTree>
       <p:nvGrpSpPr>
-        <p:cNvPr id="46" name="Shape 46"/>
+        <p:cNvPr id="1" name="Shape 46"/>
         <p:cNvGrpSpPr/>
         <p:nvPr/>
       </p:nvGrpSpPr>
@@ -4898,7 +4947,9 @@
       <p:sp>
         <p:nvSpPr>
           <p:cNvPr id="47" name="Google Shape;47;p7"/>
-          <p:cNvSpPr txBox="1"/>
+          <p:cNvSpPr txBox="1">
+            <a:spLocks noGrp="1"/>
+          </p:cNvSpPr>
           <p:nvPr>
             <p:ph type="title"/>
           </p:nvPr>
@@ -4913,7 +4964,7 @@
           </a:prstGeom>
         </p:spPr>
         <p:txBody>
-          <a:bodyPr anchorCtr="0" anchor="b" bIns="91425" lIns="91425" spcFirstLastPara="1" rIns="91425" wrap="square" tIns="91425">
+          <a:bodyPr spcFirstLastPara="1" wrap="square" lIns="91425" tIns="91425" rIns="91425" bIns="91425" anchor="b" anchorCtr="0">
             <a:noAutofit/>
           </a:bodyPr>
           <a:lstStyle>
@@ -5017,15 +5068,19 @@
               <a:defRPr sz="2400"/>
             </a:lvl9pPr>
           </a:lstStyle>
-          <a:p/>
+          <a:p>
+            <a:endParaRPr/>
+          </a:p>
         </p:txBody>
       </p:sp>
       <p:sp>
         <p:nvSpPr>
           <p:cNvPr id="48" name="Google Shape;48;p7"/>
-          <p:cNvSpPr txBox="1"/>
+          <p:cNvSpPr txBox="1">
+            <a:spLocks noGrp="1"/>
+          </p:cNvSpPr>
           <p:nvPr>
-            <p:ph idx="1" type="body"/>
+            <p:ph type="body" idx="1"/>
           </p:nvPr>
         </p:nvSpPr>
         <p:spPr>
@@ -5038,11 +5093,11 @@
           </a:prstGeom>
         </p:spPr>
         <p:txBody>
-          <a:bodyPr anchorCtr="0" anchor="t" bIns="91425" lIns="91425" spcFirstLastPara="1" rIns="91425" wrap="square" tIns="91425">
+          <a:bodyPr spcFirstLastPara="1" wrap="square" lIns="91425" tIns="91425" rIns="91425" bIns="91425" anchor="t" anchorCtr="0">
             <a:noAutofit/>
           </a:bodyPr>
           <a:lstStyle>
-            <a:lvl1pPr indent="-304800" lvl="0" marL="457200">
+            <a:lvl1pPr marL="457200" lvl="0" indent="-304800">
               <a:spcBef>
                 <a:spcPts val="0"/>
               </a:spcBef>
@@ -5053,7 +5108,7 @@
               <a:buChar char="●"/>
               <a:defRPr sz="1200"/>
             </a:lvl1pPr>
-            <a:lvl2pPr indent="-304800" lvl="1" marL="914400">
+            <a:lvl2pPr marL="914400" lvl="1" indent="-304800">
               <a:spcBef>
                 <a:spcPts val="1600"/>
               </a:spcBef>
@@ -5064,7 +5119,7 @@
               <a:buChar char="○"/>
               <a:defRPr sz="1200"/>
             </a:lvl2pPr>
-            <a:lvl3pPr indent="-304800" lvl="2" marL="1371600">
+            <a:lvl3pPr marL="1371600" lvl="2" indent="-304800">
               <a:spcBef>
                 <a:spcPts val="1600"/>
               </a:spcBef>
@@ -5075,7 +5130,7 @@
               <a:buChar char="■"/>
               <a:defRPr sz="1200"/>
             </a:lvl3pPr>
-            <a:lvl4pPr indent="-304800" lvl="3" marL="1828800">
+            <a:lvl4pPr marL="1828800" lvl="3" indent="-304800">
               <a:spcBef>
                 <a:spcPts val="1600"/>
               </a:spcBef>
@@ -5086,7 +5141,7 @@
               <a:buChar char="●"/>
               <a:defRPr sz="1200"/>
             </a:lvl4pPr>
-            <a:lvl5pPr indent="-304800" lvl="4" marL="2286000">
+            <a:lvl5pPr marL="2286000" lvl="4" indent="-304800">
               <a:spcBef>
                 <a:spcPts val="1600"/>
               </a:spcBef>
@@ -5097,7 +5152,7 @@
               <a:buChar char="○"/>
               <a:defRPr sz="1200"/>
             </a:lvl5pPr>
-            <a:lvl6pPr indent="-304800" lvl="5" marL="2743200">
+            <a:lvl6pPr marL="2743200" lvl="5" indent="-304800">
               <a:spcBef>
                 <a:spcPts val="1600"/>
               </a:spcBef>
@@ -5108,7 +5163,7 @@
               <a:buChar char="■"/>
               <a:defRPr sz="1200"/>
             </a:lvl6pPr>
-            <a:lvl7pPr indent="-304800" lvl="6" marL="3200400">
+            <a:lvl7pPr marL="3200400" lvl="6" indent="-304800">
               <a:spcBef>
                 <a:spcPts val="1600"/>
               </a:spcBef>
@@ -5119,7 +5174,7 @@
               <a:buChar char="●"/>
               <a:defRPr sz="1200"/>
             </a:lvl7pPr>
-            <a:lvl8pPr indent="-304800" lvl="7" marL="3657600">
+            <a:lvl8pPr marL="3657600" lvl="7" indent="-304800">
               <a:spcBef>
                 <a:spcPts val="1600"/>
               </a:spcBef>
@@ -5130,7 +5185,7 @@
               <a:buChar char="○"/>
               <a:defRPr sz="1200"/>
             </a:lvl8pPr>
-            <a:lvl9pPr indent="-304800" lvl="8" marL="4114800">
+            <a:lvl9pPr marL="4114800" lvl="8" indent="-304800">
               <a:spcBef>
                 <a:spcPts val="1600"/>
               </a:spcBef>
@@ -5142,15 +5197,19 @@
               <a:defRPr sz="1200"/>
             </a:lvl9pPr>
           </a:lstStyle>
-          <a:p/>
+          <a:p>
+            <a:endParaRPr/>
+          </a:p>
         </p:txBody>
       </p:sp>
       <p:sp>
         <p:nvSpPr>
           <p:cNvPr id="49" name="Google Shape;49;p7"/>
-          <p:cNvSpPr txBox="1"/>
+          <p:cNvSpPr txBox="1">
+            <a:spLocks noGrp="1"/>
+          </p:cNvSpPr>
           <p:nvPr>
-            <p:ph idx="12" type="sldNum"/>
+            <p:ph type="sldNum" idx="12"/>
           </p:nvPr>
         </p:nvSpPr>
         <p:spPr>
@@ -5163,7 +5222,7 @@
           </a:prstGeom>
         </p:spPr>
         <p:txBody>
-          <a:bodyPr anchorCtr="0" anchor="ctr" bIns="91425" lIns="91425" spcFirstLastPara="1" rIns="91425" wrap="square" tIns="91425">
+          <a:bodyPr spcFirstLastPara="1" wrap="square" lIns="91425" tIns="91425" rIns="91425" bIns="91425" anchor="ctr" anchorCtr="0">
             <a:noAutofit/>
           </a:bodyPr>
           <a:lstStyle>
@@ -5241,7 +5300,7 @@
             </a:lvl9pPr>
           </a:lstStyle>
           <a:p>
-            <a:pPr indent="0" lvl="0" marL="0" rtl="0" algn="r">
+            <a:pPr marL="0" lvl="0" indent="0" algn="r" rtl="0">
               <a:spcBef>
                 <a:spcPts val="0"/>
               </a:spcBef>
@@ -5267,18 +5326,19 @@
 </file>
 
 <file path=ppt/slideLayouts/slideLayout7.xml><?xml version="1.0" encoding="utf-8"?>
-<p:sldLayout xmlns:a="http://schemas.openxmlformats.org/drawingml/2006/main" xmlns:r="http://schemas.openxmlformats.org/officeDocument/2006/relationships" xmlns:mc="http://schemas.openxmlformats.org/markup-compatibility/2006" xmlns:mv="urn:schemas-microsoft-com:mac:vml" xmlns:p="http://schemas.openxmlformats.org/presentationml/2006/main" xmlns:c="http://schemas.openxmlformats.org/drawingml/2006/chart" xmlns:dgm="http://schemas.openxmlformats.org/drawingml/2006/diagram" xmlns:o="urn:schemas-microsoft-com:office:office" xmlns:v="urn:schemas-microsoft-com:vml" xmlns:pvml="urn:schemas-microsoft-com:office:powerpoint" xmlns:com="http://schemas.openxmlformats.org/drawingml/2006/compatibility" xmlns:p14="http://schemas.microsoft.com/office/powerpoint/2010/main" xmlns:p15="http://schemas.microsoft.com/office/powerpoint/2012/main" xmlns:ahyp="http://schemas.microsoft.com/office/drawing/2018/hyperlinkcolor" matchingName="Main point">
+<p:sldLayout xmlns:a="http://schemas.openxmlformats.org/drawingml/2006/main" xmlns:r="http://schemas.openxmlformats.org/officeDocument/2006/relationships" xmlns:p="http://schemas.openxmlformats.org/presentationml/2006/main" matchingName="Main point">
   <p:cSld name="MAIN_POINT">
     <p:bg>
       <p:bgPr>
         <a:solidFill>
           <a:schemeClr val="accent4"/>
         </a:solidFill>
+        <a:effectLst/>
       </p:bgPr>
     </p:bg>
     <p:spTree>
       <p:nvGrpSpPr>
-        <p:cNvPr id="50" name="Shape 50"/>
+        <p:cNvPr id="1" name="Shape 50"/>
         <p:cNvGrpSpPr/>
         <p:nvPr/>
       </p:nvGrpSpPr>
@@ -5326,12 +5386,12 @@
             </a:ln>
           </p:spPr>
           <p:txBody>
-            <a:bodyPr anchorCtr="0" anchor="ctr" bIns="91425" lIns="91425" spcFirstLastPara="1" rIns="91425" wrap="square" tIns="91425">
+            <a:bodyPr spcFirstLastPara="1" wrap="square" lIns="91425" tIns="91425" rIns="91425" bIns="91425" anchor="ctr" anchorCtr="0">
               <a:noAutofit/>
             </a:bodyPr>
             <a:lstStyle/>
             <a:p>
-              <a:pPr indent="0" lvl="0" marL="0" rtl="0" algn="l">
+              <a:pPr marL="0" lvl="0" indent="0" algn="l" rtl="0">
                 <a:spcBef>
                   <a:spcPts val="0"/>
                 </a:spcBef>
@@ -5340,9 +5400,6 @@
                 </a:spcAft>
                 <a:buNone/>
               </a:pPr>
-              <a:r>
-                <a:t/>
-              </a:r>
               <a:endParaRPr/>
             </a:p>
           </p:txBody>
@@ -5369,12 +5426,12 @@
             </a:ln>
           </p:spPr>
           <p:txBody>
-            <a:bodyPr anchorCtr="0" anchor="ctr" bIns="91425" lIns="91425" spcFirstLastPara="1" rIns="91425" wrap="square" tIns="91425">
+            <a:bodyPr spcFirstLastPara="1" wrap="square" lIns="91425" tIns="91425" rIns="91425" bIns="91425" anchor="ctr" anchorCtr="0">
               <a:noAutofit/>
             </a:bodyPr>
             <a:lstStyle/>
             <a:p>
-              <a:pPr indent="0" lvl="0" marL="0" rtl="0" algn="l">
+              <a:pPr marL="0" lvl="0" indent="0" algn="l" rtl="0">
                 <a:spcBef>
                   <a:spcPts val="0"/>
                 </a:spcBef>
@@ -5383,9 +5440,6 @@
                 </a:spcAft>
                 <a:buNone/>
               </a:pPr>
-              <a:r>
-                <a:t/>
-              </a:r>
               <a:endParaRPr/>
             </a:p>
           </p:txBody>
@@ -5397,7 +5451,7 @@
             <p:nvPr/>
           </p:nvSpPr>
           <p:spPr>
-            <a:xfrm flipH="1" rot="10800000">
+            <a:xfrm rot="10800000" flipH="1">
               <a:off x="7113588" y="107"/>
               <a:ext cx="1015200" cy="1015200"/>
             </a:xfrm>
@@ -5412,12 +5466,12 @@
             </a:ln>
           </p:spPr>
           <p:txBody>
-            <a:bodyPr anchorCtr="0" anchor="ctr" bIns="91425" lIns="91425" spcFirstLastPara="1" rIns="91425" wrap="square" tIns="91425">
+            <a:bodyPr spcFirstLastPara="1" wrap="square" lIns="91425" tIns="91425" rIns="91425" bIns="91425" anchor="ctr" anchorCtr="0">
               <a:noAutofit/>
             </a:bodyPr>
             <a:lstStyle/>
             <a:p>
-              <a:pPr indent="0" lvl="0" marL="0" rtl="0" algn="l">
+              <a:pPr marL="0" lvl="0" indent="0" algn="l" rtl="0">
                 <a:spcBef>
                   <a:spcPts val="0"/>
                 </a:spcBef>
@@ -5426,9 +5480,6 @@
                 </a:spcAft>
                 <a:buNone/>
               </a:pPr>
-              <a:r>
-                <a:t/>
-              </a:r>
               <a:endParaRPr/>
             </a:p>
           </p:txBody>
@@ -5455,12 +5506,12 @@
             </a:ln>
           </p:spPr>
           <p:txBody>
-            <a:bodyPr anchorCtr="0" anchor="ctr" bIns="91425" lIns="91425" spcFirstLastPara="1" rIns="91425" wrap="square" tIns="91425">
+            <a:bodyPr spcFirstLastPara="1" wrap="square" lIns="91425" tIns="91425" rIns="91425" bIns="91425" anchor="ctr" anchorCtr="0">
               <a:noAutofit/>
             </a:bodyPr>
             <a:lstStyle/>
             <a:p>
-              <a:pPr indent="0" lvl="0" marL="0" rtl="0" algn="l">
+              <a:pPr marL="0" lvl="0" indent="0" algn="l" rtl="0">
                 <a:spcBef>
                   <a:spcPts val="0"/>
                 </a:spcBef>
@@ -5469,9 +5520,6 @@
                 </a:spcAft>
                 <a:buNone/>
               </a:pPr>
-              <a:r>
-                <a:t/>
-              </a:r>
               <a:endParaRPr/>
             </a:p>
           </p:txBody>
@@ -5498,12 +5546,12 @@
             </a:ln>
           </p:spPr>
           <p:txBody>
-            <a:bodyPr anchorCtr="0" anchor="ctr" bIns="91425" lIns="91425" spcFirstLastPara="1" rIns="91425" wrap="square" tIns="91425">
+            <a:bodyPr spcFirstLastPara="1" wrap="square" lIns="91425" tIns="91425" rIns="91425" bIns="91425" anchor="ctr" anchorCtr="0">
               <a:noAutofit/>
             </a:bodyPr>
             <a:lstStyle/>
             <a:p>
-              <a:pPr indent="0" lvl="0" marL="0" rtl="0" algn="l">
+              <a:pPr marL="0" lvl="0" indent="0" algn="l" rtl="0">
                 <a:spcBef>
                   <a:spcPts val="0"/>
                 </a:spcBef>
@@ -5512,9 +5560,6 @@
                 </a:spcAft>
                 <a:buNone/>
               </a:pPr>
-              <a:r>
-                <a:t/>
-              </a:r>
               <a:endParaRPr/>
             </a:p>
           </p:txBody>
@@ -5523,7 +5568,9 @@
       <p:sp>
         <p:nvSpPr>
           <p:cNvPr id="57" name="Google Shape;57;p8"/>
-          <p:cNvSpPr txBox="1"/>
+          <p:cNvSpPr txBox="1">
+            <a:spLocks noGrp="1"/>
+          </p:cNvSpPr>
           <p:nvPr>
             <p:ph type="title"/>
           </p:nvPr>
@@ -5538,7 +5585,7 @@
           </a:prstGeom>
         </p:spPr>
         <p:txBody>
-          <a:bodyPr anchorCtr="0" anchor="ctr" bIns="91425" lIns="91425" spcFirstLastPara="1" rIns="91425" wrap="square" tIns="91425">
+          <a:bodyPr spcFirstLastPara="1" wrap="square" lIns="91425" tIns="91425" rIns="91425" bIns="91425" anchor="ctr" anchorCtr="0">
             <a:noAutofit/>
           </a:bodyPr>
           <a:lstStyle>
@@ -5705,15 +5752,19 @@
               </a:defRPr>
             </a:lvl9pPr>
           </a:lstStyle>
-          <a:p/>
+          <a:p>
+            <a:endParaRPr/>
+          </a:p>
         </p:txBody>
       </p:sp>
       <p:sp>
         <p:nvSpPr>
           <p:cNvPr id="58" name="Google Shape;58;p8"/>
-          <p:cNvSpPr txBox="1"/>
+          <p:cNvSpPr txBox="1">
+            <a:spLocks noGrp="1"/>
+          </p:cNvSpPr>
           <p:nvPr>
-            <p:ph idx="12" type="sldNum"/>
+            <p:ph type="sldNum" idx="12"/>
           </p:nvPr>
         </p:nvSpPr>
         <p:spPr>
@@ -5726,7 +5777,7 @@
           </a:prstGeom>
         </p:spPr>
         <p:txBody>
-          <a:bodyPr anchorCtr="0" anchor="ctr" bIns="91425" lIns="91425" spcFirstLastPara="1" rIns="91425" wrap="square" tIns="91425">
+          <a:bodyPr spcFirstLastPara="1" wrap="square" lIns="91425" tIns="91425" rIns="91425" bIns="91425" anchor="ctr" anchorCtr="0">
             <a:noAutofit/>
           </a:bodyPr>
           <a:lstStyle>
@@ -5768,7 +5819,7 @@
             </a:lvl9pPr>
           </a:lstStyle>
           <a:p>
-            <a:pPr indent="0" lvl="0" marL="0" rtl="0" algn="r">
+            <a:pPr marL="0" lvl="0" indent="0" algn="r" rtl="0">
               <a:spcBef>
                 <a:spcPts val="0"/>
               </a:spcBef>
@@ -5794,11 +5845,11 @@
 </file>
 
 <file path=ppt/slideLayouts/slideLayout8.xml><?xml version="1.0" encoding="utf-8"?>
-<p:sldLayout xmlns:a="http://schemas.openxmlformats.org/drawingml/2006/main" xmlns:r="http://schemas.openxmlformats.org/officeDocument/2006/relationships" xmlns:mc="http://schemas.openxmlformats.org/markup-compatibility/2006" xmlns:mv="urn:schemas-microsoft-com:mac:vml" xmlns:p="http://schemas.openxmlformats.org/presentationml/2006/main" xmlns:c="http://schemas.openxmlformats.org/drawingml/2006/chart" xmlns:dgm="http://schemas.openxmlformats.org/drawingml/2006/diagram" xmlns:o="urn:schemas-microsoft-com:office:office" xmlns:v="urn:schemas-microsoft-com:vml" xmlns:pvml="urn:schemas-microsoft-com:office:powerpoint" xmlns:com="http://schemas.openxmlformats.org/drawingml/2006/compatibility" xmlns:p14="http://schemas.microsoft.com/office/powerpoint/2010/main" xmlns:p15="http://schemas.microsoft.com/office/powerpoint/2012/main" xmlns:ahyp="http://schemas.microsoft.com/office/drawing/2018/hyperlinkcolor" matchingName="Section title and description">
+<p:sldLayout xmlns:a="http://schemas.openxmlformats.org/drawingml/2006/main" xmlns:r="http://schemas.openxmlformats.org/officeDocument/2006/relationships" xmlns:p="http://schemas.openxmlformats.org/presentationml/2006/main" matchingName="Section title and description">
   <p:cSld name="SECTION_TITLE_AND_DESCRIPTION">
     <p:spTree>
       <p:nvGrpSpPr>
-        <p:cNvPr id="59" name="Shape 59"/>
+        <p:cNvPr id="1" name="Shape 59"/>
         <p:cNvGrpSpPr/>
         <p:nvPr/>
       </p:nvGrpSpPr>
@@ -5832,12 +5883,12 @@
           </a:ln>
         </p:spPr>
         <p:txBody>
-          <a:bodyPr anchorCtr="0" anchor="ctr" bIns="91425" lIns="91425" spcFirstLastPara="1" rIns="91425" wrap="square" tIns="91425">
+          <a:bodyPr spcFirstLastPara="1" wrap="square" lIns="91425" tIns="91425" rIns="91425" bIns="91425" anchor="ctr" anchorCtr="0">
             <a:noAutofit/>
           </a:bodyPr>
           <a:lstStyle/>
           <a:p>
-            <a:pPr indent="0" lvl="0" marL="0" rtl="0" algn="l">
+            <a:pPr marL="0" lvl="0" indent="0" algn="l" rtl="0">
               <a:spcBef>
                 <a:spcPts val="0"/>
               </a:spcBef>
@@ -5846,9 +5897,6 @@
               </a:spcAft>
               <a:buNone/>
             </a:pPr>
-            <a:r>
-              <a:t/>
-            </a:r>
             <a:endParaRPr/>
           </a:p>
         </p:txBody>
@@ -5868,21 +5916,23 @@
             <a:avLst/>
           </a:prstGeom>
           <a:noFill/>
-          <a:ln cap="flat" cmpd="sng" w="19050">
+          <a:ln w="19050" cap="flat" cmpd="sng">
             <a:solidFill>
               <a:schemeClr val="lt1"/>
             </a:solidFill>
             <a:prstDash val="solid"/>
             <a:round/>
-            <a:headEnd len="sm" w="sm" type="none"/>
-            <a:tailEnd len="sm" w="sm" type="none"/>
+            <a:headEnd type="none" w="sm" len="sm"/>
+            <a:tailEnd type="none" w="sm" len="sm"/>
           </a:ln>
         </p:spPr>
       </p:cxnSp>
       <p:sp>
         <p:nvSpPr>
           <p:cNvPr id="62" name="Google Shape;62;p9"/>
-          <p:cNvSpPr txBox="1"/>
+          <p:cNvSpPr txBox="1">
+            <a:spLocks noGrp="1"/>
+          </p:cNvSpPr>
           <p:nvPr>
             <p:ph type="title"/>
           </p:nvPr>
@@ -5897,7 +5947,7 @@
           </a:prstGeom>
         </p:spPr>
         <p:txBody>
-          <a:bodyPr anchorCtr="0" anchor="b" bIns="91425" lIns="91425" spcFirstLastPara="1" rIns="91425" wrap="square" tIns="91425">
+          <a:bodyPr spcFirstLastPara="1" wrap="square" lIns="91425" tIns="91425" rIns="91425" bIns="91425" anchor="b" anchorCtr="0">
             <a:noAutofit/>
           </a:bodyPr>
           <a:lstStyle>
@@ -6001,15 +6051,19 @@
               <a:defRPr sz="4200"/>
             </a:lvl9pPr>
           </a:lstStyle>
-          <a:p/>
+          <a:p>
+            <a:endParaRPr/>
+          </a:p>
         </p:txBody>
       </p:sp>
       <p:sp>
         <p:nvSpPr>
           <p:cNvPr id="63" name="Google Shape;63;p9"/>
-          <p:cNvSpPr txBox="1"/>
+          <p:cNvSpPr txBox="1">
+            <a:spLocks noGrp="1"/>
+          </p:cNvSpPr>
           <p:nvPr>
-            <p:ph idx="1" type="subTitle"/>
+            <p:ph type="subTitle" idx="1"/>
           </p:nvPr>
         </p:nvSpPr>
         <p:spPr>
@@ -6022,7 +6076,7 @@
           </a:prstGeom>
         </p:spPr>
         <p:txBody>
-          <a:bodyPr anchorCtr="0" anchor="t" bIns="91425" lIns="91425" spcFirstLastPara="1" rIns="91425" wrap="square" tIns="91425">
+          <a:bodyPr spcFirstLastPara="1" wrap="square" lIns="91425" tIns="91425" rIns="91425" bIns="91425" anchor="t" anchorCtr="0">
             <a:noAutofit/>
           </a:bodyPr>
           <a:lstStyle>
@@ -6153,15 +6207,19 @@
               <a:defRPr sz="2100"/>
             </a:lvl9pPr>
           </a:lstStyle>
-          <a:p/>
+          <a:p>
+            <a:endParaRPr/>
+          </a:p>
         </p:txBody>
       </p:sp>
       <p:sp>
         <p:nvSpPr>
           <p:cNvPr id="64" name="Google Shape;64;p9"/>
-          <p:cNvSpPr txBox="1"/>
+          <p:cNvSpPr txBox="1">
+            <a:spLocks noGrp="1"/>
+          </p:cNvSpPr>
           <p:nvPr>
-            <p:ph idx="2" type="body"/>
+            <p:ph type="body" idx="2"/>
           </p:nvPr>
         </p:nvSpPr>
         <p:spPr>
@@ -6174,11 +6232,11 @@
           </a:prstGeom>
         </p:spPr>
         <p:txBody>
-          <a:bodyPr anchorCtr="0" anchor="ctr" bIns="91425" lIns="91425" spcFirstLastPara="1" rIns="91425" wrap="square" tIns="91425">
+          <a:bodyPr spcFirstLastPara="1" wrap="square" lIns="91425" tIns="91425" rIns="91425" bIns="91425" anchor="ctr" anchorCtr="0">
             <a:noAutofit/>
           </a:bodyPr>
           <a:lstStyle>
-            <a:lvl1pPr indent="-342900" lvl="0" marL="457200">
+            <a:lvl1pPr marL="457200" lvl="0" indent="-342900">
               <a:spcBef>
                 <a:spcPts val="0"/>
               </a:spcBef>
@@ -6196,7 +6254,7 @@
                 </a:solidFill>
               </a:defRPr>
             </a:lvl1pPr>
-            <a:lvl2pPr indent="-317500" lvl="1" marL="914400">
+            <a:lvl2pPr marL="914400" lvl="1" indent="-317500">
               <a:spcBef>
                 <a:spcPts val="1600"/>
               </a:spcBef>
@@ -6214,7 +6272,7 @@
                 </a:solidFill>
               </a:defRPr>
             </a:lvl2pPr>
-            <a:lvl3pPr indent="-317500" lvl="2" marL="1371600">
+            <a:lvl3pPr marL="1371600" lvl="2" indent="-317500">
               <a:spcBef>
                 <a:spcPts val="1600"/>
               </a:spcBef>
@@ -6232,7 +6290,7 @@
                 </a:solidFill>
               </a:defRPr>
             </a:lvl3pPr>
-            <a:lvl4pPr indent="-317500" lvl="3" marL="1828800">
+            <a:lvl4pPr marL="1828800" lvl="3" indent="-317500">
               <a:spcBef>
                 <a:spcPts val="1600"/>
               </a:spcBef>
@@ -6250,7 +6308,7 @@
                 </a:solidFill>
               </a:defRPr>
             </a:lvl4pPr>
-            <a:lvl5pPr indent="-317500" lvl="4" marL="2286000">
+            <a:lvl5pPr marL="2286000" lvl="4" indent="-317500">
               <a:spcBef>
                 <a:spcPts val="1600"/>
               </a:spcBef>
@@ -6268,7 +6326,7 @@
                 </a:solidFill>
               </a:defRPr>
             </a:lvl5pPr>
-            <a:lvl6pPr indent="-317500" lvl="5" marL="2743200">
+            <a:lvl6pPr marL="2743200" lvl="5" indent="-317500">
               <a:spcBef>
                 <a:spcPts val="1600"/>
               </a:spcBef>
@@ -6286,7 +6344,7 @@
                 </a:solidFill>
               </a:defRPr>
             </a:lvl6pPr>
-            <a:lvl7pPr indent="-317500" lvl="6" marL="3200400">
+            <a:lvl7pPr marL="3200400" lvl="6" indent="-317500">
               <a:spcBef>
                 <a:spcPts val="1600"/>
               </a:spcBef>
@@ -6304,7 +6362,7 @@
                 </a:solidFill>
               </a:defRPr>
             </a:lvl7pPr>
-            <a:lvl8pPr indent="-317500" lvl="7" marL="3657600">
+            <a:lvl8pPr marL="3657600" lvl="7" indent="-317500">
               <a:spcBef>
                 <a:spcPts val="1600"/>
               </a:spcBef>
@@ -6322,7 +6380,7 @@
                 </a:solidFill>
               </a:defRPr>
             </a:lvl8pPr>
-            <a:lvl9pPr indent="-317500" lvl="8" marL="4114800">
+            <a:lvl9pPr marL="4114800" lvl="8" indent="-317500">
               <a:spcBef>
                 <a:spcPts val="1600"/>
               </a:spcBef>
@@ -6341,15 +6399,19 @@
               </a:defRPr>
             </a:lvl9pPr>
           </a:lstStyle>
-          <a:p/>
+          <a:p>
+            <a:endParaRPr/>
+          </a:p>
         </p:txBody>
       </p:sp>
       <p:sp>
         <p:nvSpPr>
           <p:cNvPr id="65" name="Google Shape;65;p9"/>
-          <p:cNvSpPr txBox="1"/>
+          <p:cNvSpPr txBox="1">
+            <a:spLocks noGrp="1"/>
+          </p:cNvSpPr>
           <p:nvPr>
-            <p:ph idx="12" type="sldNum"/>
+            <p:ph type="sldNum" idx="12"/>
           </p:nvPr>
         </p:nvSpPr>
         <p:spPr>
@@ -6362,7 +6424,7 @@
           </a:prstGeom>
         </p:spPr>
         <p:txBody>
-          <a:bodyPr anchorCtr="0" anchor="ctr" bIns="91425" lIns="91425" spcFirstLastPara="1" rIns="91425" wrap="square" tIns="91425">
+          <a:bodyPr spcFirstLastPara="1" wrap="square" lIns="91425" tIns="91425" rIns="91425" bIns="91425" anchor="ctr" anchorCtr="0">
             <a:noAutofit/>
           </a:bodyPr>
           <a:lstStyle>
@@ -6404,7 +6466,7 @@
             </a:lvl9pPr>
           </a:lstStyle>
           <a:p>
-            <a:pPr indent="0" lvl="0" marL="0" rtl="0" algn="r">
+            <a:pPr marL="0" lvl="0" indent="0" algn="r" rtl="0">
               <a:spcBef>
                 <a:spcPts val="0"/>
               </a:spcBef>
@@ -6430,11 +6492,11 @@
 </file>
 
 <file path=ppt/slideLayouts/slideLayout9.xml><?xml version="1.0" encoding="utf-8"?>
-<p:sldLayout xmlns:a="http://schemas.openxmlformats.org/drawingml/2006/main" xmlns:r="http://schemas.openxmlformats.org/officeDocument/2006/relationships" xmlns:mc="http://schemas.openxmlformats.org/markup-compatibility/2006" xmlns:mv="urn:schemas-microsoft-com:mac:vml" xmlns:p="http://schemas.openxmlformats.org/presentationml/2006/main" xmlns:c="http://schemas.openxmlformats.org/drawingml/2006/chart" xmlns:dgm="http://schemas.openxmlformats.org/drawingml/2006/diagram" xmlns:o="urn:schemas-microsoft-com:office:office" xmlns:v="urn:schemas-microsoft-com:vml" xmlns:pvml="urn:schemas-microsoft-com:office:powerpoint" xmlns:com="http://schemas.openxmlformats.org/drawingml/2006/compatibility" xmlns:p14="http://schemas.microsoft.com/office/powerpoint/2010/main" xmlns:p15="http://schemas.microsoft.com/office/powerpoint/2012/main" xmlns:ahyp="http://schemas.microsoft.com/office/drawing/2018/hyperlinkcolor" matchingName="Caption">
+<p:sldLayout xmlns:a="http://schemas.openxmlformats.org/drawingml/2006/main" xmlns:r="http://schemas.openxmlformats.org/officeDocument/2006/relationships" xmlns:p="http://schemas.openxmlformats.org/presentationml/2006/main" matchingName="Caption">
   <p:cSld name="CAPTION_ONLY">
     <p:spTree>
       <p:nvGrpSpPr>
-        <p:cNvPr id="66" name="Shape 66"/>
+        <p:cNvPr id="1" name="Shape 66"/>
         <p:cNvGrpSpPr/>
         <p:nvPr/>
       </p:nvGrpSpPr>
@@ -6449,9 +6511,11 @@
       <p:sp>
         <p:nvSpPr>
           <p:cNvPr id="67" name="Google Shape;67;p10"/>
-          <p:cNvSpPr txBox="1"/>
+          <p:cNvSpPr txBox="1">
+            <a:spLocks noGrp="1"/>
+          </p:cNvSpPr>
           <p:nvPr>
-            <p:ph idx="1" type="body"/>
+            <p:ph type="body" idx="1"/>
           </p:nvPr>
         </p:nvSpPr>
         <p:spPr>
@@ -6464,11 +6528,11 @@
           </a:prstGeom>
         </p:spPr>
         <p:txBody>
-          <a:bodyPr anchorCtr="0" anchor="ctr" bIns="91425" lIns="91425" spcFirstLastPara="1" rIns="91425" wrap="square" tIns="91425">
+          <a:bodyPr spcFirstLastPara="1" wrap="square" lIns="91425" tIns="91425" rIns="91425" bIns="91425" anchor="ctr" anchorCtr="0">
             <a:noAutofit/>
           </a:bodyPr>
           <a:lstStyle>
-            <a:lvl1pPr indent="-228600" lvl="0" marL="457200">
+            <a:lvl1pPr marL="457200" lvl="0" indent="-228600">
               <a:lnSpc>
                 <a:spcPct val="100000"/>
               </a:lnSpc>
@@ -6483,15 +6547,19 @@
               <a:defRPr/>
             </a:lvl1pPr>
           </a:lstStyle>
-          <a:p/>
+          <a:p>
+            <a:endParaRPr/>
+          </a:p>
         </p:txBody>
       </p:sp>
       <p:sp>
         <p:nvSpPr>
           <p:cNvPr id="68" name="Google Shape;68;p10"/>
-          <p:cNvSpPr txBox="1"/>
+          <p:cNvSpPr txBox="1">
+            <a:spLocks noGrp="1"/>
+          </p:cNvSpPr>
           <p:nvPr>
-            <p:ph idx="12" type="sldNum"/>
+            <p:ph type="sldNum" idx="12"/>
           </p:nvPr>
         </p:nvSpPr>
         <p:spPr>
@@ -6504,7 +6572,7 @@
           </a:prstGeom>
         </p:spPr>
         <p:txBody>
-          <a:bodyPr anchorCtr="0" anchor="ctr" bIns="91425" lIns="91425" spcFirstLastPara="1" rIns="91425" wrap="square" tIns="91425">
+          <a:bodyPr spcFirstLastPara="1" wrap="square" lIns="91425" tIns="91425" rIns="91425" bIns="91425" anchor="ctr" anchorCtr="0">
             <a:noAutofit/>
           </a:bodyPr>
           <a:lstStyle>
@@ -6582,7 +6650,7 @@
             </a:lvl9pPr>
           </a:lstStyle>
           <a:p>
-            <a:pPr indent="0" lvl="0" marL="0" rtl="0" algn="r">
+            <a:pPr marL="0" lvl="0" indent="0" algn="r" rtl="0">
               <a:spcBef>
                 <a:spcPts val="0"/>
               </a:spcBef>
@@ -6608,18 +6676,19 @@
 </file>
 
 <file path=ppt/slideMasters/slideMaster1.xml><?xml version="1.0" encoding="utf-8"?>
-<p:sldMaster xmlns:a="http://schemas.openxmlformats.org/drawingml/2006/main" xmlns:r="http://schemas.openxmlformats.org/officeDocument/2006/relationships" xmlns:mc="http://schemas.openxmlformats.org/markup-compatibility/2006" xmlns:mv="urn:schemas-microsoft-com:mac:vml" xmlns:p="http://schemas.openxmlformats.org/presentationml/2006/main" xmlns:c="http://schemas.openxmlformats.org/drawingml/2006/chart" xmlns:dgm="http://schemas.openxmlformats.org/drawingml/2006/diagram" xmlns:o="urn:schemas-microsoft-com:office:office" xmlns:v="urn:schemas-microsoft-com:vml" xmlns:pvml="urn:schemas-microsoft-com:office:powerpoint" xmlns:com="http://schemas.openxmlformats.org/drawingml/2006/compatibility" xmlns:p14="http://schemas.microsoft.com/office/powerpoint/2010/main" xmlns:p15="http://schemas.microsoft.com/office/powerpoint/2012/main" xmlns:ahyp="http://schemas.microsoft.com/office/drawing/2018/hyperlinkcolor">
+<p:sldMaster xmlns:a="http://schemas.openxmlformats.org/drawingml/2006/main" xmlns:r="http://schemas.openxmlformats.org/officeDocument/2006/relationships" xmlns:p="http://schemas.openxmlformats.org/presentationml/2006/main">
   <p:cSld name="geometric">
     <p:bg>
       <p:bgPr>
         <a:solidFill>
           <a:schemeClr val="lt1"/>
         </a:solidFill>
+        <a:effectLst/>
       </p:bgPr>
     </p:bg>
     <p:spTree>
       <p:nvGrpSpPr>
-        <p:cNvPr id="5" name="Shape 5"/>
+        <p:cNvPr id="1" name="Shape 5"/>
         <p:cNvGrpSpPr/>
         <p:nvPr/>
       </p:nvGrpSpPr>
@@ -6634,7 +6703,9 @@
       <p:sp>
         <p:nvSpPr>
           <p:cNvPr id="6" name="Google Shape;6;p1"/>
-          <p:cNvSpPr txBox="1"/>
+          <p:cNvSpPr txBox="1">
+            <a:spLocks noGrp="1"/>
+          </p:cNvSpPr>
           <p:nvPr>
             <p:ph type="title"/>
           </p:nvPr>
@@ -6653,7 +6724,7 @@
           </a:ln>
         </p:spPr>
         <p:txBody>
-          <a:bodyPr anchorCtr="0" anchor="t" bIns="91425" lIns="91425" spcFirstLastPara="1" rIns="91425" wrap="square" tIns="91425">
+          <a:bodyPr spcFirstLastPara="1" wrap="square" lIns="91425" tIns="91425" rIns="91425" bIns="91425" anchor="t" anchorCtr="0">
             <a:noAutofit/>
           </a:bodyPr>
           <a:lstStyle>
@@ -6865,15 +6936,19 @@
               </a:defRPr>
             </a:lvl9pPr>
           </a:lstStyle>
-          <a:p/>
+          <a:p>
+            <a:endParaRPr/>
+          </a:p>
         </p:txBody>
       </p:sp>
       <p:sp>
         <p:nvSpPr>
           <p:cNvPr id="7" name="Google Shape;7;p1"/>
-          <p:cNvSpPr txBox="1"/>
+          <p:cNvSpPr txBox="1">
+            <a:spLocks noGrp="1"/>
+          </p:cNvSpPr>
           <p:nvPr>
-            <p:ph idx="1" type="body"/>
+            <p:ph type="body" idx="1"/>
           </p:nvPr>
         </p:nvSpPr>
         <p:spPr>
@@ -6890,11 +6965,11 @@
           </a:ln>
         </p:spPr>
         <p:txBody>
-          <a:bodyPr anchorCtr="0" anchor="t" bIns="91425" lIns="91425" spcFirstLastPara="1" rIns="91425" wrap="square" tIns="91425">
+          <a:bodyPr spcFirstLastPara="1" wrap="square" lIns="91425" tIns="91425" rIns="91425" bIns="91425" anchor="t" anchorCtr="0">
             <a:noAutofit/>
           </a:bodyPr>
           <a:lstStyle>
-            <a:lvl1pPr indent="-342900" lvl="0" marL="457200">
+            <a:lvl1pPr marL="457200" lvl="0" indent="-342900">
               <a:lnSpc>
                 <a:spcPct val="115000"/>
               </a:lnSpc>
@@ -6920,7 +6995,7 @@
                 <a:sym typeface="Roboto"/>
               </a:defRPr>
             </a:lvl1pPr>
-            <a:lvl2pPr indent="-317500" lvl="1" marL="914400">
+            <a:lvl2pPr marL="914400" lvl="1" indent="-317500">
               <a:lnSpc>
                 <a:spcPct val="115000"/>
               </a:lnSpc>
@@ -6946,7 +7021,7 @@
                 <a:sym typeface="Roboto"/>
               </a:defRPr>
             </a:lvl2pPr>
-            <a:lvl3pPr indent="-317500" lvl="2" marL="1371600">
+            <a:lvl3pPr marL="1371600" lvl="2" indent="-317500">
               <a:lnSpc>
                 <a:spcPct val="115000"/>
               </a:lnSpc>
@@ -6972,7 +7047,7 @@
                 <a:sym typeface="Roboto"/>
               </a:defRPr>
             </a:lvl3pPr>
-            <a:lvl4pPr indent="-317500" lvl="3" marL="1828800">
+            <a:lvl4pPr marL="1828800" lvl="3" indent="-317500">
               <a:lnSpc>
                 <a:spcPct val="115000"/>
               </a:lnSpc>
@@ -6998,7 +7073,7 @@
                 <a:sym typeface="Roboto"/>
               </a:defRPr>
             </a:lvl4pPr>
-            <a:lvl5pPr indent="-317500" lvl="4" marL="2286000">
+            <a:lvl5pPr marL="2286000" lvl="4" indent="-317500">
               <a:lnSpc>
                 <a:spcPct val="115000"/>
               </a:lnSpc>
@@ -7024,7 +7099,7 @@
                 <a:sym typeface="Roboto"/>
               </a:defRPr>
             </a:lvl5pPr>
-            <a:lvl6pPr indent="-317500" lvl="5" marL="2743200">
+            <a:lvl6pPr marL="2743200" lvl="5" indent="-317500">
               <a:lnSpc>
                 <a:spcPct val="115000"/>
               </a:lnSpc>
@@ -7050,7 +7125,7 @@
                 <a:sym typeface="Roboto"/>
               </a:defRPr>
             </a:lvl6pPr>
-            <a:lvl7pPr indent="-317500" lvl="6" marL="3200400">
+            <a:lvl7pPr marL="3200400" lvl="6" indent="-317500">
               <a:lnSpc>
                 <a:spcPct val="115000"/>
               </a:lnSpc>
@@ -7076,7 +7151,7 @@
                 <a:sym typeface="Roboto"/>
               </a:defRPr>
             </a:lvl7pPr>
-            <a:lvl8pPr indent="-317500" lvl="7" marL="3657600">
+            <a:lvl8pPr marL="3657600" lvl="7" indent="-317500">
               <a:lnSpc>
                 <a:spcPct val="115000"/>
               </a:lnSpc>
@@ -7102,7 +7177,7 @@
                 <a:sym typeface="Roboto"/>
               </a:defRPr>
             </a:lvl8pPr>
-            <a:lvl9pPr indent="-317500" lvl="8" marL="4114800">
+            <a:lvl9pPr marL="4114800" lvl="8" indent="-317500">
               <a:lnSpc>
                 <a:spcPct val="115000"/>
               </a:lnSpc>
@@ -7129,15 +7204,19 @@
               </a:defRPr>
             </a:lvl9pPr>
           </a:lstStyle>
-          <a:p/>
+          <a:p>
+            <a:endParaRPr/>
+          </a:p>
         </p:txBody>
       </p:sp>
       <p:sp>
         <p:nvSpPr>
           <p:cNvPr id="8" name="Google Shape;8;p1"/>
-          <p:cNvSpPr txBox="1"/>
+          <p:cNvSpPr txBox="1">
+            <a:spLocks noGrp="1"/>
+          </p:cNvSpPr>
           <p:nvPr>
-            <p:ph idx="12" type="sldNum"/>
+            <p:ph type="sldNum" idx="12"/>
           </p:nvPr>
         </p:nvSpPr>
         <p:spPr>
@@ -7154,7 +7233,7 @@
           </a:ln>
         </p:spPr>
         <p:txBody>
-          <a:bodyPr anchorCtr="0" anchor="ctr" bIns="91425" lIns="91425" spcFirstLastPara="1" rIns="91425" wrap="square" tIns="91425">
+          <a:bodyPr spcFirstLastPara="1" wrap="square" lIns="91425" tIns="91425" rIns="91425" bIns="91425" anchor="ctr" anchorCtr="0">
             <a:noAutofit/>
           </a:bodyPr>
           <a:lstStyle>
@@ -7268,7 +7347,7 @@
             </a:lvl9pPr>
           </a:lstStyle>
           <a:p>
-            <a:pPr indent="0" lvl="0" marL="0" rtl="0" algn="r">
+            <a:pPr marL="0" lvl="0" indent="0" algn="r" rtl="0">
               <a:spcBef>
                 <a:spcPts val="0"/>
               </a:spcBef>
@@ -7287,7 +7366,7 @@
       </p:sp>
     </p:spTree>
   </p:cSld>
-  <p:clrMap accent1="accent1" accent2="accent2" accent3="accent3" accent4="accent4" accent5="accent5" accent6="accent6" bg1="lt1" bg2="dk2" tx1="dk1" tx2="lt2" folHlink="folHlink" hlink="hlink"/>
+  <p:clrMap bg1="lt1" tx1="dk1" bg2="dk2" tx2="lt2" accent1="accent1" accent2="accent2" accent3="accent3" accent4="accent4" accent5="accent5" accent6="accent6" hlink="hlink" folHlink="folHlink"/>
   <p:sldLayoutIdLst>
     <p:sldLayoutId id="2147483648" r:id="rId1"/>
     <p:sldLayoutId id="2147483649" r:id="rId2"/>
@@ -7301,10 +7380,10 @@
     <p:sldLayoutId id="2147483657" r:id="rId10"/>
     <p:sldLayoutId id="2147483658" r:id="rId11"/>
   </p:sldLayoutIdLst>
-  <p:hf dt="0" ftr="0" hdr="0" sldNum="0"/>
+  <p:hf sldNum="0" hdr="0" ftr="0" dt="0"/>
   <p:txStyles>
     <p:titleStyle>
-      <a:defPPr lvl="0" marR="0" rtl="0" algn="l">
+      <a:defPPr marR="0" lvl="0" algn="l" rtl="0">
         <a:lnSpc>
           <a:spcPct val="100000"/>
         </a:lnSpc>
@@ -7315,7 +7394,7 @@
           <a:spcPts val="0"/>
         </a:spcAft>
       </a:defPPr>
-      <a:lvl1pPr lvl="0" marR="0" rtl="0" algn="l">
+      <a:lvl1pPr marR="0" lvl="0" algn="l" rtl="0">
         <a:lnSpc>
           <a:spcPct val="100000"/>
         </a:lnSpc>
@@ -7329,7 +7408,7 @@
           <a:srgbClr val="000000"/>
         </a:buClr>
         <a:buFont typeface="Arial"/>
-        <a:defRPr b="0" i="0" sz="1400" u="none" cap="none" strike="noStrike">
+        <a:defRPr sz="1400" b="0" i="0" u="none" strike="noStrike" cap="none">
           <a:solidFill>
             <a:srgbClr val="000000"/>
           </a:solidFill>
@@ -7339,7 +7418,7 @@
           <a:sym typeface="Arial"/>
         </a:defRPr>
       </a:lvl1pPr>
-      <a:lvl2pPr lvl="1" marR="0" rtl="0" algn="l">
+      <a:lvl2pPr marR="0" lvl="1" algn="l" rtl="0">
         <a:lnSpc>
           <a:spcPct val="100000"/>
         </a:lnSpc>
@@ -7353,7 +7432,7 @@
           <a:srgbClr val="000000"/>
         </a:buClr>
         <a:buFont typeface="Arial"/>
-        <a:defRPr b="0" i="0" sz="1400" u="none" cap="none" strike="noStrike">
+        <a:defRPr sz="1400" b="0" i="0" u="none" strike="noStrike" cap="none">
           <a:solidFill>
             <a:srgbClr val="000000"/>
           </a:solidFill>
@@ -7363,7 +7442,7 @@
           <a:sym typeface="Arial"/>
         </a:defRPr>
       </a:lvl2pPr>
-      <a:lvl3pPr lvl="2" marR="0" rtl="0" algn="l">
+      <a:lvl3pPr marR="0" lvl="2" algn="l" rtl="0">
         <a:lnSpc>
           <a:spcPct val="100000"/>
         </a:lnSpc>
@@ -7377,7 +7456,7 @@
           <a:srgbClr val="000000"/>
         </a:buClr>
         <a:buFont typeface="Arial"/>
-        <a:defRPr b="0" i="0" sz="1400" u="none" cap="none" strike="noStrike">
+        <a:defRPr sz="1400" b="0" i="0" u="none" strike="noStrike" cap="none">
           <a:solidFill>
             <a:srgbClr val="000000"/>
           </a:solidFill>
@@ -7387,7 +7466,7 @@
           <a:sym typeface="Arial"/>
         </a:defRPr>
       </a:lvl3pPr>
-      <a:lvl4pPr lvl="3" marR="0" rtl="0" algn="l">
+      <a:lvl4pPr marR="0" lvl="3" algn="l" rtl="0">
         <a:lnSpc>
           <a:spcPct val="100000"/>
         </a:lnSpc>
@@ -7401,7 +7480,7 @@
           <a:srgbClr val="000000"/>
         </a:buClr>
         <a:buFont typeface="Arial"/>
-        <a:defRPr b="0" i="0" sz="1400" u="none" cap="none" strike="noStrike">
+        <a:defRPr sz="1400" b="0" i="0" u="none" strike="noStrike" cap="none">
           <a:solidFill>
             <a:srgbClr val="000000"/>
           </a:solidFill>
@@ -7411,7 +7490,7 @@
           <a:sym typeface="Arial"/>
         </a:defRPr>
       </a:lvl4pPr>
-      <a:lvl5pPr lvl="4" marR="0" rtl="0" algn="l">
+      <a:lvl5pPr marR="0" lvl="4" algn="l" rtl="0">
         <a:lnSpc>
           <a:spcPct val="100000"/>
         </a:lnSpc>
@@ -7425,7 +7504,7 @@
           <a:srgbClr val="000000"/>
         </a:buClr>
         <a:buFont typeface="Arial"/>
-        <a:defRPr b="0" i="0" sz="1400" u="none" cap="none" strike="noStrike">
+        <a:defRPr sz="1400" b="0" i="0" u="none" strike="noStrike" cap="none">
           <a:solidFill>
             <a:srgbClr val="000000"/>
           </a:solidFill>
@@ -7435,7 +7514,7 @@
           <a:sym typeface="Arial"/>
         </a:defRPr>
       </a:lvl5pPr>
-      <a:lvl6pPr lvl="5" marR="0" rtl="0" algn="l">
+      <a:lvl6pPr marR="0" lvl="5" algn="l" rtl="0">
         <a:lnSpc>
           <a:spcPct val="100000"/>
         </a:lnSpc>
@@ -7449,7 +7528,7 @@
           <a:srgbClr val="000000"/>
         </a:buClr>
         <a:buFont typeface="Arial"/>
-        <a:defRPr b="0" i="0" sz="1400" u="none" cap="none" strike="noStrike">
+        <a:defRPr sz="1400" b="0" i="0" u="none" strike="noStrike" cap="none">
           <a:solidFill>
             <a:srgbClr val="000000"/>
           </a:solidFill>
@@ -7459,7 +7538,7 @@
           <a:sym typeface="Arial"/>
         </a:defRPr>
       </a:lvl6pPr>
-      <a:lvl7pPr lvl="6" marR="0" rtl="0" algn="l">
+      <a:lvl7pPr marR="0" lvl="6" algn="l" rtl="0">
         <a:lnSpc>
           <a:spcPct val="100000"/>
         </a:lnSpc>
@@ -7473,7 +7552,7 @@
           <a:srgbClr val="000000"/>
         </a:buClr>
         <a:buFont typeface="Arial"/>
-        <a:defRPr b="0" i="0" sz="1400" u="none" cap="none" strike="noStrike">
+        <a:defRPr sz="1400" b="0" i="0" u="none" strike="noStrike" cap="none">
           <a:solidFill>
             <a:srgbClr val="000000"/>
           </a:solidFill>
@@ -7483,7 +7562,7 @@
           <a:sym typeface="Arial"/>
         </a:defRPr>
       </a:lvl7pPr>
-      <a:lvl8pPr lvl="7" marR="0" rtl="0" algn="l">
+      <a:lvl8pPr marR="0" lvl="7" algn="l" rtl="0">
         <a:lnSpc>
           <a:spcPct val="100000"/>
         </a:lnSpc>
@@ -7497,7 +7576,7 @@
           <a:srgbClr val="000000"/>
         </a:buClr>
         <a:buFont typeface="Arial"/>
-        <a:defRPr b="0" i="0" sz="1400" u="none" cap="none" strike="noStrike">
+        <a:defRPr sz="1400" b="0" i="0" u="none" strike="noStrike" cap="none">
           <a:solidFill>
             <a:srgbClr val="000000"/>
           </a:solidFill>
@@ -7507,7 +7586,7 @@
           <a:sym typeface="Arial"/>
         </a:defRPr>
       </a:lvl8pPr>
-      <a:lvl9pPr lvl="8" marR="0" rtl="0" algn="l">
+      <a:lvl9pPr marR="0" lvl="8" algn="l" rtl="0">
         <a:lnSpc>
           <a:spcPct val="100000"/>
         </a:lnSpc>
@@ -7521,7 +7600,7 @@
           <a:srgbClr val="000000"/>
         </a:buClr>
         <a:buFont typeface="Arial"/>
-        <a:defRPr b="0" i="0" sz="1400" u="none" cap="none" strike="noStrike">
+        <a:defRPr sz="1400" b="0" i="0" u="none" strike="noStrike" cap="none">
           <a:solidFill>
             <a:srgbClr val="000000"/>
           </a:solidFill>
@@ -7533,7 +7612,7 @@
       </a:lvl9pPr>
     </p:titleStyle>
     <p:bodyStyle>
-      <a:defPPr lvl="0" marR="0" rtl="0" algn="l">
+      <a:defPPr marR="0" lvl="0" algn="l" rtl="0">
         <a:lnSpc>
           <a:spcPct val="100000"/>
         </a:lnSpc>
@@ -7544,7 +7623,7 @@
           <a:spcPts val="0"/>
         </a:spcAft>
       </a:defPPr>
-      <a:lvl1pPr lvl="0" marR="0" rtl="0" algn="l">
+      <a:lvl1pPr marR="0" lvl="0" algn="l" rtl="0">
         <a:lnSpc>
           <a:spcPct val="100000"/>
         </a:lnSpc>
@@ -7558,7 +7637,7 @@
           <a:srgbClr val="000000"/>
         </a:buClr>
         <a:buFont typeface="Arial"/>
-        <a:defRPr b="0" i="0" sz="1400" u="none" cap="none" strike="noStrike">
+        <a:defRPr sz="1400" b="0" i="0" u="none" strike="noStrike" cap="none">
           <a:solidFill>
             <a:srgbClr val="000000"/>
           </a:solidFill>
@@ -7568,7 +7647,7 @@
           <a:sym typeface="Arial"/>
         </a:defRPr>
       </a:lvl1pPr>
-      <a:lvl2pPr lvl="1" marR="0" rtl="0" algn="l">
+      <a:lvl2pPr marR="0" lvl="1" algn="l" rtl="0">
         <a:lnSpc>
           <a:spcPct val="100000"/>
         </a:lnSpc>
@@ -7582,7 +7661,7 @@
           <a:srgbClr val="000000"/>
         </a:buClr>
         <a:buFont typeface="Arial"/>
-        <a:defRPr b="0" i="0" sz="1400" u="none" cap="none" strike="noStrike">
+        <a:defRPr sz="1400" b="0" i="0" u="none" strike="noStrike" cap="none">
           <a:solidFill>
             <a:srgbClr val="000000"/>
           </a:solidFill>
@@ -7592,7 +7671,7 @@
           <a:sym typeface="Arial"/>
         </a:defRPr>
       </a:lvl2pPr>
-      <a:lvl3pPr lvl="2" marR="0" rtl="0" algn="l">
+      <a:lvl3pPr marR="0" lvl="2" algn="l" rtl="0">
         <a:lnSpc>
           <a:spcPct val="100000"/>
         </a:lnSpc>
@@ -7606,7 +7685,7 @@
           <a:srgbClr val="000000"/>
         </a:buClr>
         <a:buFont typeface="Arial"/>
-        <a:defRPr b="0" i="0" sz="1400" u="none" cap="none" strike="noStrike">
+        <a:defRPr sz="1400" b="0" i="0" u="none" strike="noStrike" cap="none">
           <a:solidFill>
             <a:srgbClr val="000000"/>
           </a:solidFill>
@@ -7616,7 +7695,7 @@
           <a:sym typeface="Arial"/>
         </a:defRPr>
       </a:lvl3pPr>
-      <a:lvl4pPr lvl="3" marR="0" rtl="0" algn="l">
+      <a:lvl4pPr marR="0" lvl="3" algn="l" rtl="0">
         <a:lnSpc>
           <a:spcPct val="100000"/>
         </a:lnSpc>
@@ -7630,7 +7709,7 @@
           <a:srgbClr val="000000"/>
         </a:buClr>
         <a:buFont typeface="Arial"/>
-        <a:defRPr b="0" i="0" sz="1400" u="none" cap="none" strike="noStrike">
+        <a:defRPr sz="1400" b="0" i="0" u="none" strike="noStrike" cap="none">
           <a:solidFill>
             <a:srgbClr val="000000"/>
           </a:solidFill>
@@ -7640,7 +7719,7 @@
           <a:sym typeface="Arial"/>
         </a:defRPr>
       </a:lvl4pPr>
-      <a:lvl5pPr lvl="4" marR="0" rtl="0" algn="l">
+      <a:lvl5pPr marR="0" lvl="4" algn="l" rtl="0">
         <a:lnSpc>
           <a:spcPct val="100000"/>
         </a:lnSpc>
@@ -7654,7 +7733,7 @@
           <a:srgbClr val="000000"/>
         </a:buClr>
         <a:buFont typeface="Arial"/>
-        <a:defRPr b="0" i="0" sz="1400" u="none" cap="none" strike="noStrike">
+        <a:defRPr sz="1400" b="0" i="0" u="none" strike="noStrike" cap="none">
           <a:solidFill>
             <a:srgbClr val="000000"/>
           </a:solidFill>
@@ -7664,7 +7743,7 @@
           <a:sym typeface="Arial"/>
         </a:defRPr>
       </a:lvl5pPr>
-      <a:lvl6pPr lvl="5" marR="0" rtl="0" algn="l">
+      <a:lvl6pPr marR="0" lvl="5" algn="l" rtl="0">
         <a:lnSpc>
           <a:spcPct val="100000"/>
         </a:lnSpc>
@@ -7678,7 +7757,7 @@
           <a:srgbClr val="000000"/>
         </a:buClr>
         <a:buFont typeface="Arial"/>
-        <a:defRPr b="0" i="0" sz="1400" u="none" cap="none" strike="noStrike">
+        <a:defRPr sz="1400" b="0" i="0" u="none" strike="noStrike" cap="none">
           <a:solidFill>
             <a:srgbClr val="000000"/>
           </a:solidFill>
@@ -7688,7 +7767,7 @@
           <a:sym typeface="Arial"/>
         </a:defRPr>
       </a:lvl6pPr>
-      <a:lvl7pPr lvl="6" marR="0" rtl="0" algn="l">
+      <a:lvl7pPr marR="0" lvl="6" algn="l" rtl="0">
         <a:lnSpc>
           <a:spcPct val="100000"/>
         </a:lnSpc>
@@ -7702,7 +7781,7 @@
           <a:srgbClr val="000000"/>
         </a:buClr>
         <a:buFont typeface="Arial"/>
-        <a:defRPr b="0" i="0" sz="1400" u="none" cap="none" strike="noStrike">
+        <a:defRPr sz="1400" b="0" i="0" u="none" strike="noStrike" cap="none">
           <a:solidFill>
             <a:srgbClr val="000000"/>
           </a:solidFill>
@@ -7712,7 +7791,7 @@
           <a:sym typeface="Arial"/>
         </a:defRPr>
       </a:lvl7pPr>
-      <a:lvl8pPr lvl="7" marR="0" rtl="0" algn="l">
+      <a:lvl8pPr marR="0" lvl="7" algn="l" rtl="0">
         <a:lnSpc>
           <a:spcPct val="100000"/>
         </a:lnSpc>
@@ -7726,7 +7805,7 @@
           <a:srgbClr val="000000"/>
         </a:buClr>
         <a:buFont typeface="Arial"/>
-        <a:defRPr b="0" i="0" sz="1400" u="none" cap="none" strike="noStrike">
+        <a:defRPr sz="1400" b="0" i="0" u="none" strike="noStrike" cap="none">
           <a:solidFill>
             <a:srgbClr val="000000"/>
           </a:solidFill>
@@ -7736,7 +7815,7 @@
           <a:sym typeface="Arial"/>
         </a:defRPr>
       </a:lvl8pPr>
-      <a:lvl9pPr lvl="8" marR="0" rtl="0" algn="l">
+      <a:lvl9pPr marR="0" lvl="8" algn="l" rtl="0">
         <a:lnSpc>
           <a:spcPct val="100000"/>
         </a:lnSpc>
@@ -7750,7 +7829,7 @@
           <a:srgbClr val="000000"/>
         </a:buClr>
         <a:buFont typeface="Arial"/>
-        <a:defRPr b="0" i="0" sz="1400" u="none" cap="none" strike="noStrike">
+        <a:defRPr sz="1400" b="0" i="0" u="none" strike="noStrike" cap="none">
           <a:solidFill>
             <a:srgbClr val="000000"/>
           </a:solidFill>
@@ -7762,7 +7841,7 @@
       </a:lvl9pPr>
     </p:bodyStyle>
     <p:otherStyle>
-      <a:defPPr lvl="0" marR="0" rtl="0" algn="l">
+      <a:defPPr marR="0" lvl="0" algn="l" rtl="0">
         <a:lnSpc>
           <a:spcPct val="100000"/>
         </a:lnSpc>
@@ -7773,7 +7852,7 @@
           <a:spcPts val="0"/>
         </a:spcAft>
       </a:defPPr>
-      <a:lvl1pPr lvl="0" marR="0" rtl="0" algn="l">
+      <a:lvl1pPr marR="0" lvl="0" algn="l" rtl="0">
         <a:lnSpc>
           <a:spcPct val="100000"/>
         </a:lnSpc>
@@ -7787,7 +7866,7 @@
           <a:srgbClr val="000000"/>
         </a:buClr>
         <a:buFont typeface="Arial"/>
-        <a:defRPr b="0" i="0" sz="1400" u="none" cap="none" strike="noStrike">
+        <a:defRPr sz="1400" b="0" i="0" u="none" strike="noStrike" cap="none">
           <a:solidFill>
             <a:srgbClr val="000000"/>
           </a:solidFill>
@@ -7797,7 +7876,7 @@
           <a:sym typeface="Arial"/>
         </a:defRPr>
       </a:lvl1pPr>
-      <a:lvl2pPr lvl="1" marR="0" rtl="0" algn="l">
+      <a:lvl2pPr marR="0" lvl="1" algn="l" rtl="0">
         <a:lnSpc>
           <a:spcPct val="100000"/>
         </a:lnSpc>
@@ -7811,7 +7890,7 @@
           <a:srgbClr val="000000"/>
         </a:buClr>
         <a:buFont typeface="Arial"/>
-        <a:defRPr b="0" i="0" sz="1400" u="none" cap="none" strike="noStrike">
+        <a:defRPr sz="1400" b="0" i="0" u="none" strike="noStrike" cap="none">
           <a:solidFill>
             <a:srgbClr val="000000"/>
           </a:solidFill>
@@ -7821,7 +7900,7 @@
           <a:sym typeface="Arial"/>
         </a:defRPr>
       </a:lvl2pPr>
-      <a:lvl3pPr lvl="2" marR="0" rtl="0" algn="l">
+      <a:lvl3pPr marR="0" lvl="2" algn="l" rtl="0">
         <a:lnSpc>
           <a:spcPct val="100000"/>
         </a:lnSpc>
@@ -7835,7 +7914,7 @@
           <a:srgbClr val="000000"/>
         </a:buClr>
         <a:buFont typeface="Arial"/>
-        <a:defRPr b="0" i="0" sz="1400" u="none" cap="none" strike="noStrike">
+        <a:defRPr sz="1400" b="0" i="0" u="none" strike="noStrike" cap="none">
           <a:solidFill>
             <a:srgbClr val="000000"/>
           </a:solidFill>
@@ -7845,7 +7924,7 @@
           <a:sym typeface="Arial"/>
         </a:defRPr>
       </a:lvl3pPr>
-      <a:lvl4pPr lvl="3" marR="0" rtl="0" algn="l">
+      <a:lvl4pPr marR="0" lvl="3" algn="l" rtl="0">
         <a:lnSpc>
           <a:spcPct val="100000"/>
         </a:lnSpc>
@@ -7859,7 +7938,7 @@
           <a:srgbClr val="000000"/>
         </a:buClr>
         <a:buFont typeface="Arial"/>
-        <a:defRPr b="0" i="0" sz="1400" u="none" cap="none" strike="noStrike">
+        <a:defRPr sz="1400" b="0" i="0" u="none" strike="noStrike" cap="none">
           <a:solidFill>
             <a:srgbClr val="000000"/>
           </a:solidFill>
@@ -7869,7 +7948,7 @@
           <a:sym typeface="Arial"/>
         </a:defRPr>
       </a:lvl4pPr>
-      <a:lvl5pPr lvl="4" marR="0" rtl="0" algn="l">
+      <a:lvl5pPr marR="0" lvl="4" algn="l" rtl="0">
         <a:lnSpc>
           <a:spcPct val="100000"/>
         </a:lnSpc>
@@ -7883,7 +7962,7 @@
           <a:srgbClr val="000000"/>
         </a:buClr>
         <a:buFont typeface="Arial"/>
-        <a:defRPr b="0" i="0" sz="1400" u="none" cap="none" strike="noStrike">
+        <a:defRPr sz="1400" b="0" i="0" u="none" strike="noStrike" cap="none">
           <a:solidFill>
             <a:srgbClr val="000000"/>
           </a:solidFill>
@@ -7893,7 +7972,7 @@
           <a:sym typeface="Arial"/>
         </a:defRPr>
       </a:lvl5pPr>
-      <a:lvl6pPr lvl="5" marR="0" rtl="0" algn="l">
+      <a:lvl6pPr marR="0" lvl="5" algn="l" rtl="0">
         <a:lnSpc>
           <a:spcPct val="100000"/>
         </a:lnSpc>
@@ -7907,7 +7986,7 @@
           <a:srgbClr val="000000"/>
         </a:buClr>
         <a:buFont typeface="Arial"/>
-        <a:defRPr b="0" i="0" sz="1400" u="none" cap="none" strike="noStrike">
+        <a:defRPr sz="1400" b="0" i="0" u="none" strike="noStrike" cap="none">
           <a:solidFill>
             <a:srgbClr val="000000"/>
           </a:solidFill>
@@ -7917,7 +7996,7 @@
           <a:sym typeface="Arial"/>
         </a:defRPr>
       </a:lvl6pPr>
-      <a:lvl7pPr lvl="6" marR="0" rtl="0" algn="l">
+      <a:lvl7pPr marR="0" lvl="6" algn="l" rtl="0">
         <a:lnSpc>
           <a:spcPct val="100000"/>
         </a:lnSpc>
@@ -7931,7 +8010,7 @@
           <a:srgbClr val="000000"/>
         </a:buClr>
         <a:buFont typeface="Arial"/>
-        <a:defRPr b="0" i="0" sz="1400" u="none" cap="none" strike="noStrike">
+        <a:defRPr sz="1400" b="0" i="0" u="none" strike="noStrike" cap="none">
           <a:solidFill>
             <a:srgbClr val="000000"/>
           </a:solidFill>
@@ -7941,7 +8020,7 @@
           <a:sym typeface="Arial"/>
         </a:defRPr>
       </a:lvl7pPr>
-      <a:lvl8pPr lvl="7" marR="0" rtl="0" algn="l">
+      <a:lvl8pPr marR="0" lvl="7" algn="l" rtl="0">
         <a:lnSpc>
           <a:spcPct val="100000"/>
         </a:lnSpc>
@@ -7955,7 +8034,7 @@
           <a:srgbClr val="000000"/>
         </a:buClr>
         <a:buFont typeface="Arial"/>
-        <a:defRPr b="0" i="0" sz="1400" u="none" cap="none" strike="noStrike">
+        <a:defRPr sz="1400" b="0" i="0" u="none" strike="noStrike" cap="none">
           <a:solidFill>
             <a:srgbClr val="000000"/>
           </a:solidFill>
@@ -7965,7 +8044,7 @@
           <a:sym typeface="Arial"/>
         </a:defRPr>
       </a:lvl8pPr>
-      <a:lvl9pPr lvl="8" marR="0" rtl="0" algn="l">
+      <a:lvl9pPr marR="0" lvl="8" algn="l" rtl="0">
         <a:lnSpc>
           <a:spcPct val="100000"/>
         </a:lnSpc>
@@ -7979,7 +8058,7 @@
           <a:srgbClr val="000000"/>
         </a:buClr>
         <a:buFont typeface="Arial"/>
-        <a:defRPr b="0" i="0" sz="1400" u="none" cap="none" strike="noStrike">
+        <a:defRPr sz="1400" b="0" i="0" u="none" strike="noStrike" cap="none">
           <a:solidFill>
             <a:srgbClr val="000000"/>
           </a:solidFill>
@@ -7995,11 +8074,11 @@
 </file>
 
 <file path=ppt/slides/slide1.xml><?xml version="1.0" encoding="utf-8"?>
-<p:sld xmlns:a="http://schemas.openxmlformats.org/drawingml/2006/main" xmlns:r="http://schemas.openxmlformats.org/officeDocument/2006/relationships" xmlns:mc="http://schemas.openxmlformats.org/markup-compatibility/2006" xmlns:mv="urn:schemas-microsoft-com:mac:vml" xmlns:p="http://schemas.openxmlformats.org/presentationml/2006/main" xmlns:c="http://schemas.openxmlformats.org/drawingml/2006/chart" xmlns:dgm="http://schemas.openxmlformats.org/drawingml/2006/diagram" xmlns:o="urn:schemas-microsoft-com:office:office" xmlns:v="urn:schemas-microsoft-com:vml" xmlns:pvml="urn:schemas-microsoft-com:office:powerpoint" xmlns:com="http://schemas.openxmlformats.org/drawingml/2006/compatibility" xmlns:p14="http://schemas.microsoft.com/office/powerpoint/2010/main" xmlns:p15="http://schemas.microsoft.com/office/powerpoint/2012/main" xmlns:ahyp="http://schemas.microsoft.com/office/drawing/2018/hyperlinkcolor">
+<p:sld xmlns:a="http://schemas.openxmlformats.org/drawingml/2006/main" xmlns:r="http://schemas.openxmlformats.org/officeDocument/2006/relationships" xmlns:p="http://schemas.openxmlformats.org/presentationml/2006/main">
   <p:cSld>
     <p:spTree>
       <p:nvGrpSpPr>
-        <p:cNvPr id="84" name="Shape 84"/>
+        <p:cNvPr id="1" name="Shape 84"/>
         <p:cNvGrpSpPr/>
         <p:nvPr/>
       </p:nvGrpSpPr>
@@ -8014,7 +8093,9 @@
       <p:sp>
         <p:nvSpPr>
           <p:cNvPr id="85" name="Google Shape;85;p13"/>
-          <p:cNvSpPr txBox="1"/>
+          <p:cNvSpPr txBox="1">
+            <a:spLocks noGrp="1"/>
+          </p:cNvSpPr>
           <p:nvPr>
             <p:ph type="ctrTitle"/>
           </p:nvPr>
@@ -8029,12 +8110,12 @@
           </a:prstGeom>
         </p:spPr>
         <p:txBody>
-          <a:bodyPr anchorCtr="0" anchor="b" bIns="91425" lIns="91425" spcFirstLastPara="1" rIns="91425" wrap="square" tIns="91425">
+          <a:bodyPr spcFirstLastPara="1" wrap="square" lIns="91425" tIns="91425" rIns="91425" bIns="91425" anchor="b" anchorCtr="0">
             <a:noAutofit/>
           </a:bodyPr>
           <a:lstStyle/>
           <a:p>
-            <a:pPr indent="0" lvl="0" marL="0" rtl="0" algn="l">
+            <a:pPr marL="0" lvl="0" indent="0" algn="l" rtl="0">
               <a:spcBef>
                 <a:spcPts val="0"/>
               </a:spcBef>
@@ -8054,9 +8135,11 @@
       <p:sp>
         <p:nvSpPr>
           <p:cNvPr id="86" name="Google Shape;86;p13"/>
-          <p:cNvSpPr txBox="1"/>
+          <p:cNvSpPr txBox="1">
+            <a:spLocks noGrp="1"/>
+          </p:cNvSpPr>
           <p:nvPr>
-            <p:ph idx="1" type="subTitle"/>
+            <p:ph type="subTitle" idx="1"/>
           </p:nvPr>
         </p:nvSpPr>
         <p:spPr>
@@ -8069,12 +8152,12 @@
           </a:prstGeom>
         </p:spPr>
         <p:txBody>
-          <a:bodyPr anchorCtr="0" anchor="t" bIns="91425" lIns="91425" spcFirstLastPara="1" rIns="91425" wrap="square" tIns="91425">
+          <a:bodyPr spcFirstLastPara="1" wrap="square" lIns="91425" tIns="91425" rIns="91425" bIns="91425" anchor="t" anchorCtr="0">
             <a:noAutofit/>
           </a:bodyPr>
           <a:lstStyle/>
           <a:p>
-            <a:pPr indent="0" lvl="0" marL="0" rtl="0" algn="l">
+            <a:pPr marL="0" lvl="0" indent="0" algn="l" rtl="0">
               <a:spcBef>
                 <a:spcPts val="0"/>
               </a:spcBef>
@@ -8100,11 +8183,11 @@
 </file>
 
 <file path=ppt/slides/slide2.xml><?xml version="1.0" encoding="utf-8"?>
-<p:sld xmlns:a="http://schemas.openxmlformats.org/drawingml/2006/main" xmlns:r="http://schemas.openxmlformats.org/officeDocument/2006/relationships" xmlns:mc="http://schemas.openxmlformats.org/markup-compatibility/2006" xmlns:mv="urn:schemas-microsoft-com:mac:vml" xmlns:p="http://schemas.openxmlformats.org/presentationml/2006/main" xmlns:c="http://schemas.openxmlformats.org/drawingml/2006/chart" xmlns:dgm="http://schemas.openxmlformats.org/drawingml/2006/diagram" xmlns:o="urn:schemas-microsoft-com:office:office" xmlns:v="urn:schemas-microsoft-com:vml" xmlns:pvml="urn:schemas-microsoft-com:office:powerpoint" xmlns:com="http://schemas.openxmlformats.org/drawingml/2006/compatibility" xmlns:p14="http://schemas.microsoft.com/office/powerpoint/2010/main" xmlns:p15="http://schemas.microsoft.com/office/powerpoint/2012/main" xmlns:ahyp="http://schemas.microsoft.com/office/drawing/2018/hyperlinkcolor">
+<p:sld xmlns:a="http://schemas.openxmlformats.org/drawingml/2006/main" xmlns:r="http://schemas.openxmlformats.org/officeDocument/2006/relationships" xmlns:p="http://schemas.openxmlformats.org/presentationml/2006/main">
   <p:cSld>
     <p:spTree>
       <p:nvGrpSpPr>
-        <p:cNvPr id="90" name="Shape 90"/>
+        <p:cNvPr id="1" name="Shape 90"/>
         <p:cNvGrpSpPr/>
         <p:nvPr/>
       </p:nvGrpSpPr>
@@ -8119,7 +8202,9 @@
       <p:sp>
         <p:nvSpPr>
           <p:cNvPr id="91" name="Google Shape;91;p14"/>
-          <p:cNvSpPr txBox="1"/>
+          <p:cNvSpPr txBox="1">
+            <a:spLocks noGrp="1"/>
+          </p:cNvSpPr>
           <p:nvPr>
             <p:ph type="title"/>
           </p:nvPr>
@@ -8134,12 +8219,12 @@
           </a:prstGeom>
         </p:spPr>
         <p:txBody>
-          <a:bodyPr anchorCtr="0" anchor="t" bIns="91425" lIns="91425" spcFirstLastPara="1" rIns="91425" wrap="square" tIns="91425">
+          <a:bodyPr spcFirstLastPara="1" wrap="square" lIns="91425" tIns="91425" rIns="91425" bIns="91425" anchor="t" anchorCtr="0">
             <a:normAutofit fontScale="90000"/>
           </a:bodyPr>
           <a:lstStyle/>
           <a:p>
-            <a:pPr indent="0" lvl="0" marL="0" rtl="0" algn="l">
+            <a:pPr marL="0" lvl="0" indent="0" algn="l" rtl="0">
               <a:spcBef>
                 <a:spcPts val="0"/>
               </a:spcBef>
@@ -8169,7 +8254,7 @@
           </a:xfrm>
           <a:prstGeom prst="homePlate">
             <a:avLst>
-              <a:gd fmla="val 50000" name="adj"/>
+              <a:gd name="adj" fmla="val 50000"/>
             </a:avLst>
           </a:prstGeom>
           <a:solidFill>
@@ -8180,12 +8265,12 @@
           </a:ln>
         </p:spPr>
         <p:txBody>
-          <a:bodyPr anchorCtr="0" anchor="ctr" bIns="121875" lIns="121875" spcFirstLastPara="1" rIns="121875" wrap="square" tIns="121875">
+          <a:bodyPr spcFirstLastPara="1" wrap="square" lIns="121875" tIns="121875" rIns="121875" bIns="121875" anchor="ctr" anchorCtr="0">
             <a:noAutofit/>
           </a:bodyPr>
           <a:lstStyle/>
           <a:p>
-            <a:pPr indent="0" lvl="0" marL="0" rtl="0" algn="l">
+            <a:pPr marL="0" lvl="0" indent="0" algn="l" rtl="0">
               <a:spcBef>
                 <a:spcPts val="0"/>
               </a:spcBef>
@@ -8194,9 +8279,6 @@
               </a:spcAft>
               <a:buNone/>
             </a:pPr>
-            <a:r>
-              <a:t/>
-            </a:r>
             <a:endParaRPr/>
           </a:p>
         </p:txBody>
@@ -8204,9 +8286,11 @@
       <p:sp>
         <p:nvSpPr>
           <p:cNvPr id="93" name="Google Shape;93;p14"/>
-          <p:cNvSpPr txBox="1"/>
+          <p:cNvSpPr txBox="1">
+            <a:spLocks noGrp="1"/>
+          </p:cNvSpPr>
           <p:nvPr>
-            <p:ph idx="4294967295" type="body"/>
+            <p:ph type="body" idx="4294967295"/>
           </p:nvPr>
         </p:nvSpPr>
         <p:spPr>
@@ -8219,12 +8303,12 @@
           </a:prstGeom>
         </p:spPr>
         <p:txBody>
-          <a:bodyPr anchorCtr="0" anchor="ctr" bIns="91425" lIns="91425" spcFirstLastPara="1" rIns="91425" wrap="square" tIns="91425">
+          <a:bodyPr spcFirstLastPara="1" wrap="square" lIns="91425" tIns="91425" rIns="91425" bIns="91425" anchor="ctr" anchorCtr="0">
             <a:noAutofit/>
           </a:bodyPr>
           <a:lstStyle/>
           <a:p>
-            <a:pPr indent="0" lvl="0" marL="0" rtl="0" algn="l">
+            <a:pPr marL="0" lvl="0" indent="0" algn="l" rtl="0">
               <a:lnSpc>
                 <a:spcPct val="100000"/>
               </a:lnSpc>
@@ -8255,9 +8339,11 @@
       <p:sp>
         <p:nvSpPr>
           <p:cNvPr id="94" name="Google Shape;94;p14"/>
-          <p:cNvSpPr txBox="1"/>
+          <p:cNvSpPr txBox="1">
+            <a:spLocks noGrp="1"/>
+          </p:cNvSpPr>
           <p:nvPr>
-            <p:ph idx="4294967295" type="body"/>
+            <p:ph type="body" idx="4294967295"/>
           </p:nvPr>
         </p:nvSpPr>
         <p:spPr>
@@ -8270,12 +8356,12 @@
           </a:prstGeom>
         </p:spPr>
         <p:txBody>
-          <a:bodyPr anchorCtr="0" anchor="t" bIns="91425" lIns="91425" spcFirstLastPara="1" rIns="91425" wrap="square" tIns="91425">
+          <a:bodyPr spcFirstLastPara="1" wrap="square" lIns="91425" tIns="91425" rIns="91425" bIns="91425" anchor="t" anchorCtr="0">
             <a:noAutofit/>
           </a:bodyPr>
           <a:lstStyle/>
           <a:p>
-            <a:pPr indent="0" lvl="0" marL="0" rtl="0" algn="l">
+            <a:pPr marL="0" lvl="0" indent="0" algn="l" rtl="0">
               <a:spcBef>
                 <a:spcPts val="0"/>
               </a:spcBef>
@@ -8285,13 +8371,13 @@
               <a:buNone/>
             </a:pPr>
             <a:r>
-              <a:rPr b="1" lang="en" sz="1600"/>
+              <a:rPr lang="en" sz="1600" b="1"/>
               <a:t>Spending data</a:t>
             </a:r>
-            <a:endParaRPr b="1" sz="1600"/>
+            <a:endParaRPr sz="1600" b="1"/>
           </a:p>
           <a:p>
-            <a:pPr indent="0" lvl="0" marL="0" rtl="0" algn="l">
+            <a:pPr marL="0" lvl="0" indent="0" algn="l" rtl="0">
               <a:spcBef>
                 <a:spcPts val="800"/>
               </a:spcBef>
@@ -8302,15 +8388,7 @@
             </a:pPr>
             <a:r>
               <a:rPr lang="en" sz="1600"/>
-              <a:t>Individual spending data collected on consumers can be used to enhance consumer value or used in ways </a:t>
-            </a:r>
-            <a:r>
-              <a:rPr lang="en" sz="1600"/>
-              <a:t>which</a:t>
-            </a:r>
-            <a:r>
-              <a:rPr lang="en" sz="1600"/>
-              <a:t> may act against the consumer.</a:t>
+              <a:t>Individual spending data collected on consumers can be used to enhance consumer value or used in ways which may act against the consumer.</a:t>
             </a:r>
             <a:endParaRPr sz="1600"/>
           </a:p>
@@ -8329,7 +8407,7 @@
           </a:xfrm>
           <a:prstGeom prst="chevron">
             <a:avLst>
-              <a:gd fmla="val 50000" name="adj"/>
+              <a:gd name="adj" fmla="val 50000"/>
             </a:avLst>
           </a:prstGeom>
           <a:solidFill>
@@ -8340,12 +8418,12 @@
           </a:ln>
         </p:spPr>
         <p:txBody>
-          <a:bodyPr anchorCtr="0" anchor="ctr" bIns="121875" lIns="121875" spcFirstLastPara="1" rIns="121875" wrap="square" tIns="121875">
+          <a:bodyPr spcFirstLastPara="1" wrap="square" lIns="121875" tIns="121875" rIns="121875" bIns="121875" anchor="ctr" anchorCtr="0">
             <a:noAutofit/>
           </a:bodyPr>
           <a:lstStyle/>
           <a:p>
-            <a:pPr indent="0" lvl="0" marL="0" rtl="0" algn="l">
+            <a:pPr marL="0" lvl="0" indent="0" algn="l" rtl="0">
               <a:spcBef>
                 <a:spcPts val="0"/>
               </a:spcBef>
@@ -8354,9 +8432,6 @@
               </a:spcAft>
               <a:buNone/>
             </a:pPr>
-            <a:r>
-              <a:t/>
-            </a:r>
             <a:endParaRPr/>
           </a:p>
         </p:txBody>
@@ -8364,9 +8439,11 @@
       <p:sp>
         <p:nvSpPr>
           <p:cNvPr id="96" name="Google Shape;96;p14"/>
-          <p:cNvSpPr txBox="1"/>
+          <p:cNvSpPr txBox="1">
+            <a:spLocks noGrp="1"/>
+          </p:cNvSpPr>
           <p:nvPr>
-            <p:ph idx="4294967295" type="body"/>
+            <p:ph type="body" idx="4294967295"/>
           </p:nvPr>
         </p:nvSpPr>
         <p:spPr>
@@ -8379,12 +8456,12 @@
           </a:prstGeom>
         </p:spPr>
         <p:txBody>
-          <a:bodyPr anchorCtr="0" anchor="ctr" bIns="91425" lIns="91425" spcFirstLastPara="1" rIns="91425" wrap="square" tIns="91425">
+          <a:bodyPr spcFirstLastPara="1" wrap="square" lIns="91425" tIns="91425" rIns="91425" bIns="91425" anchor="ctr" anchorCtr="0">
             <a:noAutofit/>
           </a:bodyPr>
           <a:lstStyle/>
           <a:p>
-            <a:pPr indent="0" lvl="0" marL="0" rtl="0" algn="l">
+            <a:pPr marL="0" lvl="0" indent="0" algn="l" rtl="0">
               <a:lnSpc>
                 <a:spcPct val="100000"/>
               </a:lnSpc>
@@ -8415,9 +8492,11 @@
       <p:sp>
         <p:nvSpPr>
           <p:cNvPr id="97" name="Google Shape;97;p14"/>
-          <p:cNvSpPr txBox="1"/>
+          <p:cNvSpPr txBox="1">
+            <a:spLocks noGrp="1"/>
+          </p:cNvSpPr>
           <p:nvPr>
-            <p:ph idx="4294967295" type="body"/>
+            <p:ph type="body" idx="4294967295"/>
           </p:nvPr>
         </p:nvSpPr>
         <p:spPr>
@@ -8430,12 +8509,12 @@
           </a:prstGeom>
         </p:spPr>
         <p:txBody>
-          <a:bodyPr anchorCtr="0" anchor="t" bIns="91425" lIns="91425" spcFirstLastPara="1" rIns="91425" wrap="square" tIns="91425">
+          <a:bodyPr spcFirstLastPara="1" wrap="square" lIns="91425" tIns="91425" rIns="91425" bIns="91425" anchor="t" anchorCtr="0">
             <a:noAutofit/>
           </a:bodyPr>
           <a:lstStyle/>
           <a:p>
-            <a:pPr indent="0" lvl="0" marL="0" rtl="0" algn="l">
+            <a:pPr marL="0" lvl="0" indent="0" algn="l" rtl="0">
               <a:spcBef>
                 <a:spcPts val="0"/>
               </a:spcBef>
@@ -8445,13 +8524,13 @@
               <a:buNone/>
             </a:pPr>
             <a:r>
-              <a:rPr b="1" lang="en" sz="1600"/>
+              <a:rPr lang="en" sz="1600" b="1"/>
               <a:t>Benefits the consumer</a:t>
             </a:r>
             <a:endParaRPr sz="1600"/>
           </a:p>
           <a:p>
-            <a:pPr indent="-330200" lvl="0" marL="457200" rtl="0" algn="l">
+            <a:pPr marL="457200" lvl="0" indent="-330200" algn="l" rtl="0">
               <a:spcBef>
                 <a:spcPts val="800"/>
               </a:spcBef>
@@ -8468,7 +8547,7 @@
             <a:endParaRPr sz="1600"/>
           </a:p>
           <a:p>
-            <a:pPr indent="-330200" lvl="0" marL="457200" rtl="0" algn="l">
+            <a:pPr marL="457200" lvl="0" indent="-330200" algn="l" rtl="0">
               <a:spcBef>
                 <a:spcPts val="800"/>
               </a:spcBef>
@@ -8485,7 +8564,7 @@
             <a:endParaRPr sz="1600"/>
           </a:p>
           <a:p>
-            <a:pPr indent="-330200" lvl="0" marL="457200" rtl="0" algn="l">
+            <a:pPr marL="457200" lvl="0" indent="-330200" algn="l" rtl="0">
               <a:spcBef>
                 <a:spcPts val="800"/>
               </a:spcBef>
@@ -8497,15 +8576,7 @@
             </a:pPr>
             <a:r>
               <a:rPr lang="en" sz="1600"/>
-              <a:t>Financial product </a:t>
-            </a:r>
-            <a:r>
-              <a:rPr lang="en" sz="1600"/>
-              <a:t>recommendations</a:t>
-            </a:r>
-            <a:r>
-              <a:rPr lang="en" sz="1600"/>
-              <a:t> to achieve goals</a:t>
+              <a:t>Financial product recommendations to achieve goals</a:t>
             </a:r>
             <a:endParaRPr sz="1600"/>
           </a:p>
@@ -8524,7 +8595,7 @@
           </a:xfrm>
           <a:prstGeom prst="chevron">
             <a:avLst>
-              <a:gd fmla="val 50000" name="adj"/>
+              <a:gd name="adj" fmla="val 50000"/>
             </a:avLst>
           </a:prstGeom>
           <a:solidFill>
@@ -8535,12 +8606,12 @@
           </a:ln>
         </p:spPr>
         <p:txBody>
-          <a:bodyPr anchorCtr="0" anchor="ctr" bIns="121875" lIns="121875" spcFirstLastPara="1" rIns="121875" wrap="square" tIns="121875">
+          <a:bodyPr spcFirstLastPara="1" wrap="square" lIns="121875" tIns="121875" rIns="121875" bIns="121875" anchor="ctr" anchorCtr="0">
             <a:noAutofit/>
           </a:bodyPr>
           <a:lstStyle/>
           <a:p>
-            <a:pPr indent="0" lvl="0" marL="0" rtl="0" algn="l">
+            <a:pPr marL="0" lvl="0" indent="0" algn="l" rtl="0">
               <a:spcBef>
                 <a:spcPts val="0"/>
               </a:spcBef>
@@ -8549,9 +8620,6 @@
               </a:spcAft>
               <a:buNone/>
             </a:pPr>
-            <a:r>
-              <a:t/>
-            </a:r>
             <a:endParaRPr/>
           </a:p>
         </p:txBody>
@@ -8559,9 +8627,11 @@
       <p:sp>
         <p:nvSpPr>
           <p:cNvPr id="99" name="Google Shape;99;p14"/>
-          <p:cNvSpPr txBox="1"/>
+          <p:cNvSpPr txBox="1">
+            <a:spLocks noGrp="1"/>
+          </p:cNvSpPr>
           <p:nvPr>
-            <p:ph idx="4294967295" type="body"/>
+            <p:ph type="body" idx="4294967295"/>
           </p:nvPr>
         </p:nvSpPr>
         <p:spPr>
@@ -8574,12 +8644,12 @@
           </a:prstGeom>
         </p:spPr>
         <p:txBody>
-          <a:bodyPr anchorCtr="0" anchor="ctr" bIns="91425" lIns="91425" spcFirstLastPara="1" rIns="91425" wrap="square" tIns="91425">
+          <a:bodyPr spcFirstLastPara="1" wrap="square" lIns="91425" tIns="91425" rIns="91425" bIns="91425" anchor="ctr" anchorCtr="0">
             <a:noAutofit/>
           </a:bodyPr>
           <a:lstStyle/>
           <a:p>
-            <a:pPr indent="0" lvl="0" marL="0" rtl="0" algn="l">
+            <a:pPr marL="0" lvl="0" indent="0" algn="l" rtl="0">
               <a:lnSpc>
                 <a:spcPct val="100000"/>
               </a:lnSpc>
@@ -8610,9 +8680,11 @@
       <p:sp>
         <p:nvSpPr>
           <p:cNvPr id="100" name="Google Shape;100;p14"/>
-          <p:cNvSpPr txBox="1"/>
+          <p:cNvSpPr txBox="1">
+            <a:spLocks noGrp="1"/>
+          </p:cNvSpPr>
           <p:nvPr>
-            <p:ph idx="4294967295" type="body"/>
+            <p:ph type="body" idx="4294967295"/>
           </p:nvPr>
         </p:nvSpPr>
         <p:spPr>
@@ -8625,12 +8697,12 @@
           </a:prstGeom>
         </p:spPr>
         <p:txBody>
-          <a:bodyPr anchorCtr="0" anchor="t" bIns="91425" lIns="91425" spcFirstLastPara="1" rIns="91425" wrap="square" tIns="91425">
+          <a:bodyPr spcFirstLastPara="1" wrap="square" lIns="91425" tIns="91425" rIns="91425" bIns="91425" anchor="t" anchorCtr="0">
             <a:noAutofit/>
           </a:bodyPr>
           <a:lstStyle/>
           <a:p>
-            <a:pPr indent="0" lvl="0" marL="0" rtl="0" algn="l">
+            <a:pPr marL="0" lvl="0" indent="0" algn="l" rtl="0">
               <a:spcBef>
                 <a:spcPts val="0"/>
               </a:spcBef>
@@ -8640,13 +8712,13 @@
               <a:buNone/>
             </a:pPr>
             <a:r>
-              <a:rPr b="1" lang="en" sz="1600"/>
+              <a:rPr lang="en" sz="1600" b="1"/>
               <a:t>Unintended consent</a:t>
             </a:r>
-            <a:endParaRPr b="1" sz="1600"/>
+            <a:endParaRPr sz="1600" b="1"/>
           </a:p>
           <a:p>
-            <a:pPr indent="-330200" lvl="0" marL="457200" rtl="0" algn="l">
+            <a:pPr marL="457200" lvl="0" indent="-330200" algn="l" rtl="0">
               <a:spcBef>
                 <a:spcPts val="800"/>
               </a:spcBef>
@@ -8663,7 +8735,7 @@
             <a:endParaRPr sz="1600"/>
           </a:p>
           <a:p>
-            <a:pPr indent="-330200" lvl="0" marL="457200" rtl="0" algn="l">
+            <a:pPr marL="457200" lvl="0" indent="-330200" algn="l" rtl="0">
               <a:spcBef>
                 <a:spcPts val="800"/>
               </a:spcBef>
@@ -8680,7 +8752,7 @@
             <a:endParaRPr sz="1600"/>
           </a:p>
           <a:p>
-            <a:pPr indent="-330200" lvl="0" marL="457200" rtl="0" algn="l">
+            <a:pPr marL="457200" lvl="0" indent="-330200" algn="l" rtl="0">
               <a:spcBef>
                 <a:spcPts val="800"/>
               </a:spcBef>
@@ -8697,7 +8769,7 @@
             <a:endParaRPr sz="1600"/>
           </a:p>
           <a:p>
-            <a:pPr indent="-330200" lvl="0" marL="457200" rtl="0" algn="l">
+            <a:pPr marL="457200" lvl="0" indent="-330200" algn="l" rtl="0">
               <a:spcBef>
                 <a:spcPts val="800"/>
               </a:spcBef>
@@ -8714,7 +8786,7 @@
             <a:endParaRPr sz="1600"/>
           </a:p>
           <a:p>
-            <a:pPr indent="0" lvl="0" marL="457200" rtl="0" algn="l">
+            <a:pPr marL="457200" lvl="0" indent="0" algn="l" rtl="0">
               <a:spcBef>
                 <a:spcPts val="800"/>
               </a:spcBef>
@@ -8723,9 +8795,6 @@
               </a:spcAft>
               <a:buNone/>
             </a:pPr>
-            <a:r>
-              <a:t/>
-            </a:r>
             <a:endParaRPr sz="1600"/>
           </a:p>
         </p:txBody>
@@ -8739,11 +8808,11 @@
 </file>
 
 <file path=ppt/slides/slide3.xml><?xml version="1.0" encoding="utf-8"?>
-<p:sld xmlns:a="http://schemas.openxmlformats.org/drawingml/2006/main" xmlns:r="http://schemas.openxmlformats.org/officeDocument/2006/relationships" xmlns:mc="http://schemas.openxmlformats.org/markup-compatibility/2006" xmlns:mv="urn:schemas-microsoft-com:mac:vml" xmlns:p="http://schemas.openxmlformats.org/presentationml/2006/main" xmlns:c="http://schemas.openxmlformats.org/drawingml/2006/chart" xmlns:dgm="http://schemas.openxmlformats.org/drawingml/2006/diagram" xmlns:o="urn:schemas-microsoft-com:office:office" xmlns:v="urn:schemas-microsoft-com:vml" xmlns:pvml="urn:schemas-microsoft-com:office:powerpoint" xmlns:com="http://schemas.openxmlformats.org/drawingml/2006/compatibility" xmlns:p14="http://schemas.microsoft.com/office/powerpoint/2010/main" xmlns:p15="http://schemas.microsoft.com/office/powerpoint/2012/main" xmlns:ahyp="http://schemas.microsoft.com/office/drawing/2018/hyperlinkcolor">
+<p:sld xmlns:a="http://schemas.openxmlformats.org/drawingml/2006/main" xmlns:r="http://schemas.openxmlformats.org/officeDocument/2006/relationships" xmlns:p="http://schemas.openxmlformats.org/presentationml/2006/main">
   <p:cSld>
     <p:spTree>
       <p:nvGrpSpPr>
-        <p:cNvPr id="104" name="Shape 104"/>
+        <p:cNvPr id="1" name="Shape 104"/>
         <p:cNvGrpSpPr/>
         <p:nvPr/>
       </p:nvGrpSpPr>
@@ -8758,7 +8827,9 @@
       <p:sp>
         <p:nvSpPr>
           <p:cNvPr id="105" name="Google Shape;105;p15"/>
-          <p:cNvSpPr txBox="1"/>
+          <p:cNvSpPr txBox="1">
+            <a:spLocks noGrp="1"/>
+          </p:cNvSpPr>
           <p:nvPr>
             <p:ph type="ctrTitle"/>
           </p:nvPr>
@@ -8773,12 +8844,12 @@
           </a:prstGeom>
         </p:spPr>
         <p:txBody>
-          <a:bodyPr anchorCtr="0" anchor="b" bIns="91425" lIns="91425" spcFirstLastPara="1" rIns="91425" wrap="square" tIns="91425">
+          <a:bodyPr spcFirstLastPara="1" wrap="square" lIns="91425" tIns="91425" rIns="91425" bIns="91425" anchor="b" anchorCtr="0">
             <a:noAutofit/>
           </a:bodyPr>
           <a:lstStyle/>
           <a:p>
-            <a:pPr indent="0" lvl="0" marL="0" rtl="0" algn="l">
+            <a:pPr marL="0" lvl="0" indent="0" algn="l" rtl="0">
               <a:spcBef>
                 <a:spcPts val="0"/>
               </a:spcBef>
@@ -8798,9 +8869,11 @@
       <p:sp>
         <p:nvSpPr>
           <p:cNvPr id="106" name="Google Shape;106;p15"/>
-          <p:cNvSpPr txBox="1"/>
+          <p:cNvSpPr txBox="1">
+            <a:spLocks noGrp="1"/>
+          </p:cNvSpPr>
           <p:nvPr>
-            <p:ph idx="1" type="subTitle"/>
+            <p:ph type="subTitle" idx="1"/>
           </p:nvPr>
         </p:nvSpPr>
         <p:spPr>
@@ -8813,12 +8886,12 @@
           </a:prstGeom>
         </p:spPr>
         <p:txBody>
-          <a:bodyPr anchorCtr="0" anchor="t" bIns="91425" lIns="91425" spcFirstLastPara="1" rIns="91425" wrap="square" tIns="91425">
+          <a:bodyPr spcFirstLastPara="1" wrap="square" lIns="91425" tIns="91425" rIns="91425" bIns="91425" anchor="t" anchorCtr="0">
             <a:noAutofit/>
           </a:bodyPr>
           <a:lstStyle/>
           <a:p>
-            <a:pPr indent="0" lvl="0" marL="0" rtl="0" algn="l">
+            <a:pPr marL="0" lvl="0" indent="0" algn="l" rtl="0">
               <a:spcBef>
                 <a:spcPts val="0"/>
               </a:spcBef>
@@ -8844,29 +8917,29 @@
         <p:spPr>
           <a:xfrm>
             <a:off x="571500" y="1951475"/>
-            <a:ext cx="5910300" cy="2770500"/>
+            <a:ext cx="5910300" cy="2554515"/>
           </a:xfrm>
           <a:prstGeom prst="rect">
             <a:avLst/>
           </a:prstGeom>
           <a:noFill/>
-          <a:ln cap="flat" cmpd="sng" w="9525">
+          <a:ln w="9525" cap="flat" cmpd="sng">
             <a:solidFill>
               <a:srgbClr val="FFFFFF"/>
             </a:solidFill>
             <a:prstDash val="solid"/>
             <a:round/>
-            <a:headEnd len="sm" w="sm" type="none"/>
-            <a:tailEnd len="sm" w="sm" type="none"/>
+            <a:headEnd type="none" w="sm" len="sm"/>
+            <a:tailEnd type="none" w="sm" len="sm"/>
           </a:ln>
         </p:spPr>
         <p:txBody>
-          <a:bodyPr anchorCtr="0" anchor="t" bIns="91425" lIns="91425" spcFirstLastPara="1" rIns="91425" wrap="square" tIns="91425">
+          <a:bodyPr spcFirstLastPara="1" wrap="square" lIns="91425" tIns="91425" rIns="91425" bIns="91425" anchor="t" anchorCtr="0">
             <a:spAutoFit/>
           </a:bodyPr>
           <a:lstStyle/>
           <a:p>
-            <a:pPr indent="-317500" lvl="0" marL="457200" rtl="0" algn="l">
+            <a:pPr marL="457200" lvl="0" indent="-317500" algn="l" rtl="0">
               <a:spcBef>
                 <a:spcPts val="0"/>
               </a:spcBef>
@@ -8881,7 +8954,7 @@
               <a:buChar char="●"/>
             </a:pPr>
             <a:r>
-              <a:rPr lang="en">
+              <a:rPr lang="en" dirty="0">
                 <a:solidFill>
                   <a:schemeClr val="lt1"/>
                 </a:solidFill>
@@ -8890,33 +8963,9 @@
                 <a:cs typeface="Roboto"/>
                 <a:sym typeface="Roboto"/>
               </a:rPr>
-              <a:t>Consumer </a:t>
+              <a:t>Consumer subscribers to Superbikes magazine</a:t>
             </a:r>
-            <a:r>
-              <a:rPr lang="en">
-                <a:solidFill>
-                  <a:schemeClr val="lt1"/>
-                </a:solidFill>
-                <a:latin typeface="Roboto"/>
-                <a:ea typeface="Roboto"/>
-                <a:cs typeface="Roboto"/>
-                <a:sym typeface="Roboto"/>
-              </a:rPr>
-              <a:t>subscribers</a:t>
-            </a:r>
-            <a:r>
-              <a:rPr lang="en">
-                <a:solidFill>
-                  <a:schemeClr val="lt1"/>
-                </a:solidFill>
-                <a:latin typeface="Roboto"/>
-                <a:ea typeface="Roboto"/>
-                <a:cs typeface="Roboto"/>
-                <a:sym typeface="Roboto"/>
-              </a:rPr>
-              <a:t> to Superbikes magazine</a:t>
-            </a:r>
-            <a:endParaRPr>
+            <a:endParaRPr dirty="0">
               <a:solidFill>
                 <a:schemeClr val="lt1"/>
               </a:solidFill>
@@ -8927,7 +8976,7 @@
             </a:endParaRPr>
           </a:p>
           <a:p>
-            <a:pPr indent="-317500" lvl="0" marL="457200" rtl="0" algn="l">
+            <a:pPr marL="457200" lvl="0" indent="-317500" algn="l" rtl="0">
               <a:spcBef>
                 <a:spcPts val="0"/>
               </a:spcBef>
@@ -8942,7 +8991,7 @@
               <a:buChar char="●"/>
             </a:pPr>
             <a:r>
-              <a:rPr lang="en">
+              <a:rPr lang="en" dirty="0">
                 <a:solidFill>
                   <a:schemeClr val="lt1"/>
                 </a:solidFill>
@@ -8953,7 +9002,7 @@
               </a:rPr>
               <a:t>Consumer does not spend at petrol stations </a:t>
             </a:r>
-            <a:endParaRPr>
+            <a:endParaRPr dirty="0">
               <a:solidFill>
                 <a:schemeClr val="lt1"/>
               </a:solidFill>
@@ -8964,7 +9013,7 @@
             </a:endParaRPr>
           </a:p>
           <a:p>
-            <a:pPr indent="-317500" lvl="0" marL="457200" rtl="0" algn="l">
+            <a:pPr marL="457200" lvl="0" indent="-317500" algn="l" rtl="0">
               <a:spcBef>
                 <a:spcPts val="0"/>
               </a:spcBef>
@@ -8979,7 +9028,7 @@
               <a:buChar char="●"/>
             </a:pPr>
             <a:r>
-              <a:rPr lang="en">
+              <a:rPr lang="en" dirty="0">
                 <a:solidFill>
                   <a:schemeClr val="lt1"/>
                 </a:solidFill>
@@ -8990,7 +9039,7 @@
               </a:rPr>
               <a:t>Consumer make no payments to a vehicle plan at present</a:t>
             </a:r>
-            <a:endParaRPr>
+            <a:endParaRPr dirty="0">
               <a:solidFill>
                 <a:schemeClr val="lt1"/>
               </a:solidFill>
@@ -9001,7 +9050,7 @@
             </a:endParaRPr>
           </a:p>
           <a:p>
-            <a:pPr indent="-317500" lvl="0" marL="457200" rtl="0" algn="l">
+            <a:pPr marL="457200" lvl="0" indent="-317500" algn="l" rtl="0">
               <a:spcBef>
                 <a:spcPts val="0"/>
               </a:spcBef>
@@ -9016,7 +9065,7 @@
               <a:buChar char="●"/>
             </a:pPr>
             <a:r>
-              <a:rPr lang="en">
+              <a:rPr lang="en" dirty="0">
                 <a:solidFill>
                   <a:schemeClr val="lt1"/>
                 </a:solidFill>
@@ -9025,33 +9074,9 @@
                 <a:cs typeface="Roboto"/>
                 <a:sym typeface="Roboto"/>
               </a:rPr>
-              <a:t>Third-party (e.g. Honda UK Finance Ltd) </a:t>
+              <a:t>Third-party (e.g. Honda UK Ltd) launches a new motorcycle financing offer with attractive terms for creditworthy customers</a:t>
             </a:r>
-            <a:r>
-              <a:rPr lang="en">
-                <a:solidFill>
-                  <a:schemeClr val="lt1"/>
-                </a:solidFill>
-                <a:latin typeface="Roboto"/>
-                <a:ea typeface="Roboto"/>
-                <a:cs typeface="Roboto"/>
-                <a:sym typeface="Roboto"/>
-              </a:rPr>
-              <a:t>launches</a:t>
-            </a:r>
-            <a:r>
-              <a:rPr lang="en">
-                <a:solidFill>
-                  <a:schemeClr val="lt1"/>
-                </a:solidFill>
-                <a:latin typeface="Roboto"/>
-                <a:ea typeface="Roboto"/>
-                <a:cs typeface="Roboto"/>
-                <a:sym typeface="Roboto"/>
-              </a:rPr>
-              <a:t> a new motorcycle financing offer with attractive terms</a:t>
-            </a:r>
-            <a:endParaRPr>
+            <a:endParaRPr dirty="0">
               <a:solidFill>
                 <a:schemeClr val="lt1"/>
               </a:solidFill>
@@ -9062,7 +9087,7 @@
             </a:endParaRPr>
           </a:p>
           <a:p>
-            <a:pPr indent="-317500" lvl="0" marL="457200" rtl="0" algn="l">
+            <a:pPr marL="457200" lvl="0" indent="-317500" algn="l" rtl="0">
               <a:spcBef>
                 <a:spcPts val="0"/>
               </a:spcBef>
@@ -9077,7 +9102,7 @@
               <a:buChar char="●"/>
             </a:pPr>
             <a:r>
-              <a:rPr lang="en">
+              <a:rPr lang="en" dirty="0">
                 <a:solidFill>
                   <a:schemeClr val="lt1"/>
                 </a:solidFill>
@@ -9086,33 +9111,9 @@
                 <a:cs typeface="Roboto"/>
                 <a:sym typeface="Roboto"/>
               </a:rPr>
-              <a:t>AI determines the customer could be interested in </a:t>
+              <a:t>AI determines the customer could be interested in purchasing a new bike; does not have an existing vehicle; can afford to make regular payments; may be interested in purchasing a bike; so informs the customer of the new deal from Honda.</a:t>
             </a:r>
-            <a:r>
-              <a:rPr lang="en">
-                <a:solidFill>
-                  <a:schemeClr val="lt1"/>
-                </a:solidFill>
-                <a:latin typeface="Roboto"/>
-                <a:ea typeface="Roboto"/>
-                <a:cs typeface="Roboto"/>
-                <a:sym typeface="Roboto"/>
-              </a:rPr>
-              <a:t>purchasing</a:t>
-            </a:r>
-            <a:r>
-              <a:rPr lang="en">
-                <a:solidFill>
-                  <a:schemeClr val="lt1"/>
-                </a:solidFill>
-                <a:latin typeface="Roboto"/>
-                <a:ea typeface="Roboto"/>
-                <a:cs typeface="Roboto"/>
-                <a:sym typeface="Roboto"/>
-              </a:rPr>
-              <a:t> a new bike; does not have an existing vehicle; can afford to make regular payments; may be interested in purchasing a bike; so informs the customer of the new deal from Honda.</a:t>
-            </a:r>
-            <a:endParaRPr>
+            <a:endParaRPr dirty="0">
               <a:solidFill>
                 <a:schemeClr val="lt1"/>
               </a:solidFill>
@@ -9123,7 +9124,7 @@
             </a:endParaRPr>
           </a:p>
           <a:p>
-            <a:pPr indent="-317500" lvl="0" marL="457200" rtl="0" algn="l">
+            <a:pPr marL="457200" lvl="0" indent="-317500" algn="l" rtl="0">
               <a:spcBef>
                 <a:spcPts val="0"/>
               </a:spcBef>
@@ -9138,7 +9139,7 @@
               <a:buChar char="●"/>
             </a:pPr>
             <a:r>
-              <a:rPr lang="en">
+              <a:rPr lang="en" dirty="0">
                 <a:solidFill>
                   <a:schemeClr val="lt1"/>
                 </a:solidFill>
@@ -9147,9 +9148,9 @@
                 <a:cs typeface="Roboto"/>
                 <a:sym typeface="Roboto"/>
               </a:rPr>
-              <a:t>Customer was not aware of the Honda offer, and does like their bikes, so makes the purchase and is confident they will make payments.</a:t>
+              <a:t>Customer was not aware of the Honda offer before the AI bot suggestion, and does like that brand, so makes the purchase.</a:t>
             </a:r>
-            <a:endParaRPr>
+            <a:endParaRPr dirty="0">
               <a:solidFill>
                 <a:schemeClr val="lt1"/>
               </a:solidFill>
@@ -9198,11 +9199,11 @@
 </file>
 
 <file path=ppt/slides/slide4.xml><?xml version="1.0" encoding="utf-8"?>
-<p:sld xmlns:a="http://schemas.openxmlformats.org/drawingml/2006/main" xmlns:r="http://schemas.openxmlformats.org/officeDocument/2006/relationships" xmlns:mc="http://schemas.openxmlformats.org/markup-compatibility/2006" xmlns:mv="urn:schemas-microsoft-com:mac:vml" xmlns:p="http://schemas.openxmlformats.org/presentationml/2006/main" xmlns:c="http://schemas.openxmlformats.org/drawingml/2006/chart" xmlns:dgm="http://schemas.openxmlformats.org/drawingml/2006/diagram" xmlns:o="urn:schemas-microsoft-com:office:office" xmlns:v="urn:schemas-microsoft-com:vml" xmlns:pvml="urn:schemas-microsoft-com:office:powerpoint" xmlns:com="http://schemas.openxmlformats.org/drawingml/2006/compatibility" xmlns:p14="http://schemas.microsoft.com/office/powerpoint/2010/main" xmlns:p15="http://schemas.microsoft.com/office/powerpoint/2012/main" xmlns:ahyp="http://schemas.microsoft.com/office/drawing/2018/hyperlinkcolor">
+<p:sld xmlns:a="http://schemas.openxmlformats.org/drawingml/2006/main" xmlns:r="http://schemas.openxmlformats.org/officeDocument/2006/relationships" xmlns:p="http://schemas.openxmlformats.org/presentationml/2006/main">
   <p:cSld>
     <p:spTree>
       <p:nvGrpSpPr>
-        <p:cNvPr id="112" name="Shape 112"/>
+        <p:cNvPr id="1" name="Shape 112"/>
         <p:cNvGrpSpPr/>
         <p:nvPr/>
       </p:nvGrpSpPr>
@@ -9217,7 +9218,9 @@
       <p:sp>
         <p:nvSpPr>
           <p:cNvPr id="113" name="Google Shape;113;p16"/>
-          <p:cNvSpPr txBox="1"/>
+          <p:cNvSpPr txBox="1">
+            <a:spLocks noGrp="1"/>
+          </p:cNvSpPr>
           <p:nvPr>
             <p:ph type="ctrTitle"/>
           </p:nvPr>
@@ -9232,12 +9235,12 @@
           </a:prstGeom>
         </p:spPr>
         <p:txBody>
-          <a:bodyPr anchorCtr="0" anchor="b" bIns="91425" lIns="91425" spcFirstLastPara="1" rIns="91425" wrap="square" tIns="91425">
+          <a:bodyPr spcFirstLastPara="1" wrap="square" lIns="91425" tIns="91425" rIns="91425" bIns="91425" anchor="b" anchorCtr="0">
             <a:noAutofit/>
           </a:bodyPr>
           <a:lstStyle/>
           <a:p>
-            <a:pPr indent="0" lvl="0" marL="0" rtl="0" algn="l">
+            <a:pPr marL="0" lvl="0" indent="0" algn="l" rtl="0">
               <a:spcBef>
                 <a:spcPts val="0"/>
               </a:spcBef>
@@ -9257,9 +9260,11 @@
       <p:sp>
         <p:nvSpPr>
           <p:cNvPr id="114" name="Google Shape;114;p16"/>
-          <p:cNvSpPr txBox="1"/>
+          <p:cNvSpPr txBox="1">
+            <a:spLocks noGrp="1"/>
+          </p:cNvSpPr>
           <p:nvPr>
-            <p:ph idx="1" type="subTitle"/>
+            <p:ph type="subTitle" idx="1"/>
           </p:nvPr>
         </p:nvSpPr>
         <p:spPr>
@@ -9272,12 +9277,12 @@
           </a:prstGeom>
         </p:spPr>
         <p:txBody>
-          <a:bodyPr anchorCtr="0" anchor="t" bIns="91425" lIns="91425" spcFirstLastPara="1" rIns="91425" wrap="square" tIns="91425">
+          <a:bodyPr spcFirstLastPara="1" wrap="square" lIns="91425" tIns="91425" rIns="91425" bIns="91425" anchor="t" anchorCtr="0">
             <a:noAutofit/>
           </a:bodyPr>
           <a:lstStyle/>
           <a:p>
-            <a:pPr indent="0" lvl="0" marL="0" rtl="0" algn="l">
+            <a:pPr marL="0" lvl="0" indent="0" algn="l" rtl="0">
               <a:spcBef>
                 <a:spcPts val="0"/>
               </a:spcBef>
@@ -9303,29 +9308,29 @@
         <p:spPr>
           <a:xfrm>
             <a:off x="571500" y="1951475"/>
-            <a:ext cx="5910300" cy="1046700"/>
+            <a:ext cx="5910300" cy="1477297"/>
           </a:xfrm>
           <a:prstGeom prst="rect">
             <a:avLst/>
           </a:prstGeom>
           <a:noFill/>
-          <a:ln cap="flat" cmpd="sng" w="9525">
+          <a:ln w="9525" cap="flat" cmpd="sng">
             <a:solidFill>
               <a:srgbClr val="FFFFFF"/>
             </a:solidFill>
             <a:prstDash val="solid"/>
             <a:round/>
-            <a:headEnd len="sm" w="sm" type="none"/>
-            <a:tailEnd len="sm" w="sm" type="none"/>
+            <a:headEnd type="none" w="sm" len="sm"/>
+            <a:tailEnd type="none" w="sm" len="sm"/>
           </a:ln>
         </p:spPr>
         <p:txBody>
-          <a:bodyPr anchorCtr="0" anchor="t" bIns="91425" lIns="91425" spcFirstLastPara="1" rIns="91425" wrap="square" tIns="91425">
+          <a:bodyPr spcFirstLastPara="1" wrap="square" lIns="91425" tIns="91425" rIns="91425" bIns="91425" anchor="t" anchorCtr="0">
             <a:spAutoFit/>
           </a:bodyPr>
           <a:lstStyle/>
           <a:p>
-            <a:pPr indent="-317500" lvl="0" marL="457200" rtl="0" algn="l">
+            <a:pPr marL="457200" lvl="0" indent="-317500" algn="l" rtl="0">
               <a:spcBef>
                 <a:spcPts val="0"/>
               </a:spcBef>
@@ -9340,7 +9345,7 @@
               <a:buChar char="●"/>
             </a:pPr>
             <a:r>
-              <a:rPr lang="en">
+              <a:rPr lang="en" dirty="0">
                 <a:solidFill>
                   <a:schemeClr val="lt1"/>
                 </a:solidFill>
@@ -9349,9 +9354,33 @@
                 <a:cs typeface="Roboto"/>
                 <a:sym typeface="Roboto"/>
               </a:rPr>
-              <a:t>AI model detects stress in the customer spending behaviour and overdraft usage</a:t>
+              <a:t>AI model detects stress in the customer spending </a:t>
             </a:r>
-            <a:endParaRPr>
+            <a:r>
+              <a:rPr lang="en-GB" dirty="0">
+                <a:solidFill>
+                  <a:schemeClr val="lt1"/>
+                </a:solidFill>
+                <a:latin typeface="Roboto"/>
+                <a:ea typeface="Roboto"/>
+                <a:cs typeface="Roboto"/>
+                <a:sym typeface="Roboto"/>
+              </a:rPr>
+              <a:t>behaviour, including</a:t>
+            </a:r>
+            <a:r>
+              <a:rPr lang="en" dirty="0">
+                <a:solidFill>
+                  <a:schemeClr val="lt1"/>
+                </a:solidFill>
+                <a:latin typeface="Roboto"/>
+                <a:ea typeface="Roboto"/>
+                <a:cs typeface="Roboto"/>
+                <a:sym typeface="Roboto"/>
+              </a:rPr>
+              <a:t> increasing usage of overdraft and credit card limits</a:t>
+            </a:r>
+            <a:endParaRPr dirty="0">
               <a:solidFill>
                 <a:schemeClr val="lt1"/>
               </a:solidFill>
@@ -9362,7 +9391,7 @@
             </a:endParaRPr>
           </a:p>
           <a:p>
-            <a:pPr indent="-317500" lvl="0" marL="457200" rtl="0" algn="l">
+            <a:pPr marL="457200" lvl="0" indent="-317500" algn="l" rtl="0">
               <a:spcBef>
                 <a:spcPts val="0"/>
               </a:spcBef>
@@ -9377,7 +9406,7 @@
               <a:buChar char="●"/>
             </a:pPr>
             <a:r>
-              <a:rPr lang="en">
+              <a:rPr lang="en" dirty="0">
                 <a:solidFill>
                   <a:schemeClr val="lt1"/>
                 </a:solidFill>
@@ -9386,9 +9415,9 @@
                 <a:cs typeface="Roboto"/>
                 <a:sym typeface="Roboto"/>
               </a:rPr>
-              <a:t>Bank informs mortgage lender</a:t>
+              <a:t>Bank informs mortgage lender of higher customer risk profile, perhaps in return for a fee from the lender.</a:t>
             </a:r>
-            <a:endParaRPr>
+            <a:endParaRPr dirty="0">
               <a:solidFill>
                 <a:schemeClr val="lt1"/>
               </a:solidFill>
@@ -9399,7 +9428,7 @@
             </a:endParaRPr>
           </a:p>
           <a:p>
-            <a:pPr indent="-317500" lvl="0" marL="457200" rtl="0" algn="l">
+            <a:pPr marL="457200" lvl="0" indent="-317500" algn="l" rtl="0">
               <a:spcBef>
                 <a:spcPts val="0"/>
               </a:spcBef>
@@ -9414,7 +9443,7 @@
               <a:buChar char="●"/>
             </a:pPr>
             <a:r>
-              <a:rPr lang="en">
+              <a:rPr lang="en" dirty="0">
                 <a:solidFill>
                   <a:schemeClr val="lt1"/>
                 </a:solidFill>
@@ -9423,9 +9452,9 @@
                 <a:cs typeface="Roboto"/>
                 <a:sym typeface="Roboto"/>
               </a:rPr>
-              <a:t>Mortgage lender asks for further security from the customer</a:t>
+              <a:t>Mortgage lender seeks further security from the customer e.g. suggests they take out mortgage payment protection insurance.</a:t>
             </a:r>
-            <a:endParaRPr>
+            <a:endParaRPr dirty="0">
               <a:solidFill>
                 <a:schemeClr val="lt1"/>
               </a:solidFill>
@@ -9474,11 +9503,11 @@
 </file>
 
 <file path=ppt/slides/slide5.xml><?xml version="1.0" encoding="utf-8"?>
-<p:sld xmlns:a="http://schemas.openxmlformats.org/drawingml/2006/main" xmlns:r="http://schemas.openxmlformats.org/officeDocument/2006/relationships" xmlns:mc="http://schemas.openxmlformats.org/markup-compatibility/2006" xmlns:mv="urn:schemas-microsoft-com:mac:vml" xmlns:p="http://schemas.openxmlformats.org/presentationml/2006/main" xmlns:c="http://schemas.openxmlformats.org/drawingml/2006/chart" xmlns:dgm="http://schemas.openxmlformats.org/drawingml/2006/diagram" xmlns:o="urn:schemas-microsoft-com:office:office" xmlns:v="urn:schemas-microsoft-com:vml" xmlns:pvml="urn:schemas-microsoft-com:office:powerpoint" xmlns:com="http://schemas.openxmlformats.org/drawingml/2006/compatibility" xmlns:p14="http://schemas.microsoft.com/office/powerpoint/2010/main" xmlns:p15="http://schemas.microsoft.com/office/powerpoint/2012/main" xmlns:ahyp="http://schemas.microsoft.com/office/drawing/2018/hyperlinkcolor">
+<p:sld xmlns:a="http://schemas.openxmlformats.org/drawingml/2006/main" xmlns:r="http://schemas.openxmlformats.org/officeDocument/2006/relationships" xmlns:p="http://schemas.openxmlformats.org/presentationml/2006/main">
   <p:cSld>
     <p:spTree>
       <p:nvGrpSpPr>
-        <p:cNvPr id="120" name="Shape 120"/>
+        <p:cNvPr id="1" name="Shape 120"/>
         <p:cNvGrpSpPr/>
         <p:nvPr/>
       </p:nvGrpSpPr>
@@ -9493,7 +9522,9 @@
       <p:sp>
         <p:nvSpPr>
           <p:cNvPr id="121" name="Google Shape;121;p17"/>
-          <p:cNvSpPr txBox="1"/>
+          <p:cNvSpPr txBox="1">
+            <a:spLocks noGrp="1"/>
+          </p:cNvSpPr>
           <p:nvPr>
             <p:ph type="title"/>
           </p:nvPr>
@@ -9508,12 +9539,12 @@
           </a:prstGeom>
         </p:spPr>
         <p:txBody>
-          <a:bodyPr anchorCtr="0" anchor="b" bIns="91425" lIns="91425" spcFirstLastPara="1" rIns="91425" wrap="square" tIns="91425">
+          <a:bodyPr spcFirstLastPara="1" wrap="square" lIns="91425" tIns="91425" rIns="91425" bIns="91425" anchor="b" anchorCtr="0">
             <a:noAutofit/>
           </a:bodyPr>
           <a:lstStyle/>
           <a:p>
-            <a:pPr indent="0" lvl="0" marL="0" rtl="0" algn="ctr">
+            <a:pPr marL="0" lvl="0" indent="0" algn="ctr" rtl="0">
               <a:spcBef>
                 <a:spcPts val="0"/>
               </a:spcBef>
@@ -9533,9 +9564,11 @@
       <p:sp>
         <p:nvSpPr>
           <p:cNvPr id="122" name="Google Shape;122;p17"/>
-          <p:cNvSpPr txBox="1"/>
+          <p:cNvSpPr txBox="1">
+            <a:spLocks noGrp="1"/>
+          </p:cNvSpPr>
           <p:nvPr>
-            <p:ph idx="1" type="subTitle"/>
+            <p:ph type="subTitle" idx="1"/>
           </p:nvPr>
         </p:nvSpPr>
         <p:spPr>
@@ -9548,12 +9581,12 @@
           </a:prstGeom>
         </p:spPr>
         <p:txBody>
-          <a:bodyPr anchorCtr="0" anchor="t" bIns="91425" lIns="91425" spcFirstLastPara="1" rIns="91425" wrap="square" tIns="91425">
+          <a:bodyPr spcFirstLastPara="1" wrap="square" lIns="91425" tIns="91425" rIns="91425" bIns="91425" anchor="t" anchorCtr="0">
             <a:noAutofit/>
           </a:bodyPr>
           <a:lstStyle/>
           <a:p>
-            <a:pPr indent="0" lvl="0" marL="0" rtl="0" algn="ctr">
+            <a:pPr marL="0" lvl="0" indent="0" algn="ctr" rtl="0">
               <a:spcBef>
                 <a:spcPts val="0"/>
               </a:spcBef>
@@ -9565,45 +9598,6 @@
             <a:r>
               <a:rPr lang="en"/>
               <a:t>Live “off the grid”</a:t>
-            </a:r>
-            <a:endParaRPr/>
-          </a:p>
-        </p:txBody>
-      </p:sp>
-      <p:sp>
-        <p:nvSpPr>
-          <p:cNvPr id="123" name="Google Shape;123;p17"/>
-          <p:cNvSpPr txBox="1"/>
-          <p:nvPr>
-            <p:ph idx="2" type="body"/>
-          </p:nvPr>
-        </p:nvSpPr>
-        <p:spPr>
-          <a:xfrm>
-            <a:off x="4939500" y="724200"/>
-            <a:ext cx="3837000" cy="3695100"/>
-          </a:xfrm>
-          <a:prstGeom prst="rect">
-            <a:avLst/>
-          </a:prstGeom>
-        </p:spPr>
-        <p:txBody>
-          <a:bodyPr anchorCtr="0" anchor="ctr" bIns="91425" lIns="91425" spcFirstLastPara="1" rIns="91425" wrap="square" tIns="91425">
-            <a:noAutofit/>
-          </a:bodyPr>
-          <a:lstStyle/>
-          <a:p>
-            <a:pPr indent="0" lvl="0" marL="0" rtl="0" algn="l">
-              <a:spcBef>
-                <a:spcPts val="0"/>
-              </a:spcBef>
-              <a:spcAft>
-                <a:spcPts val="1600"/>
-              </a:spcAft>
-              <a:buNone/>
-            </a:pPr>
-            <a:r>
-              <a:t/>
             </a:r>
             <a:endParaRPr/>
           </a:p>
@@ -9625,7 +9619,7 @@
         </p:blipFill>
         <p:spPr>
           <a:xfrm>
-            <a:off x="4572000" y="762000"/>
+            <a:off x="4572000" y="884978"/>
             <a:ext cx="4572000" cy="3661243"/>
           </a:xfrm>
           <a:prstGeom prst="rect">
@@ -9646,11 +9640,11 @@
 </file>
 
 <file path=ppt/slides/slide6.xml><?xml version="1.0" encoding="utf-8"?>
-<p:sld xmlns:a="http://schemas.openxmlformats.org/drawingml/2006/main" xmlns:r="http://schemas.openxmlformats.org/officeDocument/2006/relationships" xmlns:mc="http://schemas.openxmlformats.org/markup-compatibility/2006" xmlns:mv="urn:schemas-microsoft-com:mac:vml" xmlns:p="http://schemas.openxmlformats.org/presentationml/2006/main" xmlns:c="http://schemas.openxmlformats.org/drawingml/2006/chart" xmlns:dgm="http://schemas.openxmlformats.org/drawingml/2006/diagram" xmlns:o="urn:schemas-microsoft-com:office:office" xmlns:v="urn:schemas-microsoft-com:vml" xmlns:pvml="urn:schemas-microsoft-com:office:powerpoint" xmlns:com="http://schemas.openxmlformats.org/drawingml/2006/compatibility" xmlns:p14="http://schemas.microsoft.com/office/powerpoint/2010/main" xmlns:p15="http://schemas.microsoft.com/office/powerpoint/2012/main" xmlns:ahyp="http://schemas.microsoft.com/office/drawing/2018/hyperlinkcolor">
+<p:sld xmlns:a="http://schemas.openxmlformats.org/drawingml/2006/main" xmlns:r="http://schemas.openxmlformats.org/officeDocument/2006/relationships" xmlns:p="http://schemas.openxmlformats.org/presentationml/2006/main">
   <p:cSld>
     <p:spTree>
       <p:nvGrpSpPr>
-        <p:cNvPr id="128" name="Shape 128"/>
+        <p:cNvPr id="1" name="Shape 128"/>
         <p:cNvGrpSpPr/>
         <p:nvPr/>
       </p:nvGrpSpPr>
@@ -9665,7 +9659,9 @@
       <p:sp>
         <p:nvSpPr>
           <p:cNvPr id="129" name="Google Shape;129;p18"/>
-          <p:cNvSpPr txBox="1"/>
+          <p:cNvSpPr txBox="1">
+            <a:spLocks noGrp="1"/>
+          </p:cNvSpPr>
           <p:nvPr>
             <p:ph type="title"/>
           </p:nvPr>
@@ -9680,12 +9676,12 @@
           </a:prstGeom>
         </p:spPr>
         <p:txBody>
-          <a:bodyPr anchorCtr="0" anchor="b" bIns="91425" lIns="91425" spcFirstLastPara="1" rIns="91425" wrap="square" tIns="91425">
+          <a:bodyPr spcFirstLastPara="1" wrap="square" lIns="91425" tIns="91425" rIns="91425" bIns="91425" anchor="b" anchorCtr="0">
             <a:noAutofit/>
           </a:bodyPr>
           <a:lstStyle/>
           <a:p>
-            <a:pPr indent="0" lvl="0" marL="0" rtl="0" algn="ctr">
+            <a:pPr marL="0" lvl="0" indent="0" algn="ctr" rtl="0">
               <a:spcBef>
                 <a:spcPts val="0"/>
               </a:spcBef>
@@ -9695,19 +9691,21 @@
               <a:buNone/>
             </a:pPr>
             <a:r>
-              <a:rPr lang="en"/>
-              <a:t>Solution</a:t>
+              <a:rPr lang="en" dirty="0"/>
+              <a:t>Solution:</a:t>
             </a:r>
-            <a:endParaRPr/>
+            <a:endParaRPr dirty="0"/>
           </a:p>
         </p:txBody>
       </p:sp>
       <p:sp>
         <p:nvSpPr>
           <p:cNvPr id="130" name="Google Shape;130;p18"/>
-          <p:cNvSpPr txBox="1"/>
+          <p:cNvSpPr txBox="1">
+            <a:spLocks noGrp="1"/>
+          </p:cNvSpPr>
           <p:nvPr>
-            <p:ph idx="1" type="subTitle"/>
+            <p:ph type="subTitle" idx="1"/>
           </p:nvPr>
         </p:nvSpPr>
         <p:spPr>
@@ -9720,12 +9718,12 @@
           </a:prstGeom>
         </p:spPr>
         <p:txBody>
-          <a:bodyPr anchorCtr="0" anchor="t" bIns="91425" lIns="91425" spcFirstLastPara="1" rIns="91425" wrap="square" tIns="91425">
+          <a:bodyPr spcFirstLastPara="1" wrap="square" lIns="91425" tIns="91425" rIns="91425" bIns="91425" anchor="t" anchorCtr="0">
             <a:noAutofit/>
           </a:bodyPr>
           <a:lstStyle/>
           <a:p>
-            <a:pPr indent="0" lvl="0" marL="0" rtl="0" algn="ctr">
+            <a:pPr marL="0" lvl="0" indent="0" algn="ctr" rtl="0">
               <a:spcBef>
                 <a:spcPts val="0"/>
               </a:spcBef>
@@ -9735,18 +9733,21 @@
               <a:buNone/>
             </a:pPr>
             <a:r>
-              <a:t/>
+              <a:rPr lang="en-GB" dirty="0"/>
+              <a:t>Enhance transparency and a establish a common set of ethical standards.</a:t>
             </a:r>
-            <a:endParaRPr/>
+            <a:endParaRPr dirty="0"/>
           </a:p>
         </p:txBody>
       </p:sp>
       <p:sp>
         <p:nvSpPr>
           <p:cNvPr id="131" name="Google Shape;131;p18"/>
-          <p:cNvSpPr txBox="1"/>
+          <p:cNvSpPr txBox="1">
+            <a:spLocks noGrp="1"/>
+          </p:cNvSpPr>
           <p:nvPr>
-            <p:ph idx="2" type="body"/>
+            <p:ph type="body" idx="2"/>
           </p:nvPr>
         </p:nvSpPr>
         <p:spPr>
@@ -9759,12 +9760,12 @@
           </a:prstGeom>
         </p:spPr>
         <p:txBody>
-          <a:bodyPr anchorCtr="0" anchor="ctr" bIns="91425" lIns="91425" spcFirstLastPara="1" rIns="91425" wrap="square" tIns="91425">
+          <a:bodyPr spcFirstLastPara="1" wrap="square" lIns="91425" tIns="91425" rIns="91425" bIns="91425" anchor="ctr" anchorCtr="0">
             <a:noAutofit/>
           </a:bodyPr>
           <a:lstStyle/>
           <a:p>
-            <a:pPr indent="-342900" lvl="0" marL="457200" rtl="0" algn="l">
+            <a:pPr marL="457200" lvl="0" indent="-342900" algn="l" rtl="0">
               <a:spcBef>
                 <a:spcPts val="0"/>
               </a:spcBef>
@@ -9781,7 +9782,7 @@
             <a:endParaRPr/>
           </a:p>
           <a:p>
-            <a:pPr indent="-342900" lvl="0" marL="457200" rtl="0" algn="l">
+            <a:pPr marL="457200" lvl="0" indent="-342900" algn="l" rtl="0">
               <a:spcBef>
                 <a:spcPts val="0"/>
               </a:spcBef>
@@ -9793,16 +9794,12 @@
             </a:pPr>
             <a:r>
               <a:rPr lang="en"/>
-              <a:t>Coordination</a:t>
-            </a:r>
-            <a:r>
-              <a:rPr lang="en"/>
-              <a:t> between stakeholders: govt; industry; consumer welfare groups.</a:t>
+              <a:t>Coordination between stakeholders: govt; industry; consumer welfare groups.</a:t>
             </a:r>
             <a:endParaRPr/>
           </a:p>
           <a:p>
-            <a:pPr indent="-342900" lvl="0" marL="457200" rtl="0" algn="l">
+            <a:pPr marL="457200" lvl="0" indent="-342900" algn="l" rtl="0">
               <a:spcBef>
                 <a:spcPts val="0"/>
               </a:spcBef>
@@ -9829,11 +9826,11 @@
 </file>
 
 <file path=ppt/slides/slide7.xml><?xml version="1.0" encoding="utf-8"?>
-<p:sld xmlns:a="http://schemas.openxmlformats.org/drawingml/2006/main" xmlns:r="http://schemas.openxmlformats.org/officeDocument/2006/relationships" xmlns:mc="http://schemas.openxmlformats.org/markup-compatibility/2006" xmlns:mv="urn:schemas-microsoft-com:mac:vml" xmlns:p="http://schemas.openxmlformats.org/presentationml/2006/main" xmlns:c="http://schemas.openxmlformats.org/drawingml/2006/chart" xmlns:dgm="http://schemas.openxmlformats.org/drawingml/2006/diagram" xmlns:o="urn:schemas-microsoft-com:office:office" xmlns:v="urn:schemas-microsoft-com:vml" xmlns:pvml="urn:schemas-microsoft-com:office:powerpoint" xmlns:com="http://schemas.openxmlformats.org/drawingml/2006/compatibility" xmlns:p14="http://schemas.microsoft.com/office/powerpoint/2010/main" xmlns:p15="http://schemas.microsoft.com/office/powerpoint/2012/main" xmlns:ahyp="http://schemas.microsoft.com/office/drawing/2018/hyperlinkcolor">
+<p:sld xmlns:a="http://schemas.openxmlformats.org/drawingml/2006/main" xmlns:r="http://schemas.openxmlformats.org/officeDocument/2006/relationships" xmlns:p="http://schemas.openxmlformats.org/presentationml/2006/main">
   <p:cSld>
     <p:spTree>
       <p:nvGrpSpPr>
-        <p:cNvPr id="135" name="Shape 135"/>
+        <p:cNvPr id="1" name="Shape 135"/>
         <p:cNvGrpSpPr/>
         <p:nvPr/>
       </p:nvGrpSpPr>
@@ -9874,14 +9871,14 @@
               <a:avLst/>
             </a:prstGeom>
             <a:noFill/>
-            <a:ln cap="flat" cmpd="sng" w="9525">
+            <a:ln w="9525" cap="flat" cmpd="sng">
               <a:solidFill>
                 <a:schemeClr val="lt1"/>
               </a:solidFill>
               <a:prstDash val="dash"/>
               <a:round/>
-              <a:headEnd len="sm" w="sm" type="none"/>
-              <a:tailEnd len="sm" w="sm" type="none"/>
+              <a:headEnd type="none" w="sm" len="sm"/>
+              <a:tailEnd type="none" w="sm" len="sm"/>
             </a:ln>
           </p:spPr>
         </p:cxnSp>
@@ -9900,14 +9897,14 @@
               <a:avLst/>
             </a:prstGeom>
             <a:noFill/>
-            <a:ln cap="flat" cmpd="sng" w="9525">
+            <a:ln w="9525" cap="flat" cmpd="sng">
               <a:solidFill>
                 <a:schemeClr val="lt1"/>
               </a:solidFill>
               <a:prstDash val="dash"/>
               <a:round/>
-              <a:headEnd len="sm" w="sm" type="none"/>
-              <a:tailEnd len="sm" w="sm" type="none"/>
+              <a:headEnd type="none" w="sm" len="sm"/>
+              <a:tailEnd type="none" w="sm" len="sm"/>
             </a:ln>
           </p:spPr>
         </p:cxnSp>
@@ -9926,14 +9923,14 @@
               <a:avLst/>
             </a:prstGeom>
             <a:noFill/>
-            <a:ln cap="flat" cmpd="sng" w="9525">
+            <a:ln w="9525" cap="flat" cmpd="sng">
               <a:solidFill>
                 <a:schemeClr val="lt1"/>
               </a:solidFill>
               <a:prstDash val="dash"/>
               <a:round/>
-              <a:headEnd len="sm" w="sm" type="none"/>
-              <a:tailEnd len="sm" w="sm" type="none"/>
+              <a:headEnd type="none" w="sm" len="sm"/>
+              <a:tailEnd type="none" w="sm" len="sm"/>
             </a:ln>
           </p:spPr>
         </p:cxnSp>
@@ -9952,14 +9949,14 @@
               <a:avLst/>
             </a:prstGeom>
             <a:noFill/>
-            <a:ln cap="flat" cmpd="sng" w="9525">
+            <a:ln w="9525" cap="flat" cmpd="sng">
               <a:solidFill>
                 <a:schemeClr val="lt1"/>
               </a:solidFill>
               <a:prstDash val="dash"/>
               <a:round/>
-              <a:headEnd len="sm" w="sm" type="none"/>
-              <a:tailEnd len="sm" w="sm" type="none"/>
+              <a:headEnd type="none" w="sm" len="sm"/>
+              <a:tailEnd type="none" w="sm" len="sm"/>
             </a:ln>
           </p:spPr>
         </p:cxnSp>
@@ -9978,14 +9975,14 @@
               <a:avLst/>
             </a:prstGeom>
             <a:noFill/>
-            <a:ln cap="flat" cmpd="sng" w="9525">
+            <a:ln w="9525" cap="flat" cmpd="sng">
               <a:solidFill>
                 <a:schemeClr val="lt1"/>
               </a:solidFill>
               <a:prstDash val="dash"/>
               <a:round/>
-              <a:headEnd len="sm" w="sm" type="none"/>
-              <a:tailEnd len="sm" w="sm" type="none"/>
+              <a:headEnd type="none" w="sm" len="sm"/>
+              <a:tailEnd type="none" w="sm" len="sm"/>
             </a:ln>
           </p:spPr>
         </p:cxnSp>
@@ -10004,14 +10001,14 @@
               <a:avLst/>
             </a:prstGeom>
             <a:noFill/>
-            <a:ln cap="flat" cmpd="sng" w="9525">
+            <a:ln w="9525" cap="flat" cmpd="sng">
               <a:solidFill>
                 <a:schemeClr val="lt1"/>
               </a:solidFill>
               <a:prstDash val="dash"/>
               <a:round/>
-              <a:headEnd len="sm" w="sm" type="none"/>
-              <a:tailEnd len="sm" w="sm" type="none"/>
+              <a:headEnd type="none" w="sm" len="sm"/>
+              <a:tailEnd type="none" w="sm" len="sm"/>
             </a:ln>
           </p:spPr>
         </p:cxnSp>
@@ -10030,14 +10027,14 @@
               <a:avLst/>
             </a:prstGeom>
             <a:noFill/>
-            <a:ln cap="flat" cmpd="sng" w="9525">
+            <a:ln w="9525" cap="flat" cmpd="sng">
               <a:solidFill>
                 <a:schemeClr val="lt1"/>
               </a:solidFill>
               <a:prstDash val="dash"/>
               <a:round/>
-              <a:headEnd len="sm" w="sm" type="none"/>
-              <a:tailEnd len="sm" w="sm" type="none"/>
+              <a:headEnd type="none" w="sm" len="sm"/>
+              <a:tailEnd type="none" w="sm" len="sm"/>
             </a:ln>
           </p:spPr>
         </p:cxnSp>
@@ -10056,14 +10053,14 @@
               <a:avLst/>
             </a:prstGeom>
             <a:noFill/>
-            <a:ln cap="flat" cmpd="sng" w="9525">
+            <a:ln w="9525" cap="flat" cmpd="sng">
               <a:solidFill>
                 <a:schemeClr val="lt1"/>
               </a:solidFill>
               <a:prstDash val="dash"/>
               <a:round/>
-              <a:headEnd len="sm" w="sm" type="none"/>
-              <a:tailEnd len="sm" w="sm" type="none"/>
+              <a:headEnd type="none" w="sm" len="sm"/>
+              <a:tailEnd type="none" w="sm" len="sm"/>
             </a:ln>
           </p:spPr>
         </p:cxnSp>
@@ -10082,14 +10079,14 @@
               <a:avLst/>
             </a:prstGeom>
             <a:noFill/>
-            <a:ln cap="flat" cmpd="sng" w="9525">
+            <a:ln w="9525" cap="flat" cmpd="sng">
               <a:solidFill>
                 <a:schemeClr val="lt1"/>
               </a:solidFill>
               <a:prstDash val="dash"/>
               <a:round/>
-              <a:headEnd len="sm" w="sm" type="none"/>
-              <a:tailEnd len="sm" w="sm" type="none"/>
+              <a:headEnd type="none" w="sm" len="sm"/>
+              <a:tailEnd type="none" w="sm" len="sm"/>
             </a:ln>
           </p:spPr>
         </p:cxnSp>
@@ -10108,14 +10105,14 @@
               <a:avLst/>
             </a:prstGeom>
             <a:noFill/>
-            <a:ln cap="flat" cmpd="sng" w="9525">
+            <a:ln w="9525" cap="flat" cmpd="sng">
               <a:solidFill>
                 <a:schemeClr val="lt1"/>
               </a:solidFill>
               <a:prstDash val="dash"/>
               <a:round/>
-              <a:headEnd len="sm" w="sm" type="none"/>
-              <a:tailEnd len="sm" w="sm" type="none"/>
+              <a:headEnd type="none" w="sm" len="sm"/>
+              <a:tailEnd type="none" w="sm" len="sm"/>
             </a:ln>
           </p:spPr>
         </p:cxnSp>
@@ -10135,23 +10132,23 @@
             <a:avLst/>
           </a:prstGeom>
           <a:noFill/>
-          <a:ln cap="flat" cmpd="sng" w="19050">
+          <a:ln w="19050" cap="flat" cmpd="sng">
             <a:solidFill>
               <a:schemeClr val="accent5"/>
             </a:solidFill>
             <a:prstDash val="solid"/>
             <a:round/>
-            <a:headEnd len="sm" w="sm" type="none"/>
-            <a:tailEnd len="sm" w="sm" type="none"/>
+            <a:headEnd type="none" w="sm" len="sm"/>
+            <a:tailEnd type="none" w="sm" len="sm"/>
           </a:ln>
         </p:spPr>
         <p:txBody>
-          <a:bodyPr anchorCtr="0" anchor="ctr" bIns="91425" lIns="91425" spcFirstLastPara="1" rIns="91425" wrap="square" tIns="91425">
+          <a:bodyPr spcFirstLastPara="1" wrap="square" lIns="91425" tIns="91425" rIns="91425" bIns="91425" anchor="ctr" anchorCtr="0">
             <a:noAutofit/>
           </a:bodyPr>
           <a:lstStyle/>
           <a:p>
-            <a:pPr indent="0" lvl="0" marL="0" rtl="0" algn="l">
+            <a:pPr marL="0" lvl="0" indent="0" algn="l" rtl="0">
               <a:spcBef>
                 <a:spcPts val="0"/>
               </a:spcBef>
@@ -10160,9 +10157,6 @@
               </a:spcAft>
               <a:buNone/>
             </a:pPr>
-            <a:r>
-              <a:t/>
-            </a:r>
             <a:endParaRPr/>
           </a:p>
         </p:txBody>
@@ -10170,7 +10164,9 @@
       <p:sp>
         <p:nvSpPr>
           <p:cNvPr id="148" name="Google Shape;148;p19"/>
-          <p:cNvSpPr txBox="1"/>
+          <p:cNvSpPr txBox="1">
+            <a:spLocks noGrp="1"/>
+          </p:cNvSpPr>
           <p:nvPr>
             <p:ph type="title"/>
           </p:nvPr>
@@ -10185,12 +10181,12 @@
           </a:prstGeom>
         </p:spPr>
         <p:txBody>
-          <a:bodyPr anchorCtr="0" anchor="b" bIns="91425" lIns="91425" spcFirstLastPara="1" rIns="91425" wrap="square" tIns="91425">
+          <a:bodyPr spcFirstLastPara="1" wrap="square" lIns="91425" tIns="91425" rIns="91425" bIns="91425" anchor="b" anchorCtr="0">
             <a:noAutofit/>
           </a:bodyPr>
           <a:lstStyle/>
           <a:p>
-            <a:pPr indent="0" lvl="0" marL="0" rtl="0" algn="ctr">
+            <a:pPr marL="0" lvl="0" indent="0" algn="ctr" rtl="0">
               <a:spcBef>
                 <a:spcPts val="0"/>
               </a:spcBef>
@@ -10233,9 +10229,13 @@
               <a:ext cx="4144235" cy="1631269"/>
             </a:xfrm>
             <a:custGeom>
-              <a:rect b="b" l="l" r="r" t="t"/>
+              <a:avLst/>
+              <a:gdLst/>
+              <a:ahLst/>
+              <a:cxnLst/>
+              <a:rect l="l" t="t" r="r" b="b"/>
               <a:pathLst>
-                <a:path extrusionOk="0" h="90088" w="165422">
+                <a:path w="165422" h="90088" extrusionOk="0">
                   <a:moveTo>
                     <a:pt x="0" y="65550"/>
                   </a:moveTo>
@@ -10288,14 +10288,14 @@
               </a:pathLst>
             </a:custGeom>
             <a:noFill/>
-            <a:ln cap="flat" cmpd="sng" w="19050">
+            <a:ln w="19050" cap="flat" cmpd="sng">
               <a:solidFill>
                 <a:schemeClr val="lt1"/>
               </a:solidFill>
               <a:prstDash val="solid"/>
               <a:round/>
-              <a:headEnd len="med" w="med" type="oval"/>
-              <a:tailEnd len="med" w="med" type="oval"/>
+              <a:headEnd type="oval" w="med" len="med"/>
+              <a:tailEnd type="oval" w="med" len="med"/>
             </a:ln>
           </p:spPr>
         </p:sp>
@@ -10316,23 +10316,23 @@
             <a:solidFill>
               <a:schemeClr val="lt1"/>
             </a:solidFill>
-            <a:ln cap="flat" cmpd="sng" w="19050">
+            <a:ln w="19050" cap="flat" cmpd="sng">
               <a:solidFill>
                 <a:schemeClr val="lt1"/>
               </a:solidFill>
               <a:prstDash val="solid"/>
               <a:round/>
-              <a:headEnd len="sm" w="sm" type="none"/>
-              <a:tailEnd len="sm" w="sm" type="none"/>
+              <a:headEnd type="none" w="sm" len="sm"/>
+              <a:tailEnd type="none" w="sm" len="sm"/>
             </a:ln>
           </p:spPr>
           <p:txBody>
-            <a:bodyPr anchorCtr="0" anchor="ctr" bIns="91425" lIns="91425" spcFirstLastPara="1" rIns="91425" wrap="square" tIns="91425">
+            <a:bodyPr spcFirstLastPara="1" wrap="square" lIns="91425" tIns="91425" rIns="91425" bIns="91425" anchor="ctr" anchorCtr="0">
               <a:noAutofit/>
             </a:bodyPr>
             <a:lstStyle/>
             <a:p>
-              <a:pPr indent="0" lvl="0" marL="0" rtl="0" algn="l">
+              <a:pPr marL="0" lvl="0" indent="0" algn="l" rtl="0">
                 <a:spcBef>
                   <a:spcPts val="0"/>
                 </a:spcBef>
@@ -10341,9 +10341,6 @@
                 </a:spcAft>
                 <a:buNone/>
               </a:pPr>
-              <a:r>
-                <a:t/>
-              </a:r>
               <a:endParaRPr/>
             </a:p>
           </p:txBody>
@@ -10365,23 +10362,23 @@
             <a:solidFill>
               <a:schemeClr val="lt1"/>
             </a:solidFill>
-            <a:ln cap="flat" cmpd="sng" w="19050">
+            <a:ln w="19050" cap="flat" cmpd="sng">
               <a:solidFill>
                 <a:schemeClr val="lt1"/>
               </a:solidFill>
               <a:prstDash val="solid"/>
               <a:round/>
-              <a:headEnd len="sm" w="sm" type="none"/>
-              <a:tailEnd len="sm" w="sm" type="none"/>
+              <a:headEnd type="none" w="sm" len="sm"/>
+              <a:tailEnd type="none" w="sm" len="sm"/>
             </a:ln>
           </p:spPr>
           <p:txBody>
-            <a:bodyPr anchorCtr="0" anchor="ctr" bIns="91425" lIns="91425" spcFirstLastPara="1" rIns="91425" wrap="square" tIns="91425">
+            <a:bodyPr spcFirstLastPara="1" wrap="square" lIns="91425" tIns="91425" rIns="91425" bIns="91425" anchor="ctr" anchorCtr="0">
               <a:noAutofit/>
             </a:bodyPr>
             <a:lstStyle/>
             <a:p>
-              <a:pPr indent="0" lvl="0" marL="0" rtl="0" algn="l">
+              <a:pPr marL="0" lvl="0" indent="0" algn="l" rtl="0">
                 <a:spcBef>
                   <a:spcPts val="0"/>
                 </a:spcBef>
@@ -10390,9 +10387,6 @@
                 </a:spcAft>
                 <a:buNone/>
               </a:pPr>
-              <a:r>
-                <a:t/>
-              </a:r>
               <a:endParaRPr/>
             </a:p>
           </p:txBody>
@@ -10414,23 +10408,23 @@
             <a:solidFill>
               <a:schemeClr val="lt1"/>
             </a:solidFill>
-            <a:ln cap="flat" cmpd="sng" w="19050">
+            <a:ln w="19050" cap="flat" cmpd="sng">
               <a:solidFill>
                 <a:schemeClr val="lt1"/>
               </a:solidFill>
               <a:prstDash val="solid"/>
               <a:round/>
-              <a:headEnd len="sm" w="sm" type="none"/>
-              <a:tailEnd len="sm" w="sm" type="none"/>
+              <a:headEnd type="none" w="sm" len="sm"/>
+              <a:tailEnd type="none" w="sm" len="sm"/>
             </a:ln>
           </p:spPr>
           <p:txBody>
-            <a:bodyPr anchorCtr="0" anchor="ctr" bIns="91425" lIns="91425" spcFirstLastPara="1" rIns="91425" wrap="square" tIns="91425">
+            <a:bodyPr spcFirstLastPara="1" wrap="square" lIns="91425" tIns="91425" rIns="91425" bIns="91425" anchor="ctr" anchorCtr="0">
               <a:noAutofit/>
             </a:bodyPr>
             <a:lstStyle/>
             <a:p>
-              <a:pPr indent="0" lvl="0" marL="0" rtl="0" algn="l">
+              <a:pPr marL="0" lvl="0" indent="0" algn="l" rtl="0">
                 <a:spcBef>
                   <a:spcPts val="0"/>
                 </a:spcBef>
@@ -10439,9 +10433,6 @@
                 </a:spcAft>
                 <a:buNone/>
               </a:pPr>
-              <a:r>
-                <a:t/>
-              </a:r>
               <a:endParaRPr/>
             </a:p>
           </p:txBody>
@@ -10463,23 +10454,23 @@
             <a:solidFill>
               <a:schemeClr val="lt1"/>
             </a:solidFill>
-            <a:ln cap="flat" cmpd="sng" w="19050">
+            <a:ln w="19050" cap="flat" cmpd="sng">
               <a:solidFill>
                 <a:schemeClr val="lt1"/>
               </a:solidFill>
               <a:prstDash val="solid"/>
               <a:round/>
-              <a:headEnd len="sm" w="sm" type="none"/>
-              <a:tailEnd len="sm" w="sm" type="none"/>
+              <a:headEnd type="none" w="sm" len="sm"/>
+              <a:tailEnd type="none" w="sm" len="sm"/>
             </a:ln>
           </p:spPr>
           <p:txBody>
-            <a:bodyPr anchorCtr="0" anchor="ctr" bIns="91425" lIns="91425" spcFirstLastPara="1" rIns="91425" wrap="square" tIns="91425">
+            <a:bodyPr spcFirstLastPara="1" wrap="square" lIns="91425" tIns="91425" rIns="91425" bIns="91425" anchor="ctr" anchorCtr="0">
               <a:noAutofit/>
             </a:bodyPr>
             <a:lstStyle/>
             <a:p>
-              <a:pPr indent="0" lvl="0" marL="0" rtl="0" algn="l">
+              <a:pPr marL="0" lvl="0" indent="0" algn="l" rtl="0">
                 <a:spcBef>
                   <a:spcPts val="0"/>
                 </a:spcBef>
@@ -10488,9 +10479,6 @@
                 </a:spcAft>
                 <a:buNone/>
               </a:pPr>
-              <a:r>
-                <a:t/>
-              </a:r>
               <a:endParaRPr/>
             </a:p>
           </p:txBody>
@@ -10512,23 +10500,23 @@
             <a:solidFill>
               <a:schemeClr val="lt1"/>
             </a:solidFill>
-            <a:ln cap="flat" cmpd="sng" w="19050">
+            <a:ln w="19050" cap="flat" cmpd="sng">
               <a:solidFill>
                 <a:schemeClr val="lt1"/>
               </a:solidFill>
               <a:prstDash val="solid"/>
               <a:round/>
-              <a:headEnd len="sm" w="sm" type="none"/>
-              <a:tailEnd len="sm" w="sm" type="none"/>
+              <a:headEnd type="none" w="sm" len="sm"/>
+              <a:tailEnd type="none" w="sm" len="sm"/>
             </a:ln>
           </p:spPr>
           <p:txBody>
-            <a:bodyPr anchorCtr="0" anchor="ctr" bIns="91425" lIns="91425" spcFirstLastPara="1" rIns="91425" wrap="square" tIns="91425">
+            <a:bodyPr spcFirstLastPara="1" wrap="square" lIns="91425" tIns="91425" rIns="91425" bIns="91425" anchor="ctr" anchorCtr="0">
               <a:noAutofit/>
             </a:bodyPr>
             <a:lstStyle/>
             <a:p>
-              <a:pPr indent="0" lvl="0" marL="0" rtl="0" algn="l">
+              <a:pPr marL="0" lvl="0" indent="0" algn="l" rtl="0">
                 <a:spcBef>
                   <a:spcPts val="0"/>
                 </a:spcBef>
@@ -10537,9 +10525,6 @@
                 </a:spcAft>
                 <a:buNone/>
               </a:pPr>
-              <a:r>
-                <a:t/>
-              </a:r>
               <a:endParaRPr/>
             </a:p>
           </p:txBody>
@@ -10561,23 +10546,23 @@
             <a:solidFill>
               <a:schemeClr val="lt1"/>
             </a:solidFill>
-            <a:ln cap="flat" cmpd="sng" w="19050">
+            <a:ln w="19050" cap="flat" cmpd="sng">
               <a:solidFill>
                 <a:schemeClr val="lt1"/>
               </a:solidFill>
               <a:prstDash val="solid"/>
               <a:round/>
-              <a:headEnd len="sm" w="sm" type="none"/>
-              <a:tailEnd len="sm" w="sm" type="none"/>
+              <a:headEnd type="none" w="sm" len="sm"/>
+              <a:tailEnd type="none" w="sm" len="sm"/>
             </a:ln>
           </p:spPr>
           <p:txBody>
-            <a:bodyPr anchorCtr="0" anchor="ctr" bIns="91425" lIns="91425" spcFirstLastPara="1" rIns="91425" wrap="square" tIns="91425">
+            <a:bodyPr spcFirstLastPara="1" wrap="square" lIns="91425" tIns="91425" rIns="91425" bIns="91425" anchor="ctr" anchorCtr="0">
               <a:noAutofit/>
             </a:bodyPr>
             <a:lstStyle/>
             <a:p>
-              <a:pPr indent="0" lvl="0" marL="0" rtl="0" algn="l">
+              <a:pPr marL="0" lvl="0" indent="0" algn="l" rtl="0">
                 <a:spcBef>
                   <a:spcPts val="0"/>
                 </a:spcBef>
@@ -10586,9 +10571,6 @@
                 </a:spcAft>
                 <a:buNone/>
               </a:pPr>
-              <a:r>
-                <a:t/>
-              </a:r>
               <a:endParaRPr/>
             </a:p>
           </p:txBody>
@@ -10610,23 +10592,23 @@
             <a:solidFill>
               <a:schemeClr val="lt1"/>
             </a:solidFill>
-            <a:ln cap="flat" cmpd="sng" w="19050">
+            <a:ln w="19050" cap="flat" cmpd="sng">
               <a:solidFill>
                 <a:schemeClr val="lt1"/>
               </a:solidFill>
               <a:prstDash val="solid"/>
               <a:round/>
-              <a:headEnd len="sm" w="sm" type="none"/>
-              <a:tailEnd len="sm" w="sm" type="none"/>
+              <a:headEnd type="none" w="sm" len="sm"/>
+              <a:tailEnd type="none" w="sm" len="sm"/>
             </a:ln>
           </p:spPr>
           <p:txBody>
-            <a:bodyPr anchorCtr="0" anchor="ctr" bIns="91425" lIns="91425" spcFirstLastPara="1" rIns="91425" wrap="square" tIns="91425">
+            <a:bodyPr spcFirstLastPara="1" wrap="square" lIns="91425" tIns="91425" rIns="91425" bIns="91425" anchor="ctr" anchorCtr="0">
               <a:noAutofit/>
             </a:bodyPr>
             <a:lstStyle/>
             <a:p>
-              <a:pPr indent="0" lvl="0" marL="0" rtl="0" algn="l">
+              <a:pPr marL="0" lvl="0" indent="0" algn="l" rtl="0">
                 <a:spcBef>
                   <a:spcPts val="0"/>
                 </a:spcBef>
@@ -10635,9 +10617,6 @@
                 </a:spcAft>
                 <a:buNone/>
               </a:pPr>
-              <a:r>
-                <a:t/>
-              </a:r>
               <a:endParaRPr/>
             </a:p>
           </p:txBody>
@@ -10659,23 +10638,23 @@
             <a:solidFill>
               <a:schemeClr val="lt1"/>
             </a:solidFill>
-            <a:ln cap="flat" cmpd="sng" w="19050">
+            <a:ln w="19050" cap="flat" cmpd="sng">
               <a:solidFill>
                 <a:schemeClr val="lt1"/>
               </a:solidFill>
               <a:prstDash val="solid"/>
               <a:round/>
-              <a:headEnd len="sm" w="sm" type="none"/>
-              <a:tailEnd len="sm" w="sm" type="none"/>
+              <a:headEnd type="none" w="sm" len="sm"/>
+              <a:tailEnd type="none" w="sm" len="sm"/>
             </a:ln>
           </p:spPr>
           <p:txBody>
-            <a:bodyPr anchorCtr="0" anchor="ctr" bIns="91425" lIns="91425" spcFirstLastPara="1" rIns="91425" wrap="square" tIns="91425">
+            <a:bodyPr spcFirstLastPara="1" wrap="square" lIns="91425" tIns="91425" rIns="91425" bIns="91425" anchor="ctr" anchorCtr="0">
               <a:noAutofit/>
             </a:bodyPr>
             <a:lstStyle/>
             <a:p>
-              <a:pPr indent="0" lvl="0" marL="0" rtl="0" algn="l">
+              <a:pPr marL="0" lvl="0" indent="0" algn="l" rtl="0">
                 <a:spcBef>
                   <a:spcPts val="0"/>
                 </a:spcBef>
@@ -10684,9 +10663,6 @@
                 </a:spcAft>
                 <a:buNone/>
               </a:pPr>
-              <a:r>
-                <a:t/>
-              </a:r>
               <a:endParaRPr/>
             </a:p>
           </p:txBody>
@@ -10705,9 +10681,9 @@
           </a:xfrm>
           <a:prstGeom prst="wedgeRoundRectCallout">
             <a:avLst>
-              <a:gd fmla="val -21432" name="adj1"/>
-              <a:gd fmla="val 84969" name="adj2"/>
-              <a:gd fmla="val 0" name="adj3"/>
+              <a:gd name="adj1" fmla="val -21432"/>
+              <a:gd name="adj2" fmla="val 84969"/>
+              <a:gd name="adj3" fmla="val 0"/>
             </a:avLst>
           </a:prstGeom>
           <a:solidFill>
@@ -10718,12 +10694,12 @@
           </a:ln>
         </p:spPr>
         <p:txBody>
-          <a:bodyPr anchorCtr="0" anchor="ctr" bIns="91425" lIns="91425" spcFirstLastPara="1" rIns="91425" wrap="square" tIns="91425">
+          <a:bodyPr spcFirstLastPara="1" wrap="square" lIns="91425" tIns="91425" rIns="91425" bIns="91425" anchor="ctr" anchorCtr="0">
             <a:noAutofit/>
           </a:bodyPr>
           <a:lstStyle/>
           <a:p>
-            <a:pPr indent="0" lvl="0" marL="0" rtl="0" algn="l">
+            <a:pPr marL="0" lvl="0" indent="0" algn="l" rtl="0">
               <a:spcBef>
                 <a:spcPts val="0"/>
               </a:spcBef>
@@ -10732,9 +10708,6 @@
               </a:spcAft>
               <a:buNone/>
             </a:pPr>
-            <a:r>
-              <a:t/>
-            </a:r>
             <a:endParaRPr/>
           </a:p>
         </p:txBody>
@@ -10765,9 +10738,13 @@
               <a:ext cx="4156550" cy="1576975"/>
             </a:xfrm>
             <a:custGeom>
-              <a:rect b="b" l="l" r="r" t="t"/>
+              <a:avLst/>
+              <a:gdLst/>
+              <a:ahLst/>
+              <a:cxnLst/>
+              <a:rect l="l" t="t" r="r" b="b"/>
               <a:pathLst>
-                <a:path extrusionOk="0" h="63079" w="166262">
+                <a:path w="166262" h="63079" extrusionOk="0">
                   <a:moveTo>
                     <a:pt x="0" y="34952"/>
                   </a:moveTo>
@@ -10820,14 +10797,14 @@
               </a:pathLst>
             </a:custGeom>
             <a:noFill/>
-            <a:ln cap="flat" cmpd="sng" w="19050">
+            <a:ln w="19050" cap="flat" cmpd="sng">
               <a:solidFill>
                 <a:schemeClr val="accent4"/>
               </a:solidFill>
               <a:prstDash val="solid"/>
               <a:round/>
-              <a:headEnd len="med" w="med" type="oval"/>
-              <a:tailEnd len="med" w="med" type="oval"/>
+              <a:headEnd type="oval" w="med" len="med"/>
+              <a:tailEnd type="oval" w="med" len="med"/>
             </a:ln>
           </p:spPr>
         </p:sp>
@@ -10848,23 +10825,23 @@
             <a:solidFill>
               <a:schemeClr val="accent4"/>
             </a:solidFill>
-            <a:ln cap="flat" cmpd="sng" w="19050">
+            <a:ln w="19050" cap="flat" cmpd="sng">
               <a:solidFill>
                 <a:schemeClr val="accent4"/>
               </a:solidFill>
               <a:prstDash val="solid"/>
               <a:round/>
-              <a:headEnd len="sm" w="sm" type="none"/>
-              <a:tailEnd len="sm" w="sm" type="none"/>
+              <a:headEnd type="none" w="sm" len="sm"/>
+              <a:tailEnd type="none" w="sm" len="sm"/>
             </a:ln>
           </p:spPr>
           <p:txBody>
-            <a:bodyPr anchorCtr="0" anchor="ctr" bIns="91425" lIns="91425" spcFirstLastPara="1" rIns="91425" wrap="square" tIns="91425">
+            <a:bodyPr spcFirstLastPara="1" wrap="square" lIns="91425" tIns="91425" rIns="91425" bIns="91425" anchor="ctr" anchorCtr="0">
               <a:noAutofit/>
             </a:bodyPr>
             <a:lstStyle/>
             <a:p>
-              <a:pPr indent="0" lvl="0" marL="0" rtl="0" algn="l">
+              <a:pPr marL="0" lvl="0" indent="0" algn="l" rtl="0">
                 <a:spcBef>
                   <a:spcPts val="0"/>
                 </a:spcBef>
@@ -10873,9 +10850,6 @@
                 </a:spcAft>
                 <a:buNone/>
               </a:pPr>
-              <a:r>
-                <a:t/>
-              </a:r>
               <a:endParaRPr/>
             </a:p>
           </p:txBody>
@@ -10897,23 +10871,23 @@
             <a:solidFill>
               <a:schemeClr val="accent4"/>
             </a:solidFill>
-            <a:ln cap="flat" cmpd="sng" w="19050">
+            <a:ln w="19050" cap="flat" cmpd="sng">
               <a:solidFill>
                 <a:schemeClr val="accent4"/>
               </a:solidFill>
               <a:prstDash val="solid"/>
               <a:round/>
-              <a:headEnd len="sm" w="sm" type="none"/>
-              <a:tailEnd len="sm" w="sm" type="none"/>
+              <a:headEnd type="none" w="sm" len="sm"/>
+              <a:tailEnd type="none" w="sm" len="sm"/>
             </a:ln>
           </p:spPr>
           <p:txBody>
-            <a:bodyPr anchorCtr="0" anchor="ctr" bIns="91425" lIns="91425" spcFirstLastPara="1" rIns="91425" wrap="square" tIns="91425">
+            <a:bodyPr spcFirstLastPara="1" wrap="square" lIns="91425" tIns="91425" rIns="91425" bIns="91425" anchor="ctr" anchorCtr="0">
               <a:noAutofit/>
             </a:bodyPr>
             <a:lstStyle/>
             <a:p>
-              <a:pPr indent="0" lvl="0" marL="0" rtl="0" algn="l">
+              <a:pPr marL="0" lvl="0" indent="0" algn="l" rtl="0">
                 <a:spcBef>
                   <a:spcPts val="0"/>
                 </a:spcBef>
@@ -10922,9 +10896,6 @@
                 </a:spcAft>
                 <a:buNone/>
               </a:pPr>
-              <a:r>
-                <a:t/>
-              </a:r>
               <a:endParaRPr/>
             </a:p>
           </p:txBody>
@@ -10946,23 +10917,23 @@
             <a:solidFill>
               <a:schemeClr val="accent4"/>
             </a:solidFill>
-            <a:ln cap="flat" cmpd="sng" w="19050">
+            <a:ln w="19050" cap="flat" cmpd="sng">
               <a:solidFill>
                 <a:schemeClr val="accent4"/>
               </a:solidFill>
               <a:prstDash val="solid"/>
               <a:round/>
-              <a:headEnd len="sm" w="sm" type="none"/>
-              <a:tailEnd len="sm" w="sm" type="none"/>
+              <a:headEnd type="none" w="sm" len="sm"/>
+              <a:tailEnd type="none" w="sm" len="sm"/>
             </a:ln>
           </p:spPr>
           <p:txBody>
-            <a:bodyPr anchorCtr="0" anchor="ctr" bIns="91425" lIns="91425" spcFirstLastPara="1" rIns="91425" wrap="square" tIns="91425">
+            <a:bodyPr spcFirstLastPara="1" wrap="square" lIns="91425" tIns="91425" rIns="91425" bIns="91425" anchor="ctr" anchorCtr="0">
               <a:noAutofit/>
             </a:bodyPr>
             <a:lstStyle/>
             <a:p>
-              <a:pPr indent="0" lvl="0" marL="0" rtl="0" algn="l">
+              <a:pPr marL="0" lvl="0" indent="0" algn="l" rtl="0">
                 <a:spcBef>
                   <a:spcPts val="0"/>
                 </a:spcBef>
@@ -10971,9 +10942,6 @@
                 </a:spcAft>
                 <a:buNone/>
               </a:pPr>
-              <a:r>
-                <a:t/>
-              </a:r>
               <a:endParaRPr/>
             </a:p>
           </p:txBody>
@@ -10995,23 +10963,23 @@
             <a:solidFill>
               <a:schemeClr val="accent4"/>
             </a:solidFill>
-            <a:ln cap="flat" cmpd="sng" w="19050">
+            <a:ln w="19050" cap="flat" cmpd="sng">
               <a:solidFill>
                 <a:schemeClr val="accent4"/>
               </a:solidFill>
               <a:prstDash val="solid"/>
               <a:round/>
-              <a:headEnd len="sm" w="sm" type="none"/>
-              <a:tailEnd len="sm" w="sm" type="none"/>
+              <a:headEnd type="none" w="sm" len="sm"/>
+              <a:tailEnd type="none" w="sm" len="sm"/>
             </a:ln>
           </p:spPr>
           <p:txBody>
-            <a:bodyPr anchorCtr="0" anchor="ctr" bIns="91425" lIns="91425" spcFirstLastPara="1" rIns="91425" wrap="square" tIns="91425">
+            <a:bodyPr spcFirstLastPara="1" wrap="square" lIns="91425" tIns="91425" rIns="91425" bIns="91425" anchor="ctr" anchorCtr="0">
               <a:noAutofit/>
             </a:bodyPr>
             <a:lstStyle/>
             <a:p>
-              <a:pPr indent="0" lvl="0" marL="0" rtl="0" algn="l">
+              <a:pPr marL="0" lvl="0" indent="0" algn="l" rtl="0">
                 <a:spcBef>
                   <a:spcPts val="0"/>
                 </a:spcBef>
@@ -11020,9 +10988,6 @@
                 </a:spcAft>
                 <a:buNone/>
               </a:pPr>
-              <a:r>
-                <a:t/>
-              </a:r>
               <a:endParaRPr/>
             </a:p>
           </p:txBody>
@@ -11044,23 +11009,23 @@
             <a:solidFill>
               <a:schemeClr val="accent4"/>
             </a:solidFill>
-            <a:ln cap="flat" cmpd="sng" w="19050">
+            <a:ln w="19050" cap="flat" cmpd="sng">
               <a:solidFill>
                 <a:schemeClr val="accent4"/>
               </a:solidFill>
               <a:prstDash val="solid"/>
               <a:round/>
-              <a:headEnd len="sm" w="sm" type="none"/>
-              <a:tailEnd len="sm" w="sm" type="none"/>
+              <a:headEnd type="none" w="sm" len="sm"/>
+              <a:tailEnd type="none" w="sm" len="sm"/>
             </a:ln>
           </p:spPr>
           <p:txBody>
-            <a:bodyPr anchorCtr="0" anchor="ctr" bIns="91425" lIns="91425" spcFirstLastPara="1" rIns="91425" wrap="square" tIns="91425">
+            <a:bodyPr spcFirstLastPara="1" wrap="square" lIns="91425" tIns="91425" rIns="91425" bIns="91425" anchor="ctr" anchorCtr="0">
               <a:noAutofit/>
             </a:bodyPr>
             <a:lstStyle/>
             <a:p>
-              <a:pPr indent="0" lvl="0" marL="0" rtl="0" algn="l">
+              <a:pPr marL="0" lvl="0" indent="0" algn="l" rtl="0">
                 <a:spcBef>
                   <a:spcPts val="0"/>
                 </a:spcBef>
@@ -11069,9 +11034,6 @@
                 </a:spcAft>
                 <a:buNone/>
               </a:pPr>
-              <a:r>
-                <a:t/>
-              </a:r>
               <a:endParaRPr/>
             </a:p>
           </p:txBody>
@@ -11093,23 +11055,23 @@
             <a:solidFill>
               <a:schemeClr val="accent4"/>
             </a:solidFill>
-            <a:ln cap="flat" cmpd="sng" w="19050">
+            <a:ln w="19050" cap="flat" cmpd="sng">
               <a:solidFill>
                 <a:schemeClr val="accent4"/>
               </a:solidFill>
               <a:prstDash val="solid"/>
               <a:round/>
-              <a:headEnd len="sm" w="sm" type="none"/>
-              <a:tailEnd len="sm" w="sm" type="none"/>
+              <a:headEnd type="none" w="sm" len="sm"/>
+              <a:tailEnd type="none" w="sm" len="sm"/>
             </a:ln>
           </p:spPr>
           <p:txBody>
-            <a:bodyPr anchorCtr="0" anchor="ctr" bIns="91425" lIns="91425" spcFirstLastPara="1" rIns="91425" wrap="square" tIns="91425">
+            <a:bodyPr spcFirstLastPara="1" wrap="square" lIns="91425" tIns="91425" rIns="91425" bIns="91425" anchor="ctr" anchorCtr="0">
               <a:noAutofit/>
             </a:bodyPr>
             <a:lstStyle/>
             <a:p>
-              <a:pPr indent="0" lvl="0" marL="0" rtl="0" algn="l">
+              <a:pPr marL="0" lvl="0" indent="0" algn="l" rtl="0">
                 <a:spcBef>
                   <a:spcPts val="0"/>
                 </a:spcBef>
@@ -11118,9 +11080,6 @@
                 </a:spcAft>
                 <a:buNone/>
               </a:pPr>
-              <a:r>
-                <a:t/>
-              </a:r>
               <a:endParaRPr/>
             </a:p>
           </p:txBody>
@@ -11142,23 +11101,23 @@
             <a:solidFill>
               <a:schemeClr val="accent4"/>
             </a:solidFill>
-            <a:ln cap="flat" cmpd="sng" w="19050">
+            <a:ln w="19050" cap="flat" cmpd="sng">
               <a:solidFill>
                 <a:schemeClr val="accent4"/>
               </a:solidFill>
               <a:prstDash val="solid"/>
               <a:round/>
-              <a:headEnd len="sm" w="sm" type="none"/>
-              <a:tailEnd len="sm" w="sm" type="none"/>
+              <a:headEnd type="none" w="sm" len="sm"/>
+              <a:tailEnd type="none" w="sm" len="sm"/>
             </a:ln>
           </p:spPr>
           <p:txBody>
-            <a:bodyPr anchorCtr="0" anchor="ctr" bIns="91425" lIns="91425" spcFirstLastPara="1" rIns="91425" wrap="square" tIns="91425">
+            <a:bodyPr spcFirstLastPara="1" wrap="square" lIns="91425" tIns="91425" rIns="91425" bIns="91425" anchor="ctr" anchorCtr="0">
               <a:noAutofit/>
             </a:bodyPr>
             <a:lstStyle/>
             <a:p>
-              <a:pPr indent="0" lvl="0" marL="0" rtl="0" algn="l">
+              <a:pPr marL="0" lvl="0" indent="0" algn="l" rtl="0">
                 <a:spcBef>
                   <a:spcPts val="0"/>
                 </a:spcBef>
@@ -11167,9 +11126,6 @@
                 </a:spcAft>
                 <a:buNone/>
               </a:pPr>
-              <a:r>
-                <a:t/>
-              </a:r>
               <a:endParaRPr/>
             </a:p>
           </p:txBody>
@@ -11191,23 +11147,23 @@
             <a:solidFill>
               <a:schemeClr val="accent4"/>
             </a:solidFill>
-            <a:ln cap="flat" cmpd="sng" w="19050">
+            <a:ln w="19050" cap="flat" cmpd="sng">
               <a:solidFill>
                 <a:schemeClr val="accent4"/>
               </a:solidFill>
               <a:prstDash val="solid"/>
               <a:round/>
-              <a:headEnd len="sm" w="sm" type="none"/>
-              <a:tailEnd len="sm" w="sm" type="none"/>
+              <a:headEnd type="none" w="sm" len="sm"/>
+              <a:tailEnd type="none" w="sm" len="sm"/>
             </a:ln>
           </p:spPr>
           <p:txBody>
-            <a:bodyPr anchorCtr="0" anchor="ctr" bIns="91425" lIns="91425" spcFirstLastPara="1" rIns="91425" wrap="square" tIns="91425">
+            <a:bodyPr spcFirstLastPara="1" wrap="square" lIns="91425" tIns="91425" rIns="91425" bIns="91425" anchor="ctr" anchorCtr="0">
               <a:noAutofit/>
             </a:bodyPr>
             <a:lstStyle/>
             <a:p>
-              <a:pPr indent="0" lvl="0" marL="0" rtl="0" algn="l">
+              <a:pPr marL="0" lvl="0" indent="0" algn="l" rtl="0">
                 <a:spcBef>
                   <a:spcPts val="0"/>
                 </a:spcBef>
@@ -11216,9 +11172,6 @@
                 </a:spcAft>
                 <a:buNone/>
               </a:pPr>
-              <a:r>
-                <a:t/>
-              </a:r>
               <a:endParaRPr/>
             </a:p>
           </p:txBody>
@@ -11227,9 +11180,11 @@
       <p:sp>
         <p:nvSpPr>
           <p:cNvPr id="170" name="Google Shape;170;p19"/>
-          <p:cNvSpPr txBox="1"/>
+          <p:cNvSpPr txBox="1">
+            <a:spLocks noGrp="1"/>
+          </p:cNvSpPr>
           <p:nvPr>
-            <p:ph idx="2" type="body"/>
+            <p:ph type="body" idx="2"/>
           </p:nvPr>
         </p:nvSpPr>
         <p:spPr>
@@ -11242,12 +11197,12 @@
           </a:prstGeom>
         </p:spPr>
         <p:txBody>
-          <a:bodyPr anchorCtr="0" anchor="ctr" bIns="91425" lIns="91425" spcFirstLastPara="1" rIns="91425" wrap="square" tIns="91425">
+          <a:bodyPr spcFirstLastPara="1" wrap="square" lIns="91425" tIns="91425" rIns="91425" bIns="91425" anchor="ctr" anchorCtr="0">
             <a:noAutofit/>
           </a:bodyPr>
           <a:lstStyle/>
           <a:p>
-            <a:pPr indent="0" lvl="0" marL="0" rtl="0" algn="ctr">
+            <a:pPr marL="0" lvl="0" indent="0" algn="ctr" rtl="0">
               <a:spcBef>
                 <a:spcPts val="0"/>
               </a:spcBef>
@@ -11309,7 +11264,288 @@
 </file>
 
 <file path=ppt/theme/theme1.xml><?xml version="1.0" encoding="utf-8"?>
-<a:theme xmlns:a="http://schemas.openxmlformats.org/drawingml/2006/main" xmlns:r="http://schemas.openxmlformats.org/officeDocument/2006/relationships">
+<a:theme xmlns:a="http://schemas.openxmlformats.org/drawingml/2006/main" name="Geometric">
+  <a:themeElements>
+    <a:clrScheme name="Geometric">
+      <a:dk1>
+        <a:srgbClr val="2A3990"/>
+      </a:dk1>
+      <a:lt1>
+        <a:srgbClr val="FFFFFF"/>
+      </a:lt1>
+      <a:dk2>
+        <a:srgbClr val="434343"/>
+      </a:dk2>
+      <a:lt2>
+        <a:srgbClr val="999999"/>
+      </a:lt2>
+      <a:accent1>
+        <a:srgbClr val="212D74"/>
+      </a:accent1>
+      <a:accent2>
+        <a:srgbClr val="3949AB"/>
+      </a:accent2>
+      <a:accent3>
+        <a:srgbClr val="9C254D"/>
+      </a:accent3>
+      <a:accent4>
+        <a:srgbClr val="D23369"/>
+      </a:accent4>
+      <a:accent5>
+        <a:srgbClr val="F06292"/>
+      </a:accent5>
+      <a:accent6>
+        <a:srgbClr val="7890CD"/>
+      </a:accent6>
+      <a:hlink>
+        <a:srgbClr val="F06292"/>
+      </a:hlink>
+      <a:folHlink>
+        <a:srgbClr val="F06292"/>
+      </a:folHlink>
+    </a:clrScheme>
+    <a:fontScheme name="Office">
+      <a:majorFont>
+        <a:latin typeface="Arial"/>
+        <a:ea typeface=""/>
+        <a:cs typeface=""/>
+        <a:font script="Jpan" typeface="ＭＳ Ｐゴシック"/>
+        <a:font script="Hang" typeface="맑은 고딕"/>
+        <a:font script="Hans" typeface="宋体"/>
+        <a:font script="Hant" typeface="新細明體"/>
+        <a:font script="Arab" typeface="Times New Roman"/>
+        <a:font script="Hebr" typeface="Times New Roman"/>
+        <a:font script="Thai" typeface="Angsana New"/>
+        <a:font script="Ethi" typeface="Nyala"/>
+        <a:font script="Beng" typeface="Vrinda"/>
+        <a:font script="Gujr" typeface="Shruti"/>
+        <a:font script="Khmr" typeface="MoolBoran"/>
+        <a:font script="Knda" typeface="Tunga"/>
+        <a:font script="Guru" typeface="Raavi"/>
+        <a:font script="Cans" typeface="Euphemia"/>
+        <a:font script="Cher" typeface="Plantagenet Cherokee"/>
+        <a:font script="Yiii" typeface="Microsoft Yi Baiti"/>
+        <a:font script="Tibt" typeface="Microsoft Himalaya"/>
+        <a:font script="Thaa" typeface="MV Boli"/>
+        <a:font script="Deva" typeface="Mangal"/>
+        <a:font script="Telu" typeface="Gautami"/>
+        <a:font script="Taml" typeface="Latha"/>
+        <a:font script="Syrc" typeface="Estrangelo Edessa"/>
+        <a:font script="Orya" typeface="Kalinga"/>
+        <a:font script="Mlym" typeface="Kartika"/>
+        <a:font script="Laoo" typeface="DokChampa"/>
+        <a:font script="Sinh" typeface="Iskoola Pota"/>
+        <a:font script="Mong" typeface="Mongolian Baiti"/>
+        <a:font script="Viet" typeface="Times New Roman"/>
+        <a:font script="Uigh" typeface="Microsoft Uighur"/>
+        <a:font script="Geor" typeface="Sylfaen"/>
+      </a:majorFont>
+      <a:minorFont>
+        <a:latin typeface="Arial"/>
+        <a:ea typeface=""/>
+        <a:cs typeface=""/>
+        <a:font script="Jpan" typeface="ＭＳ Ｐゴシック"/>
+        <a:font script="Hang" typeface="맑은 고딕"/>
+        <a:font script="Hans" typeface="宋体"/>
+        <a:font script="Hant" typeface="新細明體"/>
+        <a:font script="Arab" typeface="Arial"/>
+        <a:font script="Hebr" typeface="Arial"/>
+        <a:font script="Thai" typeface="Cordia New"/>
+        <a:font script="Ethi" typeface="Nyala"/>
+        <a:font script="Beng" typeface="Vrinda"/>
+        <a:font script="Gujr" typeface="Shruti"/>
+        <a:font script="Khmr" typeface="DaunPenh"/>
+        <a:font script="Knda" typeface="Tunga"/>
+        <a:font script="Guru" typeface="Raavi"/>
+        <a:font script="Cans" typeface="Euphemia"/>
+        <a:font script="Cher" typeface="Plantagenet Cherokee"/>
+        <a:font script="Yiii" typeface="Microsoft Yi Baiti"/>
+        <a:font script="Tibt" typeface="Microsoft Himalaya"/>
+        <a:font script="Thaa" typeface="MV Boli"/>
+        <a:font script="Deva" typeface="Mangal"/>
+        <a:font script="Telu" typeface="Gautami"/>
+        <a:font script="Taml" typeface="Latha"/>
+        <a:font script="Syrc" typeface="Estrangelo Edessa"/>
+        <a:font script="Orya" typeface="Kalinga"/>
+        <a:font script="Mlym" typeface="Kartika"/>
+        <a:font script="Laoo" typeface="DokChampa"/>
+        <a:font script="Sinh" typeface="Iskoola Pota"/>
+        <a:font script="Mong" typeface="Mongolian Baiti"/>
+        <a:font script="Viet" typeface="Arial"/>
+        <a:font script="Uigh" typeface="Microsoft Uighur"/>
+        <a:font script="Geor" typeface="Sylfaen"/>
+      </a:minorFont>
+    </a:fontScheme>
+    <a:fmtScheme name="Office">
+      <a:fillStyleLst>
+        <a:solidFill>
+          <a:schemeClr val="phClr"/>
+        </a:solidFill>
+        <a:gradFill rotWithShape="1">
+          <a:gsLst>
+            <a:gs pos="0">
+              <a:schemeClr val="phClr">
+                <a:tint val="50000"/>
+                <a:satMod val="300000"/>
+              </a:schemeClr>
+            </a:gs>
+            <a:gs pos="35000">
+              <a:schemeClr val="phClr">
+                <a:tint val="37000"/>
+                <a:satMod val="300000"/>
+              </a:schemeClr>
+            </a:gs>
+            <a:gs pos="100000">
+              <a:schemeClr val="phClr">
+                <a:tint val="15000"/>
+                <a:satMod val="350000"/>
+              </a:schemeClr>
+            </a:gs>
+          </a:gsLst>
+          <a:lin ang="16200000" scaled="1"/>
+        </a:gradFill>
+        <a:gradFill rotWithShape="1">
+          <a:gsLst>
+            <a:gs pos="0">
+              <a:schemeClr val="phClr">
+                <a:tint val="100000"/>
+                <a:shade val="100000"/>
+                <a:satMod val="130000"/>
+              </a:schemeClr>
+            </a:gs>
+            <a:gs pos="100000">
+              <a:schemeClr val="phClr">
+                <a:tint val="50000"/>
+                <a:shade val="100000"/>
+                <a:satMod val="350000"/>
+              </a:schemeClr>
+            </a:gs>
+          </a:gsLst>
+          <a:lin ang="16200000" scaled="0"/>
+        </a:gradFill>
+      </a:fillStyleLst>
+      <a:lnStyleLst>
+        <a:ln w="9525" cap="flat" cmpd="sng" algn="ctr">
+          <a:solidFill>
+            <a:schemeClr val="phClr">
+              <a:shade val="95000"/>
+              <a:satMod val="105000"/>
+            </a:schemeClr>
+          </a:solidFill>
+          <a:prstDash val="solid"/>
+        </a:ln>
+        <a:ln w="25400" cap="flat" cmpd="sng" algn="ctr">
+          <a:solidFill>
+            <a:schemeClr val="phClr"/>
+          </a:solidFill>
+          <a:prstDash val="solid"/>
+        </a:ln>
+        <a:ln w="38100" cap="flat" cmpd="sng" algn="ctr">
+          <a:solidFill>
+            <a:schemeClr val="phClr"/>
+          </a:solidFill>
+          <a:prstDash val="solid"/>
+        </a:ln>
+      </a:lnStyleLst>
+      <a:effectStyleLst>
+        <a:effectStyle>
+          <a:effectLst>
+            <a:outerShdw blurRad="40000" dist="20000" dir="5400000" rotWithShape="0">
+              <a:srgbClr val="000000">
+                <a:alpha val="38000"/>
+              </a:srgbClr>
+            </a:outerShdw>
+          </a:effectLst>
+        </a:effectStyle>
+        <a:effectStyle>
+          <a:effectLst>
+            <a:outerShdw blurRad="40000" dist="23000" dir="5400000" rotWithShape="0">
+              <a:srgbClr val="000000">
+                <a:alpha val="35000"/>
+              </a:srgbClr>
+            </a:outerShdw>
+          </a:effectLst>
+        </a:effectStyle>
+        <a:effectStyle>
+          <a:effectLst>
+            <a:outerShdw blurRad="40000" dist="23000" dir="5400000" rotWithShape="0">
+              <a:srgbClr val="000000">
+                <a:alpha val="35000"/>
+              </a:srgbClr>
+            </a:outerShdw>
+          </a:effectLst>
+          <a:scene3d>
+            <a:camera prst="orthographicFront">
+              <a:rot lat="0" lon="0" rev="0"/>
+            </a:camera>
+            <a:lightRig rig="threePt" dir="t">
+              <a:rot lat="0" lon="0" rev="1200000"/>
+            </a:lightRig>
+          </a:scene3d>
+          <a:sp3d>
+            <a:bevelT w="63500" h="25400"/>
+          </a:sp3d>
+        </a:effectStyle>
+      </a:effectStyleLst>
+      <a:bgFillStyleLst>
+        <a:solidFill>
+          <a:schemeClr val="phClr"/>
+        </a:solidFill>
+        <a:gradFill rotWithShape="1">
+          <a:gsLst>
+            <a:gs pos="0">
+              <a:schemeClr val="phClr">
+                <a:tint val="40000"/>
+                <a:satMod val="350000"/>
+              </a:schemeClr>
+            </a:gs>
+            <a:gs pos="40000">
+              <a:schemeClr val="phClr">
+                <a:tint val="45000"/>
+                <a:shade val="99000"/>
+                <a:satMod val="350000"/>
+              </a:schemeClr>
+            </a:gs>
+            <a:gs pos="100000">
+              <a:schemeClr val="phClr">
+                <a:shade val="20000"/>
+                <a:satMod val="255000"/>
+              </a:schemeClr>
+            </a:gs>
+          </a:gsLst>
+          <a:path path="circle">
+            <a:fillToRect l="50000" t="-80000" r="50000" b="180000"/>
+          </a:path>
+        </a:gradFill>
+        <a:gradFill rotWithShape="1">
+          <a:gsLst>
+            <a:gs pos="0">
+              <a:schemeClr val="phClr">
+                <a:tint val="80000"/>
+                <a:satMod val="300000"/>
+              </a:schemeClr>
+            </a:gs>
+            <a:gs pos="100000">
+              <a:schemeClr val="phClr">
+                <a:shade val="30000"/>
+                <a:satMod val="200000"/>
+              </a:schemeClr>
+            </a:gs>
+          </a:gsLst>
+          <a:path path="circle">
+            <a:fillToRect l="50000" t="50000" r="50000" b="50000"/>
+          </a:path>
+        </a:gradFill>
+      </a:bgFillStyleLst>
+    </a:fmtScheme>
+  </a:themeElements>
+  <a:objectDefaults/>
+  <a:extraClrSchemeLst/>
+</a:theme>
+</file>
+
+<file path=ppt/theme/theme2.xml><?xml version="1.0" encoding="utf-8"?>
+<a:theme xmlns:a="http://schemas.openxmlformats.org/drawingml/2006/main">
   <a:themeElements>
     <a:clrScheme name="Default">
       <a:dk1>
@@ -11584,284 +11820,7 @@
       </a:bgFillStyleLst>
     </a:fmtScheme>
   </a:themeElements>
-</a:theme>
-</file>
-
-<file path=ppt/theme/theme2.xml><?xml version="1.0" encoding="utf-8"?>
-<a:theme xmlns:a="http://schemas.openxmlformats.org/drawingml/2006/main" xmlns:r="http://schemas.openxmlformats.org/officeDocument/2006/relationships" name="Geometric">
-  <a:themeElements>
-    <a:clrScheme name="Geometric">
-      <a:dk1>
-        <a:srgbClr val="2A3990"/>
-      </a:dk1>
-      <a:lt1>
-        <a:srgbClr val="FFFFFF"/>
-      </a:lt1>
-      <a:dk2>
-        <a:srgbClr val="434343"/>
-      </a:dk2>
-      <a:lt2>
-        <a:srgbClr val="999999"/>
-      </a:lt2>
-      <a:accent1>
-        <a:srgbClr val="212D74"/>
-      </a:accent1>
-      <a:accent2>
-        <a:srgbClr val="3949AB"/>
-      </a:accent2>
-      <a:accent3>
-        <a:srgbClr val="9C254D"/>
-      </a:accent3>
-      <a:accent4>
-        <a:srgbClr val="D23369"/>
-      </a:accent4>
-      <a:accent5>
-        <a:srgbClr val="F06292"/>
-      </a:accent5>
-      <a:accent6>
-        <a:srgbClr val="7890CD"/>
-      </a:accent6>
-      <a:hlink>
-        <a:srgbClr val="F06292"/>
-      </a:hlink>
-      <a:folHlink>
-        <a:srgbClr val="F06292"/>
-      </a:folHlink>
-    </a:clrScheme>
-    <a:fontScheme name="Office">
-      <a:majorFont>
-        <a:latin typeface="Arial"/>
-        <a:ea typeface=""/>
-        <a:cs typeface=""/>
-        <a:font script="Jpan" typeface="ＭＳ Ｐゴシック"/>
-        <a:font script="Hang" typeface="맑은 고딕"/>
-        <a:font script="Hans" typeface="宋体"/>
-        <a:font script="Hant" typeface="新細明體"/>
-        <a:font script="Arab" typeface="Times New Roman"/>
-        <a:font script="Hebr" typeface="Times New Roman"/>
-        <a:font script="Thai" typeface="Angsana New"/>
-        <a:font script="Ethi" typeface="Nyala"/>
-        <a:font script="Beng" typeface="Vrinda"/>
-        <a:font script="Gujr" typeface="Shruti"/>
-        <a:font script="Khmr" typeface="MoolBoran"/>
-        <a:font script="Knda" typeface="Tunga"/>
-        <a:font script="Guru" typeface="Raavi"/>
-        <a:font script="Cans" typeface="Euphemia"/>
-        <a:font script="Cher" typeface="Plantagenet Cherokee"/>
-        <a:font script="Yiii" typeface="Microsoft Yi Baiti"/>
-        <a:font script="Tibt" typeface="Microsoft Himalaya"/>
-        <a:font script="Thaa" typeface="MV Boli"/>
-        <a:font script="Deva" typeface="Mangal"/>
-        <a:font script="Telu" typeface="Gautami"/>
-        <a:font script="Taml" typeface="Latha"/>
-        <a:font script="Syrc" typeface="Estrangelo Edessa"/>
-        <a:font script="Orya" typeface="Kalinga"/>
-        <a:font script="Mlym" typeface="Kartika"/>
-        <a:font script="Laoo" typeface="DokChampa"/>
-        <a:font script="Sinh" typeface="Iskoola Pota"/>
-        <a:font script="Mong" typeface="Mongolian Baiti"/>
-        <a:font script="Viet" typeface="Times New Roman"/>
-        <a:font script="Uigh" typeface="Microsoft Uighur"/>
-        <a:font script="Geor" typeface="Sylfaen"/>
-      </a:majorFont>
-      <a:minorFont>
-        <a:latin typeface="Arial"/>
-        <a:ea typeface=""/>
-        <a:cs typeface=""/>
-        <a:font script="Jpan" typeface="ＭＳ Ｐゴシック"/>
-        <a:font script="Hang" typeface="맑은 고딕"/>
-        <a:font script="Hans" typeface="宋体"/>
-        <a:font script="Hant" typeface="新細明體"/>
-        <a:font script="Arab" typeface="Arial"/>
-        <a:font script="Hebr" typeface="Arial"/>
-        <a:font script="Thai" typeface="Cordia New"/>
-        <a:font script="Ethi" typeface="Nyala"/>
-        <a:font script="Beng" typeface="Vrinda"/>
-        <a:font script="Gujr" typeface="Shruti"/>
-        <a:font script="Khmr" typeface="DaunPenh"/>
-        <a:font script="Knda" typeface="Tunga"/>
-        <a:font script="Guru" typeface="Raavi"/>
-        <a:font script="Cans" typeface="Euphemia"/>
-        <a:font script="Cher" typeface="Plantagenet Cherokee"/>
-        <a:font script="Yiii" typeface="Microsoft Yi Baiti"/>
-        <a:font script="Tibt" typeface="Microsoft Himalaya"/>
-        <a:font script="Thaa" typeface="MV Boli"/>
-        <a:font script="Deva" typeface="Mangal"/>
-        <a:font script="Telu" typeface="Gautami"/>
-        <a:font script="Taml" typeface="Latha"/>
-        <a:font script="Syrc" typeface="Estrangelo Edessa"/>
-        <a:font script="Orya" typeface="Kalinga"/>
-        <a:font script="Mlym" typeface="Kartika"/>
-        <a:font script="Laoo" typeface="DokChampa"/>
-        <a:font script="Sinh" typeface="Iskoola Pota"/>
-        <a:font script="Mong" typeface="Mongolian Baiti"/>
-        <a:font script="Viet" typeface="Arial"/>
-        <a:font script="Uigh" typeface="Microsoft Uighur"/>
-        <a:font script="Geor" typeface="Sylfaen"/>
-      </a:minorFont>
-    </a:fontScheme>
-    <a:fmtScheme name="Office">
-      <a:fillStyleLst>
-        <a:solidFill>
-          <a:schemeClr val="phClr"/>
-        </a:solidFill>
-        <a:gradFill rotWithShape="1">
-          <a:gsLst>
-            <a:gs pos="0">
-              <a:schemeClr val="phClr">
-                <a:tint val="50000"/>
-                <a:satMod val="300000"/>
-              </a:schemeClr>
-            </a:gs>
-            <a:gs pos="35000">
-              <a:schemeClr val="phClr">
-                <a:tint val="37000"/>
-                <a:satMod val="300000"/>
-              </a:schemeClr>
-            </a:gs>
-            <a:gs pos="100000">
-              <a:schemeClr val="phClr">
-                <a:tint val="15000"/>
-                <a:satMod val="350000"/>
-              </a:schemeClr>
-            </a:gs>
-          </a:gsLst>
-          <a:lin ang="16200000" scaled="1"/>
-        </a:gradFill>
-        <a:gradFill rotWithShape="1">
-          <a:gsLst>
-            <a:gs pos="0">
-              <a:schemeClr val="phClr">
-                <a:tint val="100000"/>
-                <a:shade val="100000"/>
-                <a:satMod val="130000"/>
-              </a:schemeClr>
-            </a:gs>
-            <a:gs pos="100000">
-              <a:schemeClr val="phClr">
-                <a:tint val="50000"/>
-                <a:shade val="100000"/>
-                <a:satMod val="350000"/>
-              </a:schemeClr>
-            </a:gs>
-          </a:gsLst>
-          <a:lin ang="16200000" scaled="0"/>
-        </a:gradFill>
-      </a:fillStyleLst>
-      <a:lnStyleLst>
-        <a:ln w="9525" cap="flat" cmpd="sng" algn="ctr">
-          <a:solidFill>
-            <a:schemeClr val="phClr">
-              <a:shade val="95000"/>
-              <a:satMod val="105000"/>
-            </a:schemeClr>
-          </a:solidFill>
-          <a:prstDash val="solid"/>
-        </a:ln>
-        <a:ln w="25400" cap="flat" cmpd="sng" algn="ctr">
-          <a:solidFill>
-            <a:schemeClr val="phClr"/>
-          </a:solidFill>
-          <a:prstDash val="solid"/>
-        </a:ln>
-        <a:ln w="38100" cap="flat" cmpd="sng" algn="ctr">
-          <a:solidFill>
-            <a:schemeClr val="phClr"/>
-          </a:solidFill>
-          <a:prstDash val="solid"/>
-        </a:ln>
-      </a:lnStyleLst>
-      <a:effectStyleLst>
-        <a:effectStyle>
-          <a:effectLst>
-            <a:outerShdw blurRad="40000" dist="20000" dir="5400000" rotWithShape="0">
-              <a:srgbClr val="000000">
-                <a:alpha val="38000"/>
-              </a:srgbClr>
-            </a:outerShdw>
-          </a:effectLst>
-        </a:effectStyle>
-        <a:effectStyle>
-          <a:effectLst>
-            <a:outerShdw blurRad="40000" dist="23000" dir="5400000" rotWithShape="0">
-              <a:srgbClr val="000000">
-                <a:alpha val="35000"/>
-              </a:srgbClr>
-            </a:outerShdw>
-          </a:effectLst>
-        </a:effectStyle>
-        <a:effectStyle>
-          <a:effectLst>
-            <a:outerShdw blurRad="40000" dist="23000" dir="5400000" rotWithShape="0">
-              <a:srgbClr val="000000">
-                <a:alpha val="35000"/>
-              </a:srgbClr>
-            </a:outerShdw>
-          </a:effectLst>
-          <a:scene3d>
-            <a:camera prst="orthographicFront">
-              <a:rot lat="0" lon="0" rev="0"/>
-            </a:camera>
-            <a:lightRig rig="threePt" dir="t">
-              <a:rot lat="0" lon="0" rev="1200000"/>
-            </a:lightRig>
-          </a:scene3d>
-          <a:sp3d>
-            <a:bevelT w="63500" h="25400"/>
-          </a:sp3d>
-        </a:effectStyle>
-      </a:effectStyleLst>
-      <a:bgFillStyleLst>
-        <a:solidFill>
-          <a:schemeClr val="phClr"/>
-        </a:solidFill>
-        <a:gradFill rotWithShape="1">
-          <a:gsLst>
-            <a:gs pos="0">
-              <a:schemeClr val="phClr">
-                <a:tint val="40000"/>
-                <a:satMod val="350000"/>
-              </a:schemeClr>
-            </a:gs>
-            <a:gs pos="40000">
-              <a:schemeClr val="phClr">
-                <a:tint val="45000"/>
-                <a:shade val="99000"/>
-                <a:satMod val="350000"/>
-              </a:schemeClr>
-            </a:gs>
-            <a:gs pos="100000">
-              <a:schemeClr val="phClr">
-                <a:shade val="20000"/>
-                <a:satMod val="255000"/>
-              </a:schemeClr>
-            </a:gs>
-          </a:gsLst>
-          <a:path path="circle">
-            <a:fillToRect l="50000" t="-80000" r="50000" b="180000"/>
-          </a:path>
-        </a:gradFill>
-        <a:gradFill rotWithShape="1">
-          <a:gsLst>
-            <a:gs pos="0">
-              <a:schemeClr val="phClr">
-                <a:tint val="80000"/>
-                <a:satMod val="300000"/>
-              </a:schemeClr>
-            </a:gs>
-            <a:gs pos="100000">
-              <a:schemeClr val="phClr">
-                <a:shade val="30000"/>
-                <a:satMod val="200000"/>
-              </a:schemeClr>
-            </a:gs>
-          </a:gsLst>
-          <a:path path="circle">
-            <a:fillToRect l="50000" t="50000" r="50000" b="50000"/>
-          </a:path>
-        </a:gradFill>
-      </a:bgFillStyleLst>
-    </a:fmtScheme>
-  </a:themeElements>
+  <a:objectDefaults/>
+  <a:extraClrSchemeLst/>
 </a:theme>
 </file>